--- a/PART B FINAL/הגשה/פוסטר.pptx
+++ b/PART B FINAL/הגשה/פוסטר.pptx
@@ -6,14 +6,15 @@
     <p:sldMasterId id="2147483660" r:id="rId2"/>
   </p:sldMasterIdLst>
   <p:notesMasterIdLst>
-    <p:notesMasterId r:id="rId8"/>
+    <p:notesMasterId r:id="rId9"/>
   </p:notesMasterIdLst>
   <p:sldIdLst>
     <p:sldId id="256" r:id="rId3"/>
     <p:sldId id="257" r:id="rId4"/>
     <p:sldId id="258" r:id="rId5"/>
     <p:sldId id="259" r:id="rId6"/>
-    <p:sldId id="260" r:id="rId7"/>
+    <p:sldId id="261" r:id="rId7"/>
+    <p:sldId id="260" r:id="rId8"/>
   </p:sldIdLst>
   <p:sldSz cx="9144000" cy="6858000" type="screen4x3"/>
   <p:notesSz cx="6858000" cy="9144000"/>
@@ -164,7 +165,7 @@
             </a:lvl1pPr>
           </a:lstStyle>
           <a:p>
-            <a:endParaRPr lang="he-IL"/>
+            <a:endParaRPr lang="he-IL" dirty="0"/>
           </a:p>
         </p:txBody>
       </p:sp>
@@ -197,9 +198,9 @@
           <a:p>
             <a:fld id="{4A2A50AC-A636-4B81-AFAF-4E4661667CC1}" type="datetimeFigureOut">
               <a:rPr lang="he-IL" smtClean="0"/>
-              <a:t>ט"ו/שבט/תשע"ד</a:t>
+              <a:t>כ"ו/שבט/תשע"ד</a:t>
             </a:fld>
-            <a:endParaRPr lang="he-IL"/>
+            <a:endParaRPr lang="he-IL" dirty="0"/>
           </a:p>
         </p:txBody>
       </p:sp>
@@ -232,7 +233,7 @@
           <a:bodyPr vert="horz" lIns="91440" tIns="45720" rIns="91440" bIns="45720" rtlCol="1" anchor="ctr"/>
           <a:lstStyle/>
           <a:p>
-            <a:endParaRPr lang="he-IL"/>
+            <a:endParaRPr lang="he-IL" dirty="0"/>
           </a:p>
         </p:txBody>
       </p:sp>
@@ -323,7 +324,7 @@
             </a:lvl1pPr>
           </a:lstStyle>
           <a:p>
-            <a:endParaRPr lang="he-IL"/>
+            <a:endParaRPr lang="he-IL" dirty="0"/>
           </a:p>
         </p:txBody>
       </p:sp>
@@ -358,7 +359,7 @@
               <a:rPr lang="he-IL" smtClean="0"/>
               <a:t>‹#›</a:t>
             </a:fld>
-            <a:endParaRPr lang="he-IL"/>
+            <a:endParaRPr lang="he-IL" dirty="0"/>
           </a:p>
         </p:txBody>
       </p:sp>
@@ -1015,7 +1016,7 @@
               <a:pPr/>
               <a:t>3</a:t>
             </a:fld>
-            <a:endParaRPr lang="he-IL">
+            <a:endParaRPr lang="he-IL" dirty="0">
               <a:solidFill>
                 <a:prstClr val="black"/>
               </a:solidFill>
@@ -1341,9 +1342,9 @@
                 </a:solidFill>
               </a:rPr>
               <a:pPr/>
-              <a:t>5</a:t>
+              <a:t>6</a:t>
             </a:fld>
-            <a:endParaRPr lang="he-IL">
+            <a:endParaRPr lang="he-IL" dirty="0">
               <a:solidFill>
                 <a:prstClr val="black"/>
               </a:solidFill>
@@ -1540,9 +1541,9 @@
           <a:p>
             <a:fld id="{4E7438E1-117D-44FB-AC24-B79D899BA877}" type="datetimeFigureOut">
               <a:rPr lang="he-IL" smtClean="0"/>
-              <a:t>ט"ו/שבט/תשע"ד</a:t>
+              <a:t>כ"ו/שבט/תשע"ד</a:t>
             </a:fld>
-            <a:endParaRPr lang="he-IL"/>
+            <a:endParaRPr lang="he-IL" dirty="0"/>
           </a:p>
         </p:txBody>
       </p:sp>
@@ -1561,7 +1562,7 @@
           <a:bodyPr/>
           <a:lstStyle/>
           <a:p>
-            <a:endParaRPr lang="he-IL"/>
+            <a:endParaRPr lang="he-IL" dirty="0"/>
           </a:p>
         </p:txBody>
       </p:sp>
@@ -1584,7 +1585,7 @@
               <a:rPr lang="he-IL" smtClean="0"/>
               <a:t>‹#›</a:t>
             </a:fld>
-            <a:endParaRPr lang="he-IL"/>
+            <a:endParaRPr lang="he-IL" dirty="0"/>
           </a:p>
         </p:txBody>
       </p:sp>
@@ -1705,9 +1706,9 @@
           <a:p>
             <a:fld id="{4E7438E1-117D-44FB-AC24-B79D899BA877}" type="datetimeFigureOut">
               <a:rPr lang="he-IL" smtClean="0"/>
-              <a:t>ט"ו/שבט/תשע"ד</a:t>
+              <a:t>כ"ו/שבט/תשע"ד</a:t>
             </a:fld>
-            <a:endParaRPr lang="he-IL"/>
+            <a:endParaRPr lang="he-IL" dirty="0"/>
           </a:p>
         </p:txBody>
       </p:sp>
@@ -1726,7 +1727,7 @@
           <a:bodyPr/>
           <a:lstStyle/>
           <a:p>
-            <a:endParaRPr lang="he-IL"/>
+            <a:endParaRPr lang="he-IL" dirty="0"/>
           </a:p>
         </p:txBody>
       </p:sp>
@@ -1749,7 +1750,7 @@
               <a:rPr lang="he-IL" smtClean="0"/>
               <a:t>‹#›</a:t>
             </a:fld>
-            <a:endParaRPr lang="he-IL"/>
+            <a:endParaRPr lang="he-IL" dirty="0"/>
           </a:p>
         </p:txBody>
       </p:sp>
@@ -1880,9 +1881,9 @@
           <a:p>
             <a:fld id="{4E7438E1-117D-44FB-AC24-B79D899BA877}" type="datetimeFigureOut">
               <a:rPr lang="he-IL" smtClean="0"/>
-              <a:t>ט"ו/שבט/תשע"ד</a:t>
+              <a:t>כ"ו/שבט/תשע"ד</a:t>
             </a:fld>
-            <a:endParaRPr lang="he-IL"/>
+            <a:endParaRPr lang="he-IL" dirty="0"/>
           </a:p>
         </p:txBody>
       </p:sp>
@@ -1901,7 +1902,7 @@
           <a:bodyPr/>
           <a:lstStyle/>
           <a:p>
-            <a:endParaRPr lang="he-IL"/>
+            <a:endParaRPr lang="he-IL" dirty="0"/>
           </a:p>
         </p:txBody>
       </p:sp>
@@ -1924,7 +1925,7 @@
               <a:rPr lang="he-IL" smtClean="0"/>
               <a:t>‹#›</a:t>
             </a:fld>
-            <a:endParaRPr lang="he-IL"/>
+            <a:endParaRPr lang="he-IL" dirty="0"/>
           </a:p>
         </p:txBody>
       </p:sp>
@@ -2124,7 +2125,7 @@
                 </a:solidFill>
               </a:rPr>
               <a:pPr/>
-              <a:t>ט"ו/שבט/תשע"ד</a:t>
+              <a:t>כ"ו/שבט/תשע"ד</a:t>
             </a:fld>
             <a:endParaRPr lang="he-IL" dirty="0">
               <a:solidFill>
@@ -2326,7 +2327,7 @@
                 </a:solidFill>
               </a:rPr>
               <a:pPr/>
-              <a:t>ט"ו/שבט/תשע"ד</a:t>
+              <a:t>כ"ו/שבט/תשע"ד</a:t>
             </a:fld>
             <a:endParaRPr lang="he-IL" dirty="0">
               <a:solidFill>
@@ -2604,7 +2605,7 @@
                 </a:solidFill>
               </a:rPr>
               <a:pPr/>
-              <a:t>ט"ו/שבט/תשע"ד</a:t>
+              <a:t>כ"ו/שבט/תשע"ד</a:t>
             </a:fld>
             <a:endParaRPr lang="he-IL" dirty="0">
               <a:solidFill>
@@ -2924,7 +2925,7 @@
                 </a:solidFill>
               </a:rPr>
               <a:pPr/>
-              <a:t>ט"ו/שבט/תשע"ד</a:t>
+              <a:t>כ"ו/שבט/תשע"ד</a:t>
             </a:fld>
             <a:endParaRPr lang="he-IL" dirty="0">
               <a:solidFill>
@@ -3378,7 +3379,7 @@
                 </a:solidFill>
               </a:rPr>
               <a:pPr/>
-              <a:t>ט"ו/שבט/תשע"ד</a:t>
+              <a:t>כ"ו/שבט/תשע"ד</a:t>
             </a:fld>
             <a:endParaRPr lang="he-IL" dirty="0">
               <a:solidFill>
@@ -3528,7 +3529,7 @@
                 </a:solidFill>
               </a:rPr>
               <a:pPr/>
-              <a:t>ט"ו/שבט/תשע"ד</a:t>
+              <a:t>כ"ו/שבט/תשע"ד</a:t>
             </a:fld>
             <a:endParaRPr lang="he-IL" dirty="0">
               <a:solidFill>
@@ -3655,7 +3656,7 @@
                 </a:solidFill>
               </a:rPr>
               <a:pPr/>
-              <a:t>ט"ו/שבט/תשע"ד</a:t>
+              <a:t>כ"ו/שבט/תשע"ד</a:t>
             </a:fld>
             <a:endParaRPr lang="he-IL" dirty="0">
               <a:solidFill>
@@ -3964,7 +3965,7 @@
                 </a:solidFill>
               </a:rPr>
               <a:pPr/>
-              <a:t>ט"ו/שבט/תשע"ד</a:t>
+              <a:t>כ"ו/שבט/תשע"ד</a:t>
             </a:fld>
             <a:endParaRPr lang="he-IL" dirty="0">
               <a:solidFill>
@@ -4159,9 +4160,9 @@
           <a:p>
             <a:fld id="{4E7438E1-117D-44FB-AC24-B79D899BA877}" type="datetimeFigureOut">
               <a:rPr lang="he-IL" smtClean="0"/>
-              <a:t>ט"ו/שבט/תשע"ד</a:t>
+              <a:t>כ"ו/שבט/תשע"ד</a:t>
             </a:fld>
-            <a:endParaRPr lang="he-IL"/>
+            <a:endParaRPr lang="he-IL" dirty="0"/>
           </a:p>
         </p:txBody>
       </p:sp>
@@ -4180,7 +4181,7 @@
           <a:bodyPr/>
           <a:lstStyle/>
           <a:p>
-            <a:endParaRPr lang="he-IL"/>
+            <a:endParaRPr lang="he-IL" dirty="0"/>
           </a:p>
         </p:txBody>
       </p:sp>
@@ -4203,7 +4204,7 @@
               <a:rPr lang="he-IL" smtClean="0"/>
               <a:t>‹#›</a:t>
             </a:fld>
-            <a:endParaRPr lang="he-IL"/>
+            <a:endParaRPr lang="he-IL" dirty="0"/>
           </a:p>
         </p:txBody>
       </p:sp>
@@ -4414,7 +4415,7 @@
                 </a:solidFill>
               </a:rPr>
               <a:pPr/>
-              <a:t>ט"ו/שבט/תשע"ד</a:t>
+              <a:t>כ"ו/שבט/תשע"ד</a:t>
             </a:fld>
             <a:endParaRPr lang="he-IL" dirty="0">
               <a:solidFill>
@@ -4616,7 +4617,7 @@
                 </a:solidFill>
               </a:rPr>
               <a:pPr/>
-              <a:t>ט"ו/שבט/תשע"ד</a:t>
+              <a:t>כ"ו/שבט/תשע"ד</a:t>
             </a:fld>
             <a:endParaRPr lang="he-IL" dirty="0">
               <a:solidFill>
@@ -4828,7 +4829,7 @@
                 </a:solidFill>
               </a:rPr>
               <a:pPr/>
-              <a:t>ט"ו/שבט/תשע"ד</a:t>
+              <a:t>כ"ו/שבט/תשע"ד</a:t>
             </a:fld>
             <a:endParaRPr lang="he-IL" dirty="0">
               <a:solidFill>
@@ -5099,9 +5100,9 @@
           <a:p>
             <a:fld id="{4E7438E1-117D-44FB-AC24-B79D899BA877}" type="datetimeFigureOut">
               <a:rPr lang="he-IL" smtClean="0"/>
-              <a:t>ט"ו/שבט/תשע"ד</a:t>
+              <a:t>כ"ו/שבט/תשע"ד</a:t>
             </a:fld>
-            <a:endParaRPr lang="he-IL"/>
+            <a:endParaRPr lang="he-IL" dirty="0"/>
           </a:p>
         </p:txBody>
       </p:sp>
@@ -5120,7 +5121,7 @@
           <a:bodyPr/>
           <a:lstStyle/>
           <a:p>
-            <a:endParaRPr lang="he-IL"/>
+            <a:endParaRPr lang="he-IL" dirty="0"/>
           </a:p>
         </p:txBody>
       </p:sp>
@@ -5143,7 +5144,7 @@
               <a:rPr lang="he-IL" smtClean="0"/>
               <a:t>‹#›</a:t>
             </a:fld>
-            <a:endParaRPr lang="he-IL"/>
+            <a:endParaRPr lang="he-IL" dirty="0"/>
           </a:p>
         </p:txBody>
       </p:sp>
@@ -5382,9 +5383,9 @@
           <a:p>
             <a:fld id="{4E7438E1-117D-44FB-AC24-B79D899BA877}" type="datetimeFigureOut">
               <a:rPr lang="he-IL" smtClean="0"/>
-              <a:t>ט"ו/שבט/תשע"ד</a:t>
+              <a:t>כ"ו/שבט/תשע"ד</a:t>
             </a:fld>
-            <a:endParaRPr lang="he-IL"/>
+            <a:endParaRPr lang="he-IL" dirty="0"/>
           </a:p>
         </p:txBody>
       </p:sp>
@@ -5403,7 +5404,7 @@
           <a:bodyPr/>
           <a:lstStyle/>
           <a:p>
-            <a:endParaRPr lang="he-IL"/>
+            <a:endParaRPr lang="he-IL" dirty="0"/>
           </a:p>
         </p:txBody>
       </p:sp>
@@ -5426,7 +5427,7 @@
               <a:rPr lang="he-IL" smtClean="0"/>
               <a:t>‹#›</a:t>
             </a:fld>
-            <a:endParaRPr lang="he-IL"/>
+            <a:endParaRPr lang="he-IL" dirty="0"/>
           </a:p>
         </p:txBody>
       </p:sp>
@@ -5799,9 +5800,9 @@
           <a:p>
             <a:fld id="{4E7438E1-117D-44FB-AC24-B79D899BA877}" type="datetimeFigureOut">
               <a:rPr lang="he-IL" smtClean="0"/>
-              <a:t>ט"ו/שבט/תשע"ד</a:t>
+              <a:t>כ"ו/שבט/תשע"ד</a:t>
             </a:fld>
-            <a:endParaRPr lang="he-IL"/>
+            <a:endParaRPr lang="he-IL" dirty="0"/>
           </a:p>
         </p:txBody>
       </p:sp>
@@ -5820,7 +5821,7 @@
           <a:bodyPr/>
           <a:lstStyle/>
           <a:p>
-            <a:endParaRPr lang="he-IL"/>
+            <a:endParaRPr lang="he-IL" dirty="0"/>
           </a:p>
         </p:txBody>
       </p:sp>
@@ -5843,7 +5844,7 @@
               <a:rPr lang="he-IL" smtClean="0"/>
               <a:t>‹#›</a:t>
             </a:fld>
-            <a:endParaRPr lang="he-IL"/>
+            <a:endParaRPr lang="he-IL" dirty="0"/>
           </a:p>
         </p:txBody>
       </p:sp>
@@ -5912,9 +5913,9 @@
           <a:p>
             <a:fld id="{4E7438E1-117D-44FB-AC24-B79D899BA877}" type="datetimeFigureOut">
               <a:rPr lang="he-IL" smtClean="0"/>
-              <a:t>ט"ו/שבט/תשע"ד</a:t>
+              <a:t>כ"ו/שבט/תשע"ד</a:t>
             </a:fld>
-            <a:endParaRPr lang="he-IL"/>
+            <a:endParaRPr lang="he-IL" dirty="0"/>
           </a:p>
         </p:txBody>
       </p:sp>
@@ -5933,7 +5934,7 @@
           <a:bodyPr/>
           <a:lstStyle/>
           <a:p>
-            <a:endParaRPr lang="he-IL"/>
+            <a:endParaRPr lang="he-IL" dirty="0"/>
           </a:p>
         </p:txBody>
       </p:sp>
@@ -5956,7 +5957,7 @@
               <a:rPr lang="he-IL" smtClean="0"/>
               <a:t>‹#›</a:t>
             </a:fld>
-            <a:endParaRPr lang="he-IL"/>
+            <a:endParaRPr lang="he-IL" dirty="0"/>
           </a:p>
         </p:txBody>
       </p:sp>
@@ -6002,9 +6003,9 @@
           <a:p>
             <a:fld id="{4E7438E1-117D-44FB-AC24-B79D899BA877}" type="datetimeFigureOut">
               <a:rPr lang="he-IL" smtClean="0"/>
-              <a:t>ט"ו/שבט/תשע"ד</a:t>
+              <a:t>כ"ו/שבט/תשע"ד</a:t>
             </a:fld>
-            <a:endParaRPr lang="he-IL"/>
+            <a:endParaRPr lang="he-IL" dirty="0"/>
           </a:p>
         </p:txBody>
       </p:sp>
@@ -6023,7 +6024,7 @@
           <a:bodyPr/>
           <a:lstStyle/>
           <a:p>
-            <a:endParaRPr lang="he-IL"/>
+            <a:endParaRPr lang="he-IL" dirty="0"/>
           </a:p>
         </p:txBody>
       </p:sp>
@@ -6046,7 +6047,7 @@
               <a:rPr lang="he-IL" smtClean="0"/>
               <a:t>‹#›</a:t>
             </a:fld>
-            <a:endParaRPr lang="he-IL"/>
+            <a:endParaRPr lang="he-IL" dirty="0"/>
           </a:p>
         </p:txBody>
       </p:sp>
@@ -6274,9 +6275,9 @@
           <a:p>
             <a:fld id="{4E7438E1-117D-44FB-AC24-B79D899BA877}" type="datetimeFigureOut">
               <a:rPr lang="he-IL" smtClean="0"/>
-              <a:t>ט"ו/שבט/תשע"ד</a:t>
+              <a:t>כ"ו/שבט/תשע"ד</a:t>
             </a:fld>
-            <a:endParaRPr lang="he-IL"/>
+            <a:endParaRPr lang="he-IL" dirty="0"/>
           </a:p>
         </p:txBody>
       </p:sp>
@@ -6295,7 +6296,7 @@
           <a:bodyPr/>
           <a:lstStyle/>
           <a:p>
-            <a:endParaRPr lang="he-IL"/>
+            <a:endParaRPr lang="he-IL" dirty="0"/>
           </a:p>
         </p:txBody>
       </p:sp>
@@ -6318,7 +6319,7 @@
               <a:rPr lang="he-IL" smtClean="0"/>
               <a:t>‹#›</a:t>
             </a:fld>
-            <a:endParaRPr lang="he-IL"/>
+            <a:endParaRPr lang="he-IL" dirty="0"/>
           </a:p>
         </p:txBody>
       </p:sp>
@@ -6436,7 +6437,7 @@
             </a:lvl9pPr>
           </a:lstStyle>
           <a:p>
-            <a:endParaRPr lang="he-IL"/>
+            <a:endParaRPr lang="he-IL" dirty="0"/>
           </a:p>
         </p:txBody>
       </p:sp>
@@ -6522,9 +6523,9 @@
           <a:p>
             <a:fld id="{4E7438E1-117D-44FB-AC24-B79D899BA877}" type="datetimeFigureOut">
               <a:rPr lang="he-IL" smtClean="0"/>
-              <a:t>ט"ו/שבט/תשע"ד</a:t>
+              <a:t>כ"ו/שבט/תשע"ד</a:t>
             </a:fld>
-            <a:endParaRPr lang="he-IL"/>
+            <a:endParaRPr lang="he-IL" dirty="0"/>
           </a:p>
         </p:txBody>
       </p:sp>
@@ -6543,7 +6544,7 @@
           <a:bodyPr/>
           <a:lstStyle/>
           <a:p>
-            <a:endParaRPr lang="he-IL"/>
+            <a:endParaRPr lang="he-IL" dirty="0"/>
           </a:p>
         </p:txBody>
       </p:sp>
@@ -6566,7 +6567,7 @@
               <a:rPr lang="he-IL" smtClean="0"/>
               <a:t>‹#›</a:t>
             </a:fld>
-            <a:endParaRPr lang="he-IL"/>
+            <a:endParaRPr lang="he-IL" dirty="0"/>
           </a:p>
         </p:txBody>
       </p:sp>
@@ -6730,9 +6731,9 @@
           <a:p>
             <a:fld id="{4E7438E1-117D-44FB-AC24-B79D899BA877}" type="datetimeFigureOut">
               <a:rPr lang="he-IL" smtClean="0"/>
-              <a:t>ט"ו/שבט/תשע"ד</a:t>
+              <a:t>כ"ו/שבט/תשע"ד</a:t>
             </a:fld>
-            <a:endParaRPr lang="he-IL"/>
+            <a:endParaRPr lang="he-IL" dirty="0"/>
           </a:p>
         </p:txBody>
       </p:sp>
@@ -6769,7 +6770,7 @@
             </a:lvl1pPr>
           </a:lstStyle>
           <a:p>
-            <a:endParaRPr lang="he-IL"/>
+            <a:endParaRPr lang="he-IL" dirty="0"/>
           </a:p>
         </p:txBody>
       </p:sp>
@@ -6810,7 +6811,7 @@
               <a:rPr lang="he-IL" smtClean="0"/>
               <a:t>‹#›</a:t>
             </a:fld>
-            <a:endParaRPr lang="he-IL"/>
+            <a:endParaRPr lang="he-IL" dirty="0"/>
           </a:p>
         </p:txBody>
       </p:sp>
@@ -7251,7 +7252,7 @@
                 </a:solidFill>
               </a:rPr>
               <a:pPr/>
-              <a:t>ט"ו/שבט/תשע"ד</a:t>
+              <a:t>כ"ו/שבט/תשע"ד</a:t>
             </a:fld>
             <a:endParaRPr lang="he-IL" dirty="0">
               <a:solidFill>
@@ -7684,15 +7685,7 @@
                   <a:schemeClr val="tx1"/>
                 </a:solidFill>
               </a:rPr>
-              <a:t>Presented By</a:t>
-            </a:r>
-            <a:r>
-              <a:rPr lang="en-US" dirty="0" smtClean="0">
-                <a:solidFill>
-                  <a:schemeClr val="tx1"/>
-                </a:solidFill>
-              </a:rPr>
-              <a:t>: Moran Katz and </a:t>
+              <a:t>Presented By: Moran Katz and </a:t>
             </a:r>
             <a:r>
               <a:rPr lang="en-US" dirty="0" err="1" smtClean="0">
@@ -7708,21 +7701,8 @@
                   <a:schemeClr val="tx1"/>
                 </a:solidFill>
               </a:rPr>
-              <a:t> </a:t>
-            </a:r>
-            <a:r>
-              <a:rPr lang="en-US" dirty="0" smtClean="0">
-                <a:solidFill>
-                  <a:schemeClr val="tx1"/>
-                </a:solidFill>
-              </a:rPr>
-              <a:t>Pery</a:t>
-            </a:r>
-            <a:endParaRPr lang="en-US" dirty="0" smtClean="0">
-              <a:solidFill>
-                <a:schemeClr val="tx1"/>
-              </a:solidFill>
-            </a:endParaRPr>
+              <a:t> Pery</a:t>
+            </a:r>
           </a:p>
           <a:p>
             <a:endParaRPr lang="en-US" dirty="0" smtClean="0">
@@ -8069,7 +8049,7 @@
           <a:p>
             <a:r>
               <a:rPr lang="en-US" dirty="0" smtClean="0"/>
-              <a:t>Project’s goal</a:t>
+              <a:t>Project’s goals</a:t>
             </a:r>
             <a:endParaRPr lang="he-IL" dirty="0"/>
           </a:p>
@@ -8100,13 +8080,8 @@
             <a:pPr algn="l" rtl="0"/>
             <a:r>
               <a:rPr lang="en-US" sz="3500" dirty="0" smtClean="0"/>
-              <a:t>Design an internal logic analyzer to the FPGA which will be an independent </a:t>
-            </a:r>
-            <a:r>
-              <a:rPr lang="en-US" sz="3500" dirty="0" smtClean="0"/>
-              <a:t>part and will:</a:t>
-            </a:r>
-            <a:endParaRPr lang="en-US" sz="3500" dirty="0" smtClean="0"/>
+              <a:t>Design an internal logic analyzer to the FPGA which will be an independent part and will:</a:t>
+            </a:r>
           </a:p>
           <a:p>
             <a:pPr algn="l" rtl="0">
@@ -8118,13 +8093,8 @@
             </a:r>
             <a:r>
               <a:rPr lang="en-US" dirty="0" smtClean="0"/>
-              <a:t>         (1) </a:t>
-            </a:r>
-            <a:r>
-              <a:rPr lang="en-US" dirty="0" smtClean="0"/>
-              <a:t>Get configurations from the user</a:t>
-            </a:r>
-            <a:endParaRPr lang="en-US" dirty="0" smtClean="0"/>
+              <a:t>         (1) Get configurations from the user</a:t>
+            </a:r>
           </a:p>
           <a:p>
             <a:pPr algn="l" rtl="0">
@@ -8141,15 +8111,7 @@
             </a:pPr>
             <a:r>
               <a:rPr lang="en-US" dirty="0" smtClean="0"/>
-              <a:t>		         (3) Send </a:t>
-            </a:r>
-            <a:r>
-              <a:rPr lang="en-US" dirty="0" smtClean="0"/>
-              <a:t>relevant data </a:t>
-            </a:r>
-            <a:r>
-              <a:rPr lang="en-US" dirty="0" smtClean="0"/>
-              <a:t>back to the user</a:t>
+              <a:t>		         (3) Send relevant data back to the user</a:t>
             </a:r>
           </a:p>
           <a:p>
@@ -8837,8 +8799,8 @@
         </p:nvSpPr>
         <p:spPr>
           <a:xfrm>
-            <a:off x="539552" y="260648"/>
-            <a:ext cx="8229600" cy="1143000"/>
+            <a:off x="539552" y="44624"/>
+            <a:ext cx="8229600" cy="864096"/>
           </a:xfrm>
         </p:spPr>
         <p:txBody>
@@ -8865,8 +8827,8 @@
         </p:nvSpPr>
         <p:spPr>
           <a:xfrm>
-            <a:off x="313184" y="1556792"/>
-            <a:ext cx="8229600" cy="2283166"/>
+            <a:off x="179512" y="836712"/>
+            <a:ext cx="8229600" cy="1512168"/>
           </a:xfrm>
         </p:spPr>
         <p:txBody>
@@ -8879,14 +8841,14 @@
               <a:buNone/>
             </a:pPr>
             <a:r>
-              <a:rPr lang="en-US" dirty="0" smtClean="0"/>
-              <a:t>The system save all the incoming data, and according </a:t>
-            </a:r>
-            <a:r>
-              <a:rPr lang="en-US" dirty="0" smtClean="0"/>
-              <a:t>user configurations detect trigger rise and send back the relevant data</a:t>
-            </a:r>
-            <a:endParaRPr lang="en-US" dirty="0" smtClean="0"/>
+              <a:rPr lang="en-US" sz="2400" dirty="0" smtClean="0"/>
+              <a:t>The system save all the incoming data, and according user configurations detect trigger rise and send back the relevant </a:t>
+            </a:r>
+            <a:r>
+              <a:rPr lang="en-US" sz="2400" dirty="0" smtClean="0"/>
+              <a:t>data.</a:t>
+            </a:r>
+            <a:endParaRPr lang="en-US" sz="2800" dirty="0" smtClean="0"/>
           </a:p>
           <a:p>
             <a:pPr algn="l" rtl="0">
@@ -8898,2116 +8860,3855 @@
       </p:sp>
       <p:grpSp>
         <p:nvGrpSpPr>
-          <p:cNvPr id="78" name="קבוצה 77"/>
+          <p:cNvPr id="5" name="קבוצה 4"/>
           <p:cNvGrpSpPr/>
           <p:nvPr/>
         </p:nvGrpSpPr>
         <p:grpSpPr>
           <a:xfrm>
-            <a:off x="1043609" y="4015454"/>
-            <a:ext cx="3272127" cy="277642"/>
-            <a:chOff x="1043608" y="4104692"/>
-            <a:chExt cx="5853827" cy="188404"/>
+            <a:off x="-28128" y="3933056"/>
+            <a:ext cx="8920608" cy="2889612"/>
+            <a:chOff x="-28128" y="3645024"/>
+            <a:chExt cx="8920608" cy="2889612"/>
           </a:xfrm>
         </p:grpSpPr>
-        <p:cxnSp>
-          <p:nvCxnSpPr>
-            <p:cNvPr id="36" name="מחבר ישר 35"/>
-            <p:cNvCxnSpPr/>
+        <p:grpSp>
+          <p:nvGrpSpPr>
+            <p:cNvPr id="78" name="קבוצה 77"/>
+            <p:cNvGrpSpPr/>
             <p:nvPr/>
-          </p:nvCxnSpPr>
+          </p:nvGrpSpPr>
+          <p:grpSpPr>
+            <a:xfrm>
+              <a:off x="1043609" y="4015454"/>
+              <a:ext cx="3272127" cy="277642"/>
+              <a:chOff x="1043608" y="4104692"/>
+              <a:chExt cx="5853827" cy="188404"/>
+            </a:xfrm>
+          </p:grpSpPr>
+          <p:cxnSp>
+            <p:nvCxnSpPr>
+              <p:cNvPr id="36" name="מחבר ישר 35"/>
+              <p:cNvCxnSpPr/>
+              <p:nvPr/>
+            </p:nvCxnSpPr>
+            <p:spPr>
+              <a:xfrm>
+                <a:off x="1386705" y="4104692"/>
+                <a:ext cx="343097" cy="0"/>
+              </a:xfrm>
+              <a:prstGeom prst="line">
+                <a:avLst/>
+              </a:prstGeom>
+              <a:ln>
+                <a:solidFill>
+                  <a:schemeClr val="tx1"/>
+                </a:solidFill>
+                <a:headEnd type="none"/>
+                <a:tailEnd type="none"/>
+              </a:ln>
+            </p:spPr>
+            <p:style>
+              <a:lnRef idx="1">
+                <a:schemeClr val="accent1"/>
+              </a:lnRef>
+              <a:fillRef idx="0">
+                <a:schemeClr val="accent1"/>
+              </a:fillRef>
+              <a:effectRef idx="0">
+                <a:schemeClr val="accent1"/>
+              </a:effectRef>
+              <a:fontRef idx="minor">
+                <a:schemeClr val="tx1"/>
+              </a:fontRef>
+            </p:style>
+          </p:cxnSp>
+          <p:cxnSp>
+            <p:nvCxnSpPr>
+              <p:cNvPr id="39" name="מחבר ישר 38"/>
+              <p:cNvCxnSpPr/>
+              <p:nvPr/>
+            </p:nvCxnSpPr>
+            <p:spPr>
+              <a:xfrm flipV="1">
+                <a:off x="1729802" y="4104692"/>
+                <a:ext cx="0" cy="179630"/>
+              </a:xfrm>
+              <a:prstGeom prst="line">
+                <a:avLst/>
+              </a:prstGeom>
+              <a:ln>
+                <a:solidFill>
+                  <a:schemeClr val="tx1"/>
+                </a:solidFill>
+                <a:headEnd type="none"/>
+                <a:tailEnd type="none"/>
+              </a:ln>
+            </p:spPr>
+            <p:style>
+              <a:lnRef idx="1">
+                <a:schemeClr val="accent1"/>
+              </a:lnRef>
+              <a:fillRef idx="0">
+                <a:schemeClr val="accent1"/>
+              </a:fillRef>
+              <a:effectRef idx="0">
+                <a:schemeClr val="accent1"/>
+              </a:effectRef>
+              <a:fontRef idx="minor">
+                <a:schemeClr val="tx1"/>
+              </a:fontRef>
+            </p:style>
+          </p:cxnSp>
+          <p:cxnSp>
+            <p:nvCxnSpPr>
+              <p:cNvPr id="41" name="מחבר ישר 40"/>
+              <p:cNvCxnSpPr/>
+              <p:nvPr/>
+            </p:nvCxnSpPr>
+            <p:spPr>
+              <a:xfrm flipV="1">
+                <a:off x="1386705" y="4104692"/>
+                <a:ext cx="0" cy="179630"/>
+              </a:xfrm>
+              <a:prstGeom prst="line">
+                <a:avLst/>
+              </a:prstGeom>
+              <a:ln>
+                <a:solidFill>
+                  <a:schemeClr val="tx1"/>
+                </a:solidFill>
+                <a:headEnd type="none"/>
+                <a:tailEnd type="none"/>
+              </a:ln>
+            </p:spPr>
+            <p:style>
+              <a:lnRef idx="1">
+                <a:schemeClr val="accent1"/>
+              </a:lnRef>
+              <a:fillRef idx="0">
+                <a:schemeClr val="accent1"/>
+              </a:fillRef>
+              <a:effectRef idx="0">
+                <a:schemeClr val="accent1"/>
+              </a:effectRef>
+              <a:fontRef idx="minor">
+                <a:schemeClr val="tx1"/>
+              </a:fontRef>
+            </p:style>
+          </p:cxnSp>
+          <p:cxnSp>
+            <p:nvCxnSpPr>
+              <p:cNvPr id="42" name="מחבר ישר 41"/>
+              <p:cNvCxnSpPr/>
+              <p:nvPr/>
+            </p:nvCxnSpPr>
+            <p:spPr>
+              <a:xfrm>
+                <a:off x="1043608" y="4293096"/>
+                <a:ext cx="343097" cy="0"/>
+              </a:xfrm>
+              <a:prstGeom prst="line">
+                <a:avLst/>
+              </a:prstGeom>
+              <a:ln>
+                <a:solidFill>
+                  <a:schemeClr val="tx1"/>
+                </a:solidFill>
+                <a:headEnd type="none"/>
+                <a:tailEnd type="none"/>
+              </a:ln>
+            </p:spPr>
+            <p:style>
+              <a:lnRef idx="1">
+                <a:schemeClr val="accent1"/>
+              </a:lnRef>
+              <a:fillRef idx="0">
+                <a:schemeClr val="accent1"/>
+              </a:fillRef>
+              <a:effectRef idx="0">
+                <a:schemeClr val="accent1"/>
+              </a:effectRef>
+              <a:fontRef idx="minor">
+                <a:schemeClr val="tx1"/>
+              </a:fontRef>
+            </p:style>
+          </p:cxnSp>
+          <p:cxnSp>
+            <p:nvCxnSpPr>
+              <p:cNvPr id="43" name="מחבר ישר 42"/>
+              <p:cNvCxnSpPr/>
+              <p:nvPr/>
+            </p:nvCxnSpPr>
+            <p:spPr>
+              <a:xfrm>
+                <a:off x="2072899" y="4104692"/>
+                <a:ext cx="343097" cy="0"/>
+              </a:xfrm>
+              <a:prstGeom prst="line">
+                <a:avLst/>
+              </a:prstGeom>
+              <a:ln>
+                <a:solidFill>
+                  <a:schemeClr val="tx1"/>
+                </a:solidFill>
+                <a:headEnd type="none"/>
+                <a:tailEnd type="none"/>
+              </a:ln>
+            </p:spPr>
+            <p:style>
+              <a:lnRef idx="1">
+                <a:schemeClr val="accent1"/>
+              </a:lnRef>
+              <a:fillRef idx="0">
+                <a:schemeClr val="accent1"/>
+              </a:fillRef>
+              <a:effectRef idx="0">
+                <a:schemeClr val="accent1"/>
+              </a:effectRef>
+              <a:fontRef idx="minor">
+                <a:schemeClr val="tx1"/>
+              </a:fontRef>
+            </p:style>
+          </p:cxnSp>
+          <p:cxnSp>
+            <p:nvCxnSpPr>
+              <p:cNvPr id="44" name="מחבר ישר 43"/>
+              <p:cNvCxnSpPr/>
+              <p:nvPr/>
+            </p:nvCxnSpPr>
+            <p:spPr>
+              <a:xfrm flipV="1">
+                <a:off x="2415996" y="4104692"/>
+                <a:ext cx="0" cy="179630"/>
+              </a:xfrm>
+              <a:prstGeom prst="line">
+                <a:avLst/>
+              </a:prstGeom>
+              <a:ln>
+                <a:solidFill>
+                  <a:schemeClr val="tx1"/>
+                </a:solidFill>
+                <a:headEnd type="none"/>
+                <a:tailEnd type="none"/>
+              </a:ln>
+            </p:spPr>
+            <p:style>
+              <a:lnRef idx="1">
+                <a:schemeClr val="accent1"/>
+              </a:lnRef>
+              <a:fillRef idx="0">
+                <a:schemeClr val="accent1"/>
+              </a:fillRef>
+              <a:effectRef idx="0">
+                <a:schemeClr val="accent1"/>
+              </a:effectRef>
+              <a:fontRef idx="minor">
+                <a:schemeClr val="tx1"/>
+              </a:fontRef>
+            </p:style>
+          </p:cxnSp>
+          <p:cxnSp>
+            <p:nvCxnSpPr>
+              <p:cNvPr id="45" name="מחבר ישר 44"/>
+              <p:cNvCxnSpPr/>
+              <p:nvPr/>
+            </p:nvCxnSpPr>
+            <p:spPr>
+              <a:xfrm flipV="1">
+                <a:off x="2072899" y="4104692"/>
+                <a:ext cx="0" cy="179630"/>
+              </a:xfrm>
+              <a:prstGeom prst="line">
+                <a:avLst/>
+              </a:prstGeom>
+              <a:ln>
+                <a:solidFill>
+                  <a:schemeClr val="tx1"/>
+                </a:solidFill>
+                <a:headEnd type="none"/>
+                <a:tailEnd type="none"/>
+              </a:ln>
+            </p:spPr>
+            <p:style>
+              <a:lnRef idx="1">
+                <a:schemeClr val="accent1"/>
+              </a:lnRef>
+              <a:fillRef idx="0">
+                <a:schemeClr val="accent1"/>
+              </a:fillRef>
+              <a:effectRef idx="0">
+                <a:schemeClr val="accent1"/>
+              </a:effectRef>
+              <a:fontRef idx="minor">
+                <a:schemeClr val="tx1"/>
+              </a:fontRef>
+            </p:style>
+          </p:cxnSp>
+          <p:cxnSp>
+            <p:nvCxnSpPr>
+              <p:cNvPr id="46" name="מחבר ישר 45"/>
+              <p:cNvCxnSpPr/>
+              <p:nvPr/>
+            </p:nvCxnSpPr>
+            <p:spPr>
+              <a:xfrm>
+                <a:off x="1729802" y="4293096"/>
+                <a:ext cx="343097" cy="0"/>
+              </a:xfrm>
+              <a:prstGeom prst="line">
+                <a:avLst/>
+              </a:prstGeom>
+              <a:ln>
+                <a:solidFill>
+                  <a:schemeClr val="tx1"/>
+                </a:solidFill>
+                <a:headEnd type="none"/>
+                <a:tailEnd type="none"/>
+              </a:ln>
+            </p:spPr>
+            <p:style>
+              <a:lnRef idx="1">
+                <a:schemeClr val="accent1"/>
+              </a:lnRef>
+              <a:fillRef idx="0">
+                <a:schemeClr val="accent1"/>
+              </a:fillRef>
+              <a:effectRef idx="0">
+                <a:schemeClr val="accent1"/>
+              </a:effectRef>
+              <a:fontRef idx="minor">
+                <a:schemeClr val="tx1"/>
+              </a:fontRef>
+            </p:style>
+          </p:cxnSp>
+          <p:cxnSp>
+            <p:nvCxnSpPr>
+              <p:cNvPr id="47" name="מחבר ישר 46"/>
+              <p:cNvCxnSpPr/>
+              <p:nvPr/>
+            </p:nvCxnSpPr>
+            <p:spPr>
+              <a:xfrm>
+                <a:off x="2759093" y="4104692"/>
+                <a:ext cx="343097" cy="0"/>
+              </a:xfrm>
+              <a:prstGeom prst="line">
+                <a:avLst/>
+              </a:prstGeom>
+              <a:ln>
+                <a:solidFill>
+                  <a:schemeClr val="tx1"/>
+                </a:solidFill>
+                <a:headEnd type="none"/>
+                <a:tailEnd type="none"/>
+              </a:ln>
+            </p:spPr>
+            <p:style>
+              <a:lnRef idx="1">
+                <a:schemeClr val="accent1"/>
+              </a:lnRef>
+              <a:fillRef idx="0">
+                <a:schemeClr val="accent1"/>
+              </a:fillRef>
+              <a:effectRef idx="0">
+                <a:schemeClr val="accent1"/>
+              </a:effectRef>
+              <a:fontRef idx="minor">
+                <a:schemeClr val="tx1"/>
+              </a:fontRef>
+            </p:style>
+          </p:cxnSp>
+          <p:cxnSp>
+            <p:nvCxnSpPr>
+              <p:cNvPr id="48" name="מחבר ישר 47"/>
+              <p:cNvCxnSpPr/>
+              <p:nvPr/>
+            </p:nvCxnSpPr>
+            <p:spPr>
+              <a:xfrm flipV="1">
+                <a:off x="3102190" y="4104692"/>
+                <a:ext cx="0" cy="179630"/>
+              </a:xfrm>
+              <a:prstGeom prst="line">
+                <a:avLst/>
+              </a:prstGeom>
+              <a:ln>
+                <a:solidFill>
+                  <a:schemeClr val="tx1"/>
+                </a:solidFill>
+                <a:headEnd type="none"/>
+                <a:tailEnd type="none"/>
+              </a:ln>
+            </p:spPr>
+            <p:style>
+              <a:lnRef idx="1">
+                <a:schemeClr val="accent1"/>
+              </a:lnRef>
+              <a:fillRef idx="0">
+                <a:schemeClr val="accent1"/>
+              </a:fillRef>
+              <a:effectRef idx="0">
+                <a:schemeClr val="accent1"/>
+              </a:effectRef>
+              <a:fontRef idx="minor">
+                <a:schemeClr val="tx1"/>
+              </a:fontRef>
+            </p:style>
+          </p:cxnSp>
+          <p:cxnSp>
+            <p:nvCxnSpPr>
+              <p:cNvPr id="49" name="מחבר ישר 48"/>
+              <p:cNvCxnSpPr/>
+              <p:nvPr/>
+            </p:nvCxnSpPr>
+            <p:spPr>
+              <a:xfrm flipV="1">
+                <a:off x="2759093" y="4104692"/>
+                <a:ext cx="0" cy="179630"/>
+              </a:xfrm>
+              <a:prstGeom prst="line">
+                <a:avLst/>
+              </a:prstGeom>
+              <a:ln>
+                <a:solidFill>
+                  <a:schemeClr val="tx1"/>
+                </a:solidFill>
+                <a:headEnd type="none"/>
+                <a:tailEnd type="none"/>
+              </a:ln>
+            </p:spPr>
+            <p:style>
+              <a:lnRef idx="1">
+                <a:schemeClr val="accent1"/>
+              </a:lnRef>
+              <a:fillRef idx="0">
+                <a:schemeClr val="accent1"/>
+              </a:fillRef>
+              <a:effectRef idx="0">
+                <a:schemeClr val="accent1"/>
+              </a:effectRef>
+              <a:fontRef idx="minor">
+                <a:schemeClr val="tx1"/>
+              </a:fontRef>
+            </p:style>
+          </p:cxnSp>
+          <p:cxnSp>
+            <p:nvCxnSpPr>
+              <p:cNvPr id="50" name="מחבר ישר 49"/>
+              <p:cNvCxnSpPr/>
+              <p:nvPr/>
+            </p:nvCxnSpPr>
+            <p:spPr>
+              <a:xfrm>
+                <a:off x="2415996" y="4293096"/>
+                <a:ext cx="343097" cy="0"/>
+              </a:xfrm>
+              <a:prstGeom prst="line">
+                <a:avLst/>
+              </a:prstGeom>
+              <a:ln>
+                <a:solidFill>
+                  <a:schemeClr val="tx1"/>
+                </a:solidFill>
+                <a:headEnd type="none"/>
+                <a:tailEnd type="none"/>
+              </a:ln>
+            </p:spPr>
+            <p:style>
+              <a:lnRef idx="1">
+                <a:schemeClr val="accent1"/>
+              </a:lnRef>
+              <a:fillRef idx="0">
+                <a:schemeClr val="accent1"/>
+              </a:fillRef>
+              <a:effectRef idx="0">
+                <a:schemeClr val="accent1"/>
+              </a:effectRef>
+              <a:fontRef idx="minor">
+                <a:schemeClr val="tx1"/>
+              </a:fontRef>
+            </p:style>
+          </p:cxnSp>
+          <p:cxnSp>
+            <p:nvCxnSpPr>
+              <p:cNvPr id="51" name="מחבר ישר 50"/>
+              <p:cNvCxnSpPr/>
+              <p:nvPr/>
+            </p:nvCxnSpPr>
+            <p:spPr>
+              <a:xfrm>
+                <a:off x="3445287" y="4104692"/>
+                <a:ext cx="343097" cy="0"/>
+              </a:xfrm>
+              <a:prstGeom prst="line">
+                <a:avLst/>
+              </a:prstGeom>
+              <a:ln>
+                <a:solidFill>
+                  <a:schemeClr val="tx1"/>
+                </a:solidFill>
+                <a:headEnd type="none"/>
+                <a:tailEnd type="none"/>
+              </a:ln>
+            </p:spPr>
+            <p:style>
+              <a:lnRef idx="1">
+                <a:schemeClr val="accent1"/>
+              </a:lnRef>
+              <a:fillRef idx="0">
+                <a:schemeClr val="accent1"/>
+              </a:fillRef>
+              <a:effectRef idx="0">
+                <a:schemeClr val="accent1"/>
+              </a:effectRef>
+              <a:fontRef idx="minor">
+                <a:schemeClr val="tx1"/>
+              </a:fontRef>
+            </p:style>
+          </p:cxnSp>
+          <p:cxnSp>
+            <p:nvCxnSpPr>
+              <p:cNvPr id="52" name="מחבר ישר 51"/>
+              <p:cNvCxnSpPr/>
+              <p:nvPr/>
+            </p:nvCxnSpPr>
+            <p:spPr>
+              <a:xfrm flipV="1">
+                <a:off x="3788383" y="4104692"/>
+                <a:ext cx="0" cy="179630"/>
+              </a:xfrm>
+              <a:prstGeom prst="line">
+                <a:avLst/>
+              </a:prstGeom>
+              <a:ln>
+                <a:solidFill>
+                  <a:schemeClr val="tx1"/>
+                </a:solidFill>
+                <a:headEnd type="none"/>
+                <a:tailEnd type="none"/>
+              </a:ln>
+            </p:spPr>
+            <p:style>
+              <a:lnRef idx="1">
+                <a:schemeClr val="accent1"/>
+              </a:lnRef>
+              <a:fillRef idx="0">
+                <a:schemeClr val="accent1"/>
+              </a:fillRef>
+              <a:effectRef idx="0">
+                <a:schemeClr val="accent1"/>
+              </a:effectRef>
+              <a:fontRef idx="minor">
+                <a:schemeClr val="tx1"/>
+              </a:fontRef>
+            </p:style>
+          </p:cxnSp>
+          <p:cxnSp>
+            <p:nvCxnSpPr>
+              <p:cNvPr id="53" name="מחבר ישר 52"/>
+              <p:cNvCxnSpPr/>
+              <p:nvPr/>
+            </p:nvCxnSpPr>
+            <p:spPr>
+              <a:xfrm flipV="1">
+                <a:off x="3445287" y="4104692"/>
+                <a:ext cx="0" cy="179630"/>
+              </a:xfrm>
+              <a:prstGeom prst="line">
+                <a:avLst/>
+              </a:prstGeom>
+              <a:ln>
+                <a:solidFill>
+                  <a:schemeClr val="tx1"/>
+                </a:solidFill>
+                <a:headEnd type="none"/>
+                <a:tailEnd type="none"/>
+              </a:ln>
+            </p:spPr>
+            <p:style>
+              <a:lnRef idx="1">
+                <a:schemeClr val="accent1"/>
+              </a:lnRef>
+              <a:fillRef idx="0">
+                <a:schemeClr val="accent1"/>
+              </a:fillRef>
+              <a:effectRef idx="0">
+                <a:schemeClr val="accent1"/>
+              </a:effectRef>
+              <a:fontRef idx="minor">
+                <a:schemeClr val="tx1"/>
+              </a:fontRef>
+            </p:style>
+          </p:cxnSp>
+          <p:cxnSp>
+            <p:nvCxnSpPr>
+              <p:cNvPr id="54" name="מחבר ישר 53"/>
+              <p:cNvCxnSpPr/>
+              <p:nvPr/>
+            </p:nvCxnSpPr>
+            <p:spPr>
+              <a:xfrm>
+                <a:off x="3102190" y="4293096"/>
+                <a:ext cx="343097" cy="0"/>
+              </a:xfrm>
+              <a:prstGeom prst="line">
+                <a:avLst/>
+              </a:prstGeom>
+              <a:ln>
+                <a:solidFill>
+                  <a:schemeClr val="tx1"/>
+                </a:solidFill>
+                <a:headEnd type="none"/>
+                <a:tailEnd type="none"/>
+              </a:ln>
+            </p:spPr>
+            <p:style>
+              <a:lnRef idx="1">
+                <a:schemeClr val="accent1"/>
+              </a:lnRef>
+              <a:fillRef idx="0">
+                <a:schemeClr val="accent1"/>
+              </a:fillRef>
+              <a:effectRef idx="0">
+                <a:schemeClr val="accent1"/>
+              </a:effectRef>
+              <a:fontRef idx="minor">
+                <a:schemeClr val="tx1"/>
+              </a:fontRef>
+            </p:style>
+          </p:cxnSp>
+          <p:cxnSp>
+            <p:nvCxnSpPr>
+              <p:cNvPr id="55" name="מחבר ישר 54"/>
+              <p:cNvCxnSpPr/>
+              <p:nvPr/>
+            </p:nvCxnSpPr>
+            <p:spPr>
+              <a:xfrm>
+                <a:off x="4131480" y="4104692"/>
+                <a:ext cx="343097" cy="0"/>
+              </a:xfrm>
+              <a:prstGeom prst="line">
+                <a:avLst/>
+              </a:prstGeom>
+              <a:ln>
+                <a:solidFill>
+                  <a:schemeClr val="tx1"/>
+                </a:solidFill>
+                <a:headEnd type="none"/>
+                <a:tailEnd type="none"/>
+              </a:ln>
+            </p:spPr>
+            <p:style>
+              <a:lnRef idx="1">
+                <a:schemeClr val="accent1"/>
+              </a:lnRef>
+              <a:fillRef idx="0">
+                <a:schemeClr val="accent1"/>
+              </a:fillRef>
+              <a:effectRef idx="0">
+                <a:schemeClr val="accent1"/>
+              </a:effectRef>
+              <a:fontRef idx="minor">
+                <a:schemeClr val="tx1"/>
+              </a:fontRef>
+            </p:style>
+          </p:cxnSp>
+          <p:cxnSp>
+            <p:nvCxnSpPr>
+              <p:cNvPr id="56" name="מחבר ישר 55"/>
+              <p:cNvCxnSpPr/>
+              <p:nvPr/>
+            </p:nvCxnSpPr>
+            <p:spPr>
+              <a:xfrm flipV="1">
+                <a:off x="4474577" y="4104692"/>
+                <a:ext cx="0" cy="179630"/>
+              </a:xfrm>
+              <a:prstGeom prst="line">
+                <a:avLst/>
+              </a:prstGeom>
+              <a:ln>
+                <a:solidFill>
+                  <a:schemeClr val="tx1"/>
+                </a:solidFill>
+                <a:headEnd type="none"/>
+                <a:tailEnd type="none"/>
+              </a:ln>
+            </p:spPr>
+            <p:style>
+              <a:lnRef idx="1">
+                <a:schemeClr val="accent1"/>
+              </a:lnRef>
+              <a:fillRef idx="0">
+                <a:schemeClr val="accent1"/>
+              </a:fillRef>
+              <a:effectRef idx="0">
+                <a:schemeClr val="accent1"/>
+              </a:effectRef>
+              <a:fontRef idx="minor">
+                <a:schemeClr val="tx1"/>
+              </a:fontRef>
+            </p:style>
+          </p:cxnSp>
+          <p:cxnSp>
+            <p:nvCxnSpPr>
+              <p:cNvPr id="57" name="מחבר ישר 56"/>
+              <p:cNvCxnSpPr/>
+              <p:nvPr/>
+            </p:nvCxnSpPr>
+            <p:spPr>
+              <a:xfrm flipV="1">
+                <a:off x="4131480" y="4104692"/>
+                <a:ext cx="0" cy="179630"/>
+              </a:xfrm>
+              <a:prstGeom prst="line">
+                <a:avLst/>
+              </a:prstGeom>
+              <a:ln>
+                <a:solidFill>
+                  <a:schemeClr val="tx1"/>
+                </a:solidFill>
+                <a:headEnd type="none"/>
+                <a:tailEnd type="none"/>
+              </a:ln>
+            </p:spPr>
+            <p:style>
+              <a:lnRef idx="1">
+                <a:schemeClr val="accent1"/>
+              </a:lnRef>
+              <a:fillRef idx="0">
+                <a:schemeClr val="accent1"/>
+              </a:fillRef>
+              <a:effectRef idx="0">
+                <a:schemeClr val="accent1"/>
+              </a:effectRef>
+              <a:fontRef idx="minor">
+                <a:schemeClr val="tx1"/>
+              </a:fontRef>
+            </p:style>
+          </p:cxnSp>
+          <p:cxnSp>
+            <p:nvCxnSpPr>
+              <p:cNvPr id="58" name="מחבר ישר 57"/>
+              <p:cNvCxnSpPr/>
+              <p:nvPr/>
+            </p:nvCxnSpPr>
+            <p:spPr>
+              <a:xfrm>
+                <a:off x="3788383" y="4293096"/>
+                <a:ext cx="343097" cy="0"/>
+              </a:xfrm>
+              <a:prstGeom prst="line">
+                <a:avLst/>
+              </a:prstGeom>
+              <a:ln>
+                <a:solidFill>
+                  <a:schemeClr val="tx1"/>
+                </a:solidFill>
+                <a:headEnd type="none"/>
+                <a:tailEnd type="none"/>
+              </a:ln>
+            </p:spPr>
+            <p:style>
+              <a:lnRef idx="1">
+                <a:schemeClr val="accent1"/>
+              </a:lnRef>
+              <a:fillRef idx="0">
+                <a:schemeClr val="accent1"/>
+              </a:fillRef>
+              <a:effectRef idx="0">
+                <a:schemeClr val="accent1"/>
+              </a:effectRef>
+              <a:fontRef idx="minor">
+                <a:schemeClr val="tx1"/>
+              </a:fontRef>
+            </p:style>
+          </p:cxnSp>
+          <p:cxnSp>
+            <p:nvCxnSpPr>
+              <p:cNvPr id="59" name="מחבר ישר 58"/>
+              <p:cNvCxnSpPr/>
+              <p:nvPr/>
+            </p:nvCxnSpPr>
+            <p:spPr>
+              <a:xfrm>
+                <a:off x="4817674" y="4104692"/>
+                <a:ext cx="343097" cy="0"/>
+              </a:xfrm>
+              <a:prstGeom prst="line">
+                <a:avLst/>
+              </a:prstGeom>
+              <a:ln>
+                <a:solidFill>
+                  <a:schemeClr val="tx1"/>
+                </a:solidFill>
+                <a:headEnd type="none"/>
+                <a:tailEnd type="none"/>
+              </a:ln>
+            </p:spPr>
+            <p:style>
+              <a:lnRef idx="1">
+                <a:schemeClr val="accent1"/>
+              </a:lnRef>
+              <a:fillRef idx="0">
+                <a:schemeClr val="accent1"/>
+              </a:fillRef>
+              <a:effectRef idx="0">
+                <a:schemeClr val="accent1"/>
+              </a:effectRef>
+              <a:fontRef idx="minor">
+                <a:schemeClr val="tx1"/>
+              </a:fontRef>
+            </p:style>
+          </p:cxnSp>
+          <p:cxnSp>
+            <p:nvCxnSpPr>
+              <p:cNvPr id="60" name="מחבר ישר 59"/>
+              <p:cNvCxnSpPr/>
+              <p:nvPr/>
+            </p:nvCxnSpPr>
+            <p:spPr>
+              <a:xfrm flipV="1">
+                <a:off x="5160771" y="4104692"/>
+                <a:ext cx="0" cy="179630"/>
+              </a:xfrm>
+              <a:prstGeom prst="line">
+                <a:avLst/>
+              </a:prstGeom>
+              <a:ln>
+                <a:solidFill>
+                  <a:schemeClr val="tx1"/>
+                </a:solidFill>
+                <a:headEnd type="none"/>
+                <a:tailEnd type="none"/>
+              </a:ln>
+            </p:spPr>
+            <p:style>
+              <a:lnRef idx="1">
+                <a:schemeClr val="accent1"/>
+              </a:lnRef>
+              <a:fillRef idx="0">
+                <a:schemeClr val="accent1"/>
+              </a:fillRef>
+              <a:effectRef idx="0">
+                <a:schemeClr val="accent1"/>
+              </a:effectRef>
+              <a:fontRef idx="minor">
+                <a:schemeClr val="tx1"/>
+              </a:fontRef>
+            </p:style>
+          </p:cxnSp>
+          <p:cxnSp>
+            <p:nvCxnSpPr>
+              <p:cNvPr id="61" name="מחבר ישר 60"/>
+              <p:cNvCxnSpPr/>
+              <p:nvPr/>
+            </p:nvCxnSpPr>
+            <p:spPr>
+              <a:xfrm flipV="1">
+                <a:off x="4817674" y="4104692"/>
+                <a:ext cx="0" cy="179630"/>
+              </a:xfrm>
+              <a:prstGeom prst="line">
+                <a:avLst/>
+              </a:prstGeom>
+              <a:ln>
+                <a:solidFill>
+                  <a:schemeClr val="tx1"/>
+                </a:solidFill>
+                <a:headEnd type="none"/>
+                <a:tailEnd type="none"/>
+              </a:ln>
+            </p:spPr>
+            <p:style>
+              <a:lnRef idx="1">
+                <a:schemeClr val="accent1"/>
+              </a:lnRef>
+              <a:fillRef idx="0">
+                <a:schemeClr val="accent1"/>
+              </a:fillRef>
+              <a:effectRef idx="0">
+                <a:schemeClr val="accent1"/>
+              </a:effectRef>
+              <a:fontRef idx="minor">
+                <a:schemeClr val="tx1"/>
+              </a:fontRef>
+            </p:style>
+          </p:cxnSp>
+          <p:cxnSp>
+            <p:nvCxnSpPr>
+              <p:cNvPr id="62" name="מחבר ישר 61"/>
+              <p:cNvCxnSpPr/>
+              <p:nvPr/>
+            </p:nvCxnSpPr>
+            <p:spPr>
+              <a:xfrm>
+                <a:off x="4474577" y="4293096"/>
+                <a:ext cx="343097" cy="0"/>
+              </a:xfrm>
+              <a:prstGeom prst="line">
+                <a:avLst/>
+              </a:prstGeom>
+              <a:ln>
+                <a:solidFill>
+                  <a:schemeClr val="tx1"/>
+                </a:solidFill>
+                <a:headEnd type="none"/>
+                <a:tailEnd type="none"/>
+              </a:ln>
+            </p:spPr>
+            <p:style>
+              <a:lnRef idx="1">
+                <a:schemeClr val="accent1"/>
+              </a:lnRef>
+              <a:fillRef idx="0">
+                <a:schemeClr val="accent1"/>
+              </a:fillRef>
+              <a:effectRef idx="0">
+                <a:schemeClr val="accent1"/>
+              </a:effectRef>
+              <a:fontRef idx="minor">
+                <a:schemeClr val="tx1"/>
+              </a:fontRef>
+            </p:style>
+          </p:cxnSp>
+          <p:cxnSp>
+            <p:nvCxnSpPr>
+              <p:cNvPr id="63" name="מחבר ישר 62"/>
+              <p:cNvCxnSpPr/>
+              <p:nvPr/>
+            </p:nvCxnSpPr>
+            <p:spPr>
+              <a:xfrm>
+                <a:off x="5503868" y="4104692"/>
+                <a:ext cx="343097" cy="0"/>
+              </a:xfrm>
+              <a:prstGeom prst="line">
+                <a:avLst/>
+              </a:prstGeom>
+              <a:ln>
+                <a:solidFill>
+                  <a:schemeClr val="tx1"/>
+                </a:solidFill>
+                <a:headEnd type="none"/>
+                <a:tailEnd type="none"/>
+              </a:ln>
+            </p:spPr>
+            <p:style>
+              <a:lnRef idx="1">
+                <a:schemeClr val="accent1"/>
+              </a:lnRef>
+              <a:fillRef idx="0">
+                <a:schemeClr val="accent1"/>
+              </a:fillRef>
+              <a:effectRef idx="0">
+                <a:schemeClr val="accent1"/>
+              </a:effectRef>
+              <a:fontRef idx="minor">
+                <a:schemeClr val="tx1"/>
+              </a:fontRef>
+            </p:style>
+          </p:cxnSp>
+          <p:cxnSp>
+            <p:nvCxnSpPr>
+              <p:cNvPr id="64" name="מחבר ישר 63"/>
+              <p:cNvCxnSpPr/>
+              <p:nvPr/>
+            </p:nvCxnSpPr>
+            <p:spPr>
+              <a:xfrm flipV="1">
+                <a:off x="5868144" y="4104692"/>
+                <a:ext cx="0" cy="179630"/>
+              </a:xfrm>
+              <a:prstGeom prst="line">
+                <a:avLst/>
+              </a:prstGeom>
+              <a:ln>
+                <a:solidFill>
+                  <a:schemeClr val="tx1"/>
+                </a:solidFill>
+                <a:headEnd type="none"/>
+                <a:tailEnd type="none"/>
+              </a:ln>
+            </p:spPr>
+            <p:style>
+              <a:lnRef idx="1">
+                <a:schemeClr val="accent1"/>
+              </a:lnRef>
+              <a:fillRef idx="0">
+                <a:schemeClr val="accent1"/>
+              </a:fillRef>
+              <a:effectRef idx="0">
+                <a:schemeClr val="accent1"/>
+              </a:effectRef>
+              <a:fontRef idx="minor">
+                <a:schemeClr val="tx1"/>
+              </a:fontRef>
+            </p:style>
+          </p:cxnSp>
+          <p:cxnSp>
+            <p:nvCxnSpPr>
+              <p:cNvPr id="65" name="מחבר ישר 64"/>
+              <p:cNvCxnSpPr/>
+              <p:nvPr/>
+            </p:nvCxnSpPr>
+            <p:spPr>
+              <a:xfrm flipV="1">
+                <a:off x="5503868" y="4104692"/>
+                <a:ext cx="0" cy="179630"/>
+              </a:xfrm>
+              <a:prstGeom prst="line">
+                <a:avLst/>
+              </a:prstGeom>
+              <a:ln>
+                <a:solidFill>
+                  <a:schemeClr val="tx1"/>
+                </a:solidFill>
+                <a:headEnd type="none"/>
+                <a:tailEnd type="none"/>
+              </a:ln>
+            </p:spPr>
+            <p:style>
+              <a:lnRef idx="1">
+                <a:schemeClr val="accent1"/>
+              </a:lnRef>
+              <a:fillRef idx="0">
+                <a:schemeClr val="accent1"/>
+              </a:fillRef>
+              <a:effectRef idx="0">
+                <a:schemeClr val="accent1"/>
+              </a:effectRef>
+              <a:fontRef idx="minor">
+                <a:schemeClr val="tx1"/>
+              </a:fontRef>
+            </p:style>
+          </p:cxnSp>
+          <p:cxnSp>
+            <p:nvCxnSpPr>
+              <p:cNvPr id="66" name="מחבר ישר 65"/>
+              <p:cNvCxnSpPr/>
+              <p:nvPr/>
+            </p:nvCxnSpPr>
+            <p:spPr>
+              <a:xfrm>
+                <a:off x="5160771" y="4293096"/>
+                <a:ext cx="343097" cy="0"/>
+              </a:xfrm>
+              <a:prstGeom prst="line">
+                <a:avLst/>
+              </a:prstGeom>
+              <a:ln>
+                <a:solidFill>
+                  <a:schemeClr val="tx1"/>
+                </a:solidFill>
+                <a:headEnd type="none"/>
+                <a:tailEnd type="none"/>
+              </a:ln>
+            </p:spPr>
+            <p:style>
+              <a:lnRef idx="1">
+                <a:schemeClr val="accent1"/>
+              </a:lnRef>
+              <a:fillRef idx="0">
+                <a:schemeClr val="accent1"/>
+              </a:fillRef>
+              <a:effectRef idx="0">
+                <a:schemeClr val="accent1"/>
+              </a:effectRef>
+              <a:fontRef idx="minor">
+                <a:schemeClr val="tx1"/>
+              </a:fontRef>
+            </p:style>
+          </p:cxnSp>
+          <p:cxnSp>
+            <p:nvCxnSpPr>
+              <p:cNvPr id="67" name="מחבר ישר 66"/>
+              <p:cNvCxnSpPr/>
+              <p:nvPr/>
+            </p:nvCxnSpPr>
+            <p:spPr>
+              <a:xfrm>
+                <a:off x="6211241" y="4104692"/>
+                <a:ext cx="343097" cy="0"/>
+              </a:xfrm>
+              <a:prstGeom prst="line">
+                <a:avLst/>
+              </a:prstGeom>
+              <a:ln>
+                <a:solidFill>
+                  <a:schemeClr val="tx1"/>
+                </a:solidFill>
+                <a:headEnd type="none"/>
+                <a:tailEnd type="none"/>
+              </a:ln>
+            </p:spPr>
+            <p:style>
+              <a:lnRef idx="1">
+                <a:schemeClr val="accent1"/>
+              </a:lnRef>
+              <a:fillRef idx="0">
+                <a:schemeClr val="accent1"/>
+              </a:fillRef>
+              <a:effectRef idx="0">
+                <a:schemeClr val="accent1"/>
+              </a:effectRef>
+              <a:fontRef idx="minor">
+                <a:schemeClr val="tx1"/>
+              </a:fontRef>
+            </p:style>
+          </p:cxnSp>
+          <p:cxnSp>
+            <p:nvCxnSpPr>
+              <p:cNvPr id="68" name="מחבר ישר 67"/>
+              <p:cNvCxnSpPr/>
+              <p:nvPr/>
+            </p:nvCxnSpPr>
+            <p:spPr>
+              <a:xfrm flipV="1">
+                <a:off x="6554338" y="4104692"/>
+                <a:ext cx="0" cy="179630"/>
+              </a:xfrm>
+              <a:prstGeom prst="line">
+                <a:avLst/>
+              </a:prstGeom>
+              <a:ln>
+                <a:solidFill>
+                  <a:schemeClr val="tx1"/>
+                </a:solidFill>
+                <a:headEnd type="none"/>
+                <a:tailEnd type="none"/>
+              </a:ln>
+            </p:spPr>
+            <p:style>
+              <a:lnRef idx="1">
+                <a:schemeClr val="accent1"/>
+              </a:lnRef>
+              <a:fillRef idx="0">
+                <a:schemeClr val="accent1"/>
+              </a:fillRef>
+              <a:effectRef idx="0">
+                <a:schemeClr val="accent1"/>
+              </a:effectRef>
+              <a:fontRef idx="minor">
+                <a:schemeClr val="tx1"/>
+              </a:fontRef>
+            </p:style>
+          </p:cxnSp>
+          <p:cxnSp>
+            <p:nvCxnSpPr>
+              <p:cNvPr id="69" name="מחבר ישר 68"/>
+              <p:cNvCxnSpPr/>
+              <p:nvPr/>
+            </p:nvCxnSpPr>
+            <p:spPr>
+              <a:xfrm flipV="1">
+                <a:off x="6211241" y="4104692"/>
+                <a:ext cx="0" cy="179630"/>
+              </a:xfrm>
+              <a:prstGeom prst="line">
+                <a:avLst/>
+              </a:prstGeom>
+              <a:ln>
+                <a:solidFill>
+                  <a:schemeClr val="tx1"/>
+                </a:solidFill>
+                <a:headEnd type="none"/>
+                <a:tailEnd type="none"/>
+              </a:ln>
+            </p:spPr>
+            <p:style>
+              <a:lnRef idx="1">
+                <a:schemeClr val="accent1"/>
+              </a:lnRef>
+              <a:fillRef idx="0">
+                <a:schemeClr val="accent1"/>
+              </a:fillRef>
+              <a:effectRef idx="0">
+                <a:schemeClr val="accent1"/>
+              </a:effectRef>
+              <a:fontRef idx="minor">
+                <a:schemeClr val="tx1"/>
+              </a:fontRef>
+            </p:style>
+          </p:cxnSp>
+          <p:cxnSp>
+            <p:nvCxnSpPr>
+              <p:cNvPr id="70" name="מחבר ישר 69"/>
+              <p:cNvCxnSpPr/>
+              <p:nvPr/>
+            </p:nvCxnSpPr>
+            <p:spPr>
+              <a:xfrm>
+                <a:off x="5868144" y="4293096"/>
+                <a:ext cx="343097" cy="0"/>
+              </a:xfrm>
+              <a:prstGeom prst="line">
+                <a:avLst/>
+              </a:prstGeom>
+              <a:ln>
+                <a:solidFill>
+                  <a:schemeClr val="tx1"/>
+                </a:solidFill>
+                <a:headEnd type="none"/>
+                <a:tailEnd type="none"/>
+              </a:ln>
+            </p:spPr>
+            <p:style>
+              <a:lnRef idx="1">
+                <a:schemeClr val="accent1"/>
+              </a:lnRef>
+              <a:fillRef idx="0">
+                <a:schemeClr val="accent1"/>
+              </a:fillRef>
+              <a:effectRef idx="0">
+                <a:schemeClr val="accent1"/>
+              </a:effectRef>
+              <a:fontRef idx="minor">
+                <a:schemeClr val="tx1"/>
+              </a:fontRef>
+            </p:style>
+          </p:cxnSp>
+          <p:cxnSp>
+            <p:nvCxnSpPr>
+              <p:cNvPr id="71" name="מחבר ישר 70"/>
+              <p:cNvCxnSpPr/>
+              <p:nvPr/>
+            </p:nvCxnSpPr>
+            <p:spPr>
+              <a:xfrm>
+                <a:off x="6554338" y="4293096"/>
+                <a:ext cx="343097" cy="0"/>
+              </a:xfrm>
+              <a:prstGeom prst="line">
+                <a:avLst/>
+              </a:prstGeom>
+              <a:ln>
+                <a:solidFill>
+                  <a:schemeClr val="tx1"/>
+                </a:solidFill>
+                <a:headEnd type="none"/>
+                <a:tailEnd type="none"/>
+              </a:ln>
+            </p:spPr>
+            <p:style>
+              <a:lnRef idx="1">
+                <a:schemeClr val="accent1"/>
+              </a:lnRef>
+              <a:fillRef idx="0">
+                <a:schemeClr val="accent1"/>
+              </a:fillRef>
+              <a:effectRef idx="0">
+                <a:schemeClr val="accent1"/>
+              </a:effectRef>
+              <a:fontRef idx="minor">
+                <a:schemeClr val="tx1"/>
+              </a:fontRef>
+            </p:style>
+          </p:cxnSp>
+        </p:grpSp>
+        <p:grpSp>
+          <p:nvGrpSpPr>
+            <p:cNvPr id="161" name="קבוצה 160"/>
+            <p:cNvGrpSpPr/>
+            <p:nvPr/>
+          </p:nvGrpSpPr>
+          <p:grpSpPr>
+            <a:xfrm>
+              <a:off x="1043609" y="5373216"/>
+              <a:ext cx="3272128" cy="288032"/>
+              <a:chOff x="1043609" y="5373216"/>
+              <a:chExt cx="3272128" cy="288032"/>
+            </a:xfrm>
+          </p:grpSpPr>
+          <p:cxnSp>
+            <p:nvCxnSpPr>
+              <p:cNvPr id="113" name="מחבר ישר 112"/>
+              <p:cNvCxnSpPr/>
+              <p:nvPr/>
+            </p:nvCxnSpPr>
+            <p:spPr>
+              <a:xfrm>
+                <a:off x="1043609" y="5661248"/>
+                <a:ext cx="194884" cy="0"/>
+              </a:xfrm>
+              <a:prstGeom prst="line">
+                <a:avLst/>
+              </a:prstGeom>
+              <a:ln>
+                <a:solidFill>
+                  <a:schemeClr val="tx1"/>
+                </a:solidFill>
+                <a:headEnd type="none"/>
+                <a:tailEnd type="none"/>
+              </a:ln>
+            </p:spPr>
+            <p:style>
+              <a:lnRef idx="1">
+                <a:schemeClr val="accent1"/>
+              </a:lnRef>
+              <a:fillRef idx="0">
+                <a:schemeClr val="accent1"/>
+              </a:fillRef>
+              <a:effectRef idx="0">
+                <a:schemeClr val="accent1"/>
+              </a:effectRef>
+              <a:fontRef idx="minor">
+                <a:schemeClr val="tx1"/>
+              </a:fontRef>
+            </p:style>
+          </p:cxnSp>
+          <p:cxnSp>
+            <p:nvCxnSpPr>
+              <p:cNvPr id="114" name="מחבר ישר 113"/>
+              <p:cNvCxnSpPr/>
+              <p:nvPr/>
+            </p:nvCxnSpPr>
+            <p:spPr>
+              <a:xfrm flipV="1">
+                <a:off x="1779838" y="5373216"/>
+                <a:ext cx="0" cy="288032"/>
+              </a:xfrm>
+              <a:prstGeom prst="line">
+                <a:avLst/>
+              </a:prstGeom>
+              <a:ln>
+                <a:solidFill>
+                  <a:schemeClr val="tx1"/>
+                </a:solidFill>
+                <a:headEnd type="none"/>
+                <a:tailEnd type="none"/>
+              </a:ln>
+            </p:spPr>
+            <p:style>
+              <a:lnRef idx="1">
+                <a:schemeClr val="accent1"/>
+              </a:lnRef>
+              <a:fillRef idx="0">
+                <a:schemeClr val="accent1"/>
+              </a:fillRef>
+              <a:effectRef idx="0">
+                <a:schemeClr val="accent1"/>
+              </a:effectRef>
+              <a:fontRef idx="minor">
+                <a:schemeClr val="tx1"/>
+              </a:fontRef>
+            </p:style>
+          </p:cxnSp>
+          <p:cxnSp>
+            <p:nvCxnSpPr>
+              <p:cNvPr id="116" name="מחבר ישר 115"/>
+              <p:cNvCxnSpPr/>
+              <p:nvPr/>
+            </p:nvCxnSpPr>
+            <p:spPr>
+              <a:xfrm>
+                <a:off x="1216839" y="5661248"/>
+                <a:ext cx="194884" cy="0"/>
+              </a:xfrm>
+              <a:prstGeom prst="line">
+                <a:avLst/>
+              </a:prstGeom>
+              <a:ln>
+                <a:solidFill>
+                  <a:schemeClr val="tx1"/>
+                </a:solidFill>
+                <a:headEnd type="none"/>
+                <a:tailEnd type="none"/>
+              </a:ln>
+            </p:spPr>
+            <p:style>
+              <a:lnRef idx="1">
+                <a:schemeClr val="accent1"/>
+              </a:lnRef>
+              <a:fillRef idx="0">
+                <a:schemeClr val="accent1"/>
+              </a:fillRef>
+              <a:effectRef idx="0">
+                <a:schemeClr val="accent1"/>
+              </a:effectRef>
+              <a:fontRef idx="minor">
+                <a:schemeClr val="tx1"/>
+              </a:fontRef>
+            </p:style>
+          </p:cxnSp>
+          <p:cxnSp>
+            <p:nvCxnSpPr>
+              <p:cNvPr id="117" name="מחבר ישר 116"/>
+              <p:cNvCxnSpPr/>
+              <p:nvPr/>
+            </p:nvCxnSpPr>
+            <p:spPr>
+              <a:xfrm>
+                <a:off x="1390070" y="5661248"/>
+                <a:ext cx="194884" cy="0"/>
+              </a:xfrm>
+              <a:prstGeom prst="line">
+                <a:avLst/>
+              </a:prstGeom>
+              <a:ln>
+                <a:solidFill>
+                  <a:schemeClr val="tx1"/>
+                </a:solidFill>
+                <a:headEnd type="none"/>
+                <a:tailEnd type="none"/>
+              </a:ln>
+            </p:spPr>
+            <p:style>
+              <a:lnRef idx="1">
+                <a:schemeClr val="accent1"/>
+              </a:lnRef>
+              <a:fillRef idx="0">
+                <a:schemeClr val="accent1"/>
+              </a:fillRef>
+              <a:effectRef idx="0">
+                <a:schemeClr val="accent1"/>
+              </a:effectRef>
+              <a:fontRef idx="minor">
+                <a:schemeClr val="tx1"/>
+              </a:fontRef>
+            </p:style>
+          </p:cxnSp>
+          <p:cxnSp>
+            <p:nvCxnSpPr>
+              <p:cNvPr id="118" name="מחבר ישר 117"/>
+              <p:cNvCxnSpPr/>
+              <p:nvPr/>
+            </p:nvCxnSpPr>
+            <p:spPr>
+              <a:xfrm>
+                <a:off x="1584954" y="5661248"/>
+                <a:ext cx="194884" cy="0"/>
+              </a:xfrm>
+              <a:prstGeom prst="line">
+                <a:avLst/>
+              </a:prstGeom>
+              <a:ln>
+                <a:solidFill>
+                  <a:schemeClr val="tx1"/>
+                </a:solidFill>
+                <a:headEnd type="none"/>
+                <a:tailEnd type="none"/>
+              </a:ln>
+            </p:spPr>
+            <p:style>
+              <a:lnRef idx="1">
+                <a:schemeClr val="accent1"/>
+              </a:lnRef>
+              <a:fillRef idx="0">
+                <a:schemeClr val="accent1"/>
+              </a:fillRef>
+              <a:effectRef idx="0">
+                <a:schemeClr val="accent1"/>
+              </a:effectRef>
+              <a:fontRef idx="minor">
+                <a:schemeClr val="tx1"/>
+              </a:fontRef>
+            </p:style>
+          </p:cxnSp>
+          <p:cxnSp>
+            <p:nvCxnSpPr>
+              <p:cNvPr id="119" name="מחבר ישר 118"/>
+              <p:cNvCxnSpPr/>
+              <p:nvPr/>
+            </p:nvCxnSpPr>
+            <p:spPr>
+              <a:xfrm>
+                <a:off x="1789462" y="5373216"/>
+                <a:ext cx="194884" cy="0"/>
+              </a:xfrm>
+              <a:prstGeom prst="line">
+                <a:avLst/>
+              </a:prstGeom>
+              <a:ln>
+                <a:solidFill>
+                  <a:schemeClr val="tx1"/>
+                </a:solidFill>
+                <a:headEnd type="none"/>
+                <a:tailEnd type="none"/>
+              </a:ln>
+            </p:spPr>
+            <p:style>
+              <a:lnRef idx="1">
+                <a:schemeClr val="accent1"/>
+              </a:lnRef>
+              <a:fillRef idx="0">
+                <a:schemeClr val="accent1"/>
+              </a:fillRef>
+              <a:effectRef idx="0">
+                <a:schemeClr val="accent1"/>
+              </a:effectRef>
+              <a:fontRef idx="minor">
+                <a:schemeClr val="tx1"/>
+              </a:fontRef>
+            </p:style>
+          </p:cxnSp>
+          <p:cxnSp>
+            <p:nvCxnSpPr>
+              <p:cNvPr id="120" name="מחבר ישר 119"/>
+              <p:cNvCxnSpPr/>
+              <p:nvPr/>
+            </p:nvCxnSpPr>
+            <p:spPr>
+              <a:xfrm>
+                <a:off x="1943444" y="5373216"/>
+                <a:ext cx="194884" cy="0"/>
+              </a:xfrm>
+              <a:prstGeom prst="line">
+                <a:avLst/>
+              </a:prstGeom>
+              <a:ln>
+                <a:solidFill>
+                  <a:schemeClr val="tx1"/>
+                </a:solidFill>
+                <a:headEnd type="none"/>
+                <a:tailEnd type="none"/>
+              </a:ln>
+            </p:spPr>
+            <p:style>
+              <a:lnRef idx="1">
+                <a:schemeClr val="accent1"/>
+              </a:lnRef>
+              <a:fillRef idx="0">
+                <a:schemeClr val="accent1"/>
+              </a:fillRef>
+              <a:effectRef idx="0">
+                <a:schemeClr val="accent1"/>
+              </a:effectRef>
+              <a:fontRef idx="minor">
+                <a:schemeClr val="tx1"/>
+              </a:fontRef>
+            </p:style>
+          </p:cxnSp>
+          <p:cxnSp>
+            <p:nvCxnSpPr>
+              <p:cNvPr id="121" name="מחבר ישר 120"/>
+              <p:cNvCxnSpPr/>
+              <p:nvPr/>
+            </p:nvCxnSpPr>
+            <p:spPr>
+              <a:xfrm>
+                <a:off x="2066149" y="5373216"/>
+                <a:ext cx="194884" cy="0"/>
+              </a:xfrm>
+              <a:prstGeom prst="line">
+                <a:avLst/>
+              </a:prstGeom>
+              <a:ln>
+                <a:solidFill>
+                  <a:schemeClr val="tx1"/>
+                </a:solidFill>
+                <a:headEnd type="none"/>
+                <a:tailEnd type="none"/>
+              </a:ln>
+            </p:spPr>
+            <p:style>
+              <a:lnRef idx="1">
+                <a:schemeClr val="accent1"/>
+              </a:lnRef>
+              <a:fillRef idx="0">
+                <a:schemeClr val="accent1"/>
+              </a:fillRef>
+              <a:effectRef idx="0">
+                <a:schemeClr val="accent1"/>
+              </a:effectRef>
+              <a:fontRef idx="minor">
+                <a:schemeClr val="tx1"/>
+              </a:fontRef>
+            </p:style>
+          </p:cxnSp>
+          <p:cxnSp>
+            <p:nvCxnSpPr>
+              <p:cNvPr id="122" name="מחבר ישר 121"/>
+              <p:cNvCxnSpPr/>
+              <p:nvPr/>
+            </p:nvCxnSpPr>
+            <p:spPr>
+              <a:xfrm flipV="1">
+                <a:off x="2270657" y="5373216"/>
+                <a:ext cx="0" cy="288032"/>
+              </a:xfrm>
+              <a:prstGeom prst="line">
+                <a:avLst/>
+              </a:prstGeom>
+              <a:ln>
+                <a:solidFill>
+                  <a:schemeClr val="tx1"/>
+                </a:solidFill>
+                <a:headEnd type="none"/>
+                <a:tailEnd type="none"/>
+              </a:ln>
+            </p:spPr>
+            <p:style>
+              <a:lnRef idx="1">
+                <a:schemeClr val="accent1"/>
+              </a:lnRef>
+              <a:fillRef idx="0">
+                <a:schemeClr val="accent1"/>
+              </a:fillRef>
+              <a:effectRef idx="0">
+                <a:schemeClr val="accent1"/>
+              </a:effectRef>
+              <a:fontRef idx="minor">
+                <a:schemeClr val="tx1"/>
+              </a:fontRef>
+            </p:style>
+          </p:cxnSp>
+          <p:cxnSp>
+            <p:nvCxnSpPr>
+              <p:cNvPr id="123" name="מחבר ישר 122"/>
+              <p:cNvCxnSpPr/>
+              <p:nvPr/>
+            </p:nvCxnSpPr>
+            <p:spPr>
+              <a:xfrm>
+                <a:off x="2270657" y="5661248"/>
+                <a:ext cx="194884" cy="0"/>
+              </a:xfrm>
+              <a:prstGeom prst="line">
+                <a:avLst/>
+              </a:prstGeom>
+              <a:ln>
+                <a:solidFill>
+                  <a:schemeClr val="tx1"/>
+                </a:solidFill>
+                <a:headEnd type="none"/>
+                <a:tailEnd type="none"/>
+              </a:ln>
+            </p:spPr>
+            <p:style>
+              <a:lnRef idx="1">
+                <a:schemeClr val="accent1"/>
+              </a:lnRef>
+              <a:fillRef idx="0">
+                <a:schemeClr val="accent1"/>
+              </a:fillRef>
+              <a:effectRef idx="0">
+                <a:schemeClr val="accent1"/>
+              </a:effectRef>
+              <a:fontRef idx="minor">
+                <a:schemeClr val="tx1"/>
+              </a:fontRef>
+            </p:style>
+          </p:cxnSp>
+          <p:cxnSp>
+            <p:nvCxnSpPr>
+              <p:cNvPr id="124" name="מחבר ישר 123"/>
+              <p:cNvCxnSpPr/>
+              <p:nvPr/>
+            </p:nvCxnSpPr>
+            <p:spPr>
+              <a:xfrm>
+                <a:off x="2607494" y="5661248"/>
+                <a:ext cx="194884" cy="0"/>
+              </a:xfrm>
+              <a:prstGeom prst="line">
+                <a:avLst/>
+              </a:prstGeom>
+              <a:ln>
+                <a:solidFill>
+                  <a:schemeClr val="tx1"/>
+                </a:solidFill>
+                <a:headEnd type="none"/>
+                <a:tailEnd type="none"/>
+              </a:ln>
+            </p:spPr>
+            <p:style>
+              <a:lnRef idx="1">
+                <a:schemeClr val="accent1"/>
+              </a:lnRef>
+              <a:fillRef idx="0">
+                <a:schemeClr val="accent1"/>
+              </a:fillRef>
+              <a:effectRef idx="0">
+                <a:schemeClr val="accent1"/>
+              </a:effectRef>
+              <a:fontRef idx="minor">
+                <a:schemeClr val="tx1"/>
+              </a:fontRef>
+            </p:style>
+          </p:cxnSp>
+          <p:cxnSp>
+            <p:nvCxnSpPr>
+              <p:cNvPr id="125" name="מחבר ישר 124"/>
+              <p:cNvCxnSpPr/>
+              <p:nvPr/>
+            </p:nvCxnSpPr>
+            <p:spPr>
+              <a:xfrm>
+                <a:off x="2443887" y="5661248"/>
+                <a:ext cx="194884" cy="0"/>
+              </a:xfrm>
+              <a:prstGeom prst="line">
+                <a:avLst/>
+              </a:prstGeom>
+              <a:ln>
+                <a:solidFill>
+                  <a:schemeClr val="tx1"/>
+                </a:solidFill>
+                <a:headEnd type="none"/>
+                <a:tailEnd type="none"/>
+              </a:ln>
+            </p:spPr>
+            <p:style>
+              <a:lnRef idx="1">
+                <a:schemeClr val="accent1"/>
+              </a:lnRef>
+              <a:fillRef idx="0">
+                <a:schemeClr val="accent1"/>
+              </a:fillRef>
+              <a:effectRef idx="0">
+                <a:schemeClr val="accent1"/>
+              </a:effectRef>
+              <a:fontRef idx="minor">
+                <a:schemeClr val="tx1"/>
+              </a:fontRef>
+            </p:style>
+          </p:cxnSp>
+          <p:cxnSp>
+            <p:nvCxnSpPr>
+              <p:cNvPr id="126" name="מחבר ישר 125"/>
+              <p:cNvCxnSpPr/>
+              <p:nvPr/>
+            </p:nvCxnSpPr>
+            <p:spPr>
+              <a:xfrm flipV="1">
+                <a:off x="2802378" y="5373216"/>
+                <a:ext cx="0" cy="288032"/>
+              </a:xfrm>
+              <a:prstGeom prst="line">
+                <a:avLst/>
+              </a:prstGeom>
+              <a:ln>
+                <a:solidFill>
+                  <a:schemeClr val="tx1"/>
+                </a:solidFill>
+                <a:headEnd type="none"/>
+                <a:tailEnd type="none"/>
+              </a:ln>
+            </p:spPr>
+            <p:style>
+              <a:lnRef idx="1">
+                <a:schemeClr val="accent1"/>
+              </a:lnRef>
+              <a:fillRef idx="0">
+                <a:schemeClr val="accent1"/>
+              </a:fillRef>
+              <a:effectRef idx="0">
+                <a:schemeClr val="accent1"/>
+              </a:effectRef>
+              <a:fontRef idx="minor">
+                <a:schemeClr val="tx1"/>
+              </a:fontRef>
+            </p:style>
+          </p:cxnSp>
+          <p:cxnSp>
+            <p:nvCxnSpPr>
+              <p:cNvPr id="127" name="מחבר ישר 126"/>
+              <p:cNvCxnSpPr/>
+              <p:nvPr/>
+            </p:nvCxnSpPr>
+            <p:spPr>
+              <a:xfrm>
+                <a:off x="2802378" y="5373216"/>
+                <a:ext cx="194884" cy="0"/>
+              </a:xfrm>
+              <a:prstGeom prst="line">
+                <a:avLst/>
+              </a:prstGeom>
+              <a:ln>
+                <a:solidFill>
+                  <a:schemeClr val="tx1"/>
+                </a:solidFill>
+                <a:headEnd type="none"/>
+                <a:tailEnd type="none"/>
+              </a:ln>
+            </p:spPr>
+            <p:style>
+              <a:lnRef idx="1">
+                <a:schemeClr val="accent1"/>
+              </a:lnRef>
+              <a:fillRef idx="0">
+                <a:schemeClr val="accent1"/>
+              </a:fillRef>
+              <a:effectRef idx="0">
+                <a:schemeClr val="accent1"/>
+              </a:effectRef>
+              <a:fontRef idx="minor">
+                <a:schemeClr val="tx1"/>
+              </a:fontRef>
+            </p:style>
+          </p:cxnSp>
+          <p:cxnSp>
+            <p:nvCxnSpPr>
+              <p:cNvPr id="128" name="מחבר ישר 127"/>
+              <p:cNvCxnSpPr/>
+              <p:nvPr/>
+            </p:nvCxnSpPr>
+            <p:spPr>
+              <a:xfrm>
+                <a:off x="2965984" y="5373216"/>
+                <a:ext cx="194884" cy="0"/>
+              </a:xfrm>
+              <a:prstGeom prst="line">
+                <a:avLst/>
+              </a:prstGeom>
+              <a:ln>
+                <a:solidFill>
+                  <a:schemeClr val="tx1"/>
+                </a:solidFill>
+                <a:headEnd type="none"/>
+                <a:tailEnd type="none"/>
+              </a:ln>
+            </p:spPr>
+            <p:style>
+              <a:lnRef idx="1">
+                <a:schemeClr val="accent1"/>
+              </a:lnRef>
+              <a:fillRef idx="0">
+                <a:schemeClr val="accent1"/>
+              </a:fillRef>
+              <a:effectRef idx="0">
+                <a:schemeClr val="accent1"/>
+              </a:effectRef>
+              <a:fontRef idx="minor">
+                <a:schemeClr val="tx1"/>
+              </a:fontRef>
+            </p:style>
+          </p:cxnSp>
+          <p:cxnSp>
+            <p:nvCxnSpPr>
+              <p:cNvPr id="129" name="מחבר ישר 128"/>
+              <p:cNvCxnSpPr/>
+              <p:nvPr/>
+            </p:nvCxnSpPr>
+            <p:spPr>
+              <a:xfrm>
+                <a:off x="3129591" y="5373216"/>
+                <a:ext cx="194884" cy="0"/>
+              </a:xfrm>
+              <a:prstGeom prst="line">
+                <a:avLst/>
+              </a:prstGeom>
+              <a:ln>
+                <a:solidFill>
+                  <a:schemeClr val="tx1"/>
+                </a:solidFill>
+                <a:headEnd type="none"/>
+                <a:tailEnd type="none"/>
+              </a:ln>
+            </p:spPr>
+            <p:style>
+              <a:lnRef idx="1">
+                <a:schemeClr val="accent1"/>
+              </a:lnRef>
+              <a:fillRef idx="0">
+                <a:schemeClr val="accent1"/>
+              </a:fillRef>
+              <a:effectRef idx="0">
+                <a:schemeClr val="accent1"/>
+              </a:effectRef>
+              <a:fontRef idx="minor">
+                <a:schemeClr val="tx1"/>
+              </a:fontRef>
+            </p:style>
+          </p:cxnSp>
+          <p:cxnSp>
+            <p:nvCxnSpPr>
+              <p:cNvPr id="130" name="מחבר ישר 129"/>
+              <p:cNvCxnSpPr/>
+              <p:nvPr/>
+            </p:nvCxnSpPr>
+            <p:spPr>
+              <a:xfrm>
+                <a:off x="3293197" y="5373216"/>
+                <a:ext cx="194884" cy="0"/>
+              </a:xfrm>
+              <a:prstGeom prst="line">
+                <a:avLst/>
+              </a:prstGeom>
+              <a:ln>
+                <a:solidFill>
+                  <a:schemeClr val="tx1"/>
+                </a:solidFill>
+                <a:headEnd type="none"/>
+                <a:tailEnd type="none"/>
+              </a:ln>
+            </p:spPr>
+            <p:style>
+              <a:lnRef idx="1">
+                <a:schemeClr val="accent1"/>
+              </a:lnRef>
+              <a:fillRef idx="0">
+                <a:schemeClr val="accent1"/>
+              </a:fillRef>
+              <a:effectRef idx="0">
+                <a:schemeClr val="accent1"/>
+              </a:effectRef>
+              <a:fontRef idx="minor">
+                <a:schemeClr val="tx1"/>
+              </a:fontRef>
+            </p:style>
+          </p:cxnSp>
+          <p:cxnSp>
+            <p:nvCxnSpPr>
+              <p:cNvPr id="131" name="מחבר ישר 130"/>
+              <p:cNvCxnSpPr/>
+              <p:nvPr/>
+            </p:nvCxnSpPr>
+            <p:spPr>
+              <a:xfrm flipV="1">
+                <a:off x="3497705" y="5373216"/>
+                <a:ext cx="0" cy="288032"/>
+              </a:xfrm>
+              <a:prstGeom prst="line">
+                <a:avLst/>
+              </a:prstGeom>
+              <a:ln>
+                <a:solidFill>
+                  <a:schemeClr val="tx1"/>
+                </a:solidFill>
+                <a:headEnd type="none"/>
+                <a:tailEnd type="none"/>
+              </a:ln>
+            </p:spPr>
+            <p:style>
+              <a:lnRef idx="1">
+                <a:schemeClr val="accent1"/>
+              </a:lnRef>
+              <a:fillRef idx="0">
+                <a:schemeClr val="accent1"/>
+              </a:fillRef>
+              <a:effectRef idx="0">
+                <a:schemeClr val="accent1"/>
+              </a:effectRef>
+              <a:fontRef idx="minor">
+                <a:schemeClr val="tx1"/>
+              </a:fontRef>
+            </p:style>
+          </p:cxnSp>
+          <p:cxnSp>
+            <p:nvCxnSpPr>
+              <p:cNvPr id="132" name="מחבר ישר 131"/>
+              <p:cNvCxnSpPr/>
+              <p:nvPr/>
+            </p:nvCxnSpPr>
+            <p:spPr>
+              <a:xfrm>
+                <a:off x="3497705" y="5661248"/>
+                <a:ext cx="194884" cy="0"/>
+              </a:xfrm>
+              <a:prstGeom prst="line">
+                <a:avLst/>
+              </a:prstGeom>
+              <a:ln>
+                <a:solidFill>
+                  <a:schemeClr val="tx1"/>
+                </a:solidFill>
+                <a:headEnd type="none"/>
+                <a:tailEnd type="none"/>
+              </a:ln>
+            </p:spPr>
+            <p:style>
+              <a:lnRef idx="1">
+                <a:schemeClr val="accent1"/>
+              </a:lnRef>
+              <a:fillRef idx="0">
+                <a:schemeClr val="accent1"/>
+              </a:fillRef>
+              <a:effectRef idx="0">
+                <a:schemeClr val="accent1"/>
+              </a:effectRef>
+              <a:fontRef idx="minor">
+                <a:schemeClr val="tx1"/>
+              </a:fontRef>
+            </p:style>
+          </p:cxnSp>
+          <p:cxnSp>
+            <p:nvCxnSpPr>
+              <p:cNvPr id="133" name="מחבר ישר 132"/>
+              <p:cNvCxnSpPr/>
+              <p:nvPr/>
+            </p:nvCxnSpPr>
+            <p:spPr>
+              <a:xfrm>
+                <a:off x="3661311" y="5661248"/>
+                <a:ext cx="194884" cy="0"/>
+              </a:xfrm>
+              <a:prstGeom prst="line">
+                <a:avLst/>
+              </a:prstGeom>
+              <a:ln>
+                <a:solidFill>
+                  <a:schemeClr val="tx1"/>
+                </a:solidFill>
+                <a:headEnd type="none"/>
+                <a:tailEnd type="none"/>
+              </a:ln>
+            </p:spPr>
+            <p:style>
+              <a:lnRef idx="1">
+                <a:schemeClr val="accent1"/>
+              </a:lnRef>
+              <a:fillRef idx="0">
+                <a:schemeClr val="accent1"/>
+              </a:fillRef>
+              <a:effectRef idx="0">
+                <a:schemeClr val="accent1"/>
+              </a:effectRef>
+              <a:fontRef idx="minor">
+                <a:schemeClr val="tx1"/>
+              </a:fontRef>
+            </p:style>
+          </p:cxnSp>
+          <p:cxnSp>
+            <p:nvCxnSpPr>
+              <p:cNvPr id="134" name="מחבר ישר 133"/>
+              <p:cNvCxnSpPr/>
+              <p:nvPr/>
+            </p:nvCxnSpPr>
+            <p:spPr>
+              <a:xfrm>
+                <a:off x="3834542" y="5661248"/>
+                <a:ext cx="194884" cy="0"/>
+              </a:xfrm>
+              <a:prstGeom prst="line">
+                <a:avLst/>
+              </a:prstGeom>
+              <a:ln>
+                <a:solidFill>
+                  <a:schemeClr val="tx1"/>
+                </a:solidFill>
+                <a:headEnd type="none"/>
+                <a:tailEnd type="none"/>
+              </a:ln>
+            </p:spPr>
+            <p:style>
+              <a:lnRef idx="1">
+                <a:schemeClr val="accent1"/>
+              </a:lnRef>
+              <a:fillRef idx="0">
+                <a:schemeClr val="accent1"/>
+              </a:fillRef>
+              <a:effectRef idx="0">
+                <a:schemeClr val="accent1"/>
+              </a:effectRef>
+              <a:fontRef idx="minor">
+                <a:schemeClr val="tx1"/>
+              </a:fontRef>
+            </p:style>
+          </p:cxnSp>
+          <p:cxnSp>
+            <p:nvCxnSpPr>
+              <p:cNvPr id="135" name="מחבר ישר 134"/>
+              <p:cNvCxnSpPr/>
+              <p:nvPr/>
+            </p:nvCxnSpPr>
+            <p:spPr>
+              <a:xfrm>
+                <a:off x="4007772" y="5661248"/>
+                <a:ext cx="194884" cy="0"/>
+              </a:xfrm>
+              <a:prstGeom prst="line">
+                <a:avLst/>
+              </a:prstGeom>
+              <a:ln>
+                <a:solidFill>
+                  <a:schemeClr val="tx1"/>
+                </a:solidFill>
+                <a:headEnd type="none"/>
+                <a:tailEnd type="none"/>
+              </a:ln>
+            </p:spPr>
+            <p:style>
+              <a:lnRef idx="1">
+                <a:schemeClr val="accent1"/>
+              </a:lnRef>
+              <a:fillRef idx="0">
+                <a:schemeClr val="accent1"/>
+              </a:fillRef>
+              <a:effectRef idx="0">
+                <a:schemeClr val="accent1"/>
+              </a:effectRef>
+              <a:fontRef idx="minor">
+                <a:schemeClr val="tx1"/>
+              </a:fontRef>
+            </p:style>
+          </p:cxnSp>
+          <p:cxnSp>
+            <p:nvCxnSpPr>
+              <p:cNvPr id="136" name="מחבר ישר 135"/>
+              <p:cNvCxnSpPr/>
+              <p:nvPr/>
+            </p:nvCxnSpPr>
+            <p:spPr>
+              <a:xfrm>
+                <a:off x="4120853" y="5661248"/>
+                <a:ext cx="194884" cy="0"/>
+              </a:xfrm>
+              <a:prstGeom prst="line">
+                <a:avLst/>
+              </a:prstGeom>
+              <a:ln>
+                <a:solidFill>
+                  <a:schemeClr val="tx1"/>
+                </a:solidFill>
+                <a:headEnd type="none"/>
+                <a:tailEnd type="none"/>
+              </a:ln>
+            </p:spPr>
+            <p:style>
+              <a:lnRef idx="1">
+                <a:schemeClr val="accent1"/>
+              </a:lnRef>
+              <a:fillRef idx="0">
+                <a:schemeClr val="accent1"/>
+              </a:fillRef>
+              <a:effectRef idx="0">
+                <a:schemeClr val="accent1"/>
+              </a:effectRef>
+              <a:fontRef idx="minor">
+                <a:schemeClr val="tx1"/>
+              </a:fontRef>
+            </p:style>
+          </p:cxnSp>
+        </p:grpSp>
+        <p:sp>
+          <p:nvSpPr>
+            <p:cNvPr id="138" name="TextBox 137"/>
+            <p:cNvSpPr txBox="1"/>
+            <p:nvPr/>
+          </p:nvSpPr>
           <p:spPr>
             <a:xfrm>
-              <a:off x="1386705" y="4104692"/>
-              <a:ext cx="343097" cy="0"/>
+              <a:off x="189466" y="4015454"/>
+              <a:ext cx="864096" cy="369332"/>
             </a:xfrm>
-            <a:prstGeom prst="line">
+            <a:prstGeom prst="rect">
               <a:avLst/>
             </a:prstGeom>
-            <a:ln>
+            <a:noFill/>
+          </p:spPr>
+          <p:txBody>
+            <a:bodyPr wrap="square" rtlCol="1">
+              <a:spAutoFit/>
+            </a:bodyPr>
+            <a:lstStyle/>
+            <a:p>
+              <a:pPr algn="ctr"/>
+              <a:r>
+                <a:rPr lang="en-US" dirty="0" smtClean="0"/>
+                <a:t>CLK</a:t>
+              </a:r>
+              <a:endParaRPr lang="he-IL" dirty="0"/>
+            </a:p>
+          </p:txBody>
+        </p:sp>
+        <p:sp>
+          <p:nvSpPr>
+            <p:cNvPr id="139" name="TextBox 138"/>
+            <p:cNvSpPr txBox="1"/>
+            <p:nvPr/>
+          </p:nvSpPr>
+          <p:spPr>
+            <a:xfrm>
+              <a:off x="-28128" y="4581128"/>
+              <a:ext cx="1215752" cy="338554"/>
+            </a:xfrm>
+            <a:prstGeom prst="rect">
+              <a:avLst/>
+            </a:prstGeom>
+            <a:noFill/>
+          </p:spPr>
+          <p:txBody>
+            <a:bodyPr wrap="square" rtlCol="1">
+              <a:spAutoFit/>
+            </a:bodyPr>
+            <a:lstStyle/>
+            <a:p>
+              <a:pPr algn="ctr"/>
+              <a:r>
+                <a:rPr lang="en-US" sz="1600" dirty="0" smtClean="0"/>
+                <a:t>TRIGGER</a:t>
+              </a:r>
+              <a:endParaRPr lang="he-IL" sz="1600" dirty="0"/>
+            </a:p>
+          </p:txBody>
+        </p:sp>
+        <p:sp>
+          <p:nvSpPr>
+            <p:cNvPr id="140" name="TextBox 139"/>
+            <p:cNvSpPr txBox="1"/>
+            <p:nvPr/>
+          </p:nvSpPr>
+          <p:spPr>
+            <a:xfrm>
+              <a:off x="107504" y="5301208"/>
+              <a:ext cx="864096" cy="338554"/>
+            </a:xfrm>
+            <a:prstGeom prst="rect">
+              <a:avLst/>
+            </a:prstGeom>
+            <a:noFill/>
+          </p:spPr>
+          <p:txBody>
+            <a:bodyPr wrap="square" rtlCol="1">
+              <a:spAutoFit/>
+            </a:bodyPr>
+            <a:lstStyle/>
+            <a:p>
+              <a:pPr algn="ctr"/>
+              <a:r>
+                <a:rPr lang="en-US" sz="1600" dirty="0" smtClean="0"/>
+                <a:t>DATA</a:t>
+              </a:r>
+              <a:endParaRPr lang="he-IL" sz="1600" dirty="0"/>
+            </a:p>
+          </p:txBody>
+        </p:sp>
+        <p:grpSp>
+          <p:nvGrpSpPr>
+            <p:cNvPr id="143" name="קבוצה 142"/>
+            <p:cNvGrpSpPr/>
+            <p:nvPr/>
+          </p:nvGrpSpPr>
+          <p:grpSpPr>
+            <a:xfrm>
+              <a:off x="1083559" y="4797152"/>
+              <a:ext cx="3232177" cy="288032"/>
+              <a:chOff x="1083559" y="4797152"/>
+              <a:chExt cx="3488441" cy="288032"/>
+            </a:xfrm>
+          </p:grpSpPr>
+          <p:cxnSp>
+            <p:nvCxnSpPr>
+              <p:cNvPr id="82" name="מחבר ישר 81"/>
+              <p:cNvCxnSpPr/>
+              <p:nvPr/>
+            </p:nvCxnSpPr>
+            <p:spPr>
+              <a:xfrm>
+                <a:off x="1083559" y="4797152"/>
+                <a:ext cx="207553" cy="0"/>
+              </a:xfrm>
+              <a:prstGeom prst="line">
+                <a:avLst/>
+              </a:prstGeom>
+              <a:ln>
+                <a:solidFill>
+                  <a:schemeClr val="tx1"/>
+                </a:solidFill>
+                <a:headEnd type="none"/>
+                <a:tailEnd type="none"/>
+              </a:ln>
+            </p:spPr>
+            <p:style>
+              <a:lnRef idx="1">
+                <a:schemeClr val="accent1"/>
+              </a:lnRef>
+              <a:fillRef idx="0">
+                <a:schemeClr val="accent1"/>
+              </a:fillRef>
+              <a:effectRef idx="0">
+                <a:schemeClr val="accent1"/>
+              </a:effectRef>
+              <a:fontRef idx="minor">
+                <a:schemeClr val="tx1"/>
+              </a:fontRef>
+            </p:style>
+          </p:cxnSp>
+          <p:cxnSp>
+            <p:nvCxnSpPr>
+              <p:cNvPr id="83" name="מחבר ישר 82"/>
+              <p:cNvCxnSpPr/>
+              <p:nvPr/>
+            </p:nvCxnSpPr>
+            <p:spPr>
+              <a:xfrm>
+                <a:off x="1247551" y="4797152"/>
+                <a:ext cx="207553" cy="0"/>
+              </a:xfrm>
+              <a:prstGeom prst="line">
+                <a:avLst/>
+              </a:prstGeom>
+              <a:ln>
+                <a:solidFill>
+                  <a:schemeClr val="tx1"/>
+                </a:solidFill>
+                <a:headEnd type="none"/>
+                <a:tailEnd type="none"/>
+              </a:ln>
+            </p:spPr>
+            <p:style>
+              <a:lnRef idx="1">
+                <a:schemeClr val="accent1"/>
+              </a:lnRef>
+              <a:fillRef idx="0">
+                <a:schemeClr val="accent1"/>
+              </a:fillRef>
+              <a:effectRef idx="0">
+                <a:schemeClr val="accent1"/>
+              </a:effectRef>
+              <a:fontRef idx="minor">
+                <a:schemeClr val="tx1"/>
+              </a:fontRef>
+            </p:style>
+          </p:cxnSp>
+          <p:cxnSp>
+            <p:nvCxnSpPr>
+              <p:cNvPr id="84" name="מחבר ישר 83"/>
+              <p:cNvCxnSpPr/>
+              <p:nvPr/>
+            </p:nvCxnSpPr>
+            <p:spPr>
+              <a:xfrm>
+                <a:off x="1411544" y="4797152"/>
+                <a:ext cx="207553" cy="0"/>
+              </a:xfrm>
+              <a:prstGeom prst="line">
+                <a:avLst/>
+              </a:prstGeom>
+              <a:ln>
+                <a:solidFill>
+                  <a:schemeClr val="tx1"/>
+                </a:solidFill>
+                <a:headEnd type="none"/>
+                <a:tailEnd type="none"/>
+              </a:ln>
+            </p:spPr>
+            <p:style>
+              <a:lnRef idx="1">
+                <a:schemeClr val="accent1"/>
+              </a:lnRef>
+              <a:fillRef idx="0">
+                <a:schemeClr val="accent1"/>
+              </a:fillRef>
+              <a:effectRef idx="0">
+                <a:schemeClr val="accent1"/>
+              </a:effectRef>
+              <a:fontRef idx="minor">
+                <a:schemeClr val="tx1"/>
+              </a:fontRef>
+            </p:style>
+          </p:cxnSp>
+          <p:cxnSp>
+            <p:nvCxnSpPr>
+              <p:cNvPr id="85" name="מחבר ישר 84"/>
+              <p:cNvCxnSpPr/>
+              <p:nvPr/>
+            </p:nvCxnSpPr>
+            <p:spPr>
+              <a:xfrm>
+                <a:off x="1575536" y="4797152"/>
+                <a:ext cx="207553" cy="0"/>
+              </a:xfrm>
+              <a:prstGeom prst="line">
+                <a:avLst/>
+              </a:prstGeom>
+              <a:ln>
+                <a:solidFill>
+                  <a:schemeClr val="tx1"/>
+                </a:solidFill>
+                <a:headEnd type="none"/>
+                <a:tailEnd type="none"/>
+              </a:ln>
+            </p:spPr>
+            <p:style>
+              <a:lnRef idx="1">
+                <a:schemeClr val="accent1"/>
+              </a:lnRef>
+              <a:fillRef idx="0">
+                <a:schemeClr val="accent1"/>
+              </a:fillRef>
+              <a:effectRef idx="0">
+                <a:schemeClr val="accent1"/>
+              </a:effectRef>
+              <a:fontRef idx="minor">
+                <a:schemeClr val="tx1"/>
+              </a:fontRef>
+            </p:style>
+          </p:cxnSp>
+          <p:cxnSp>
+            <p:nvCxnSpPr>
+              <p:cNvPr id="86" name="מחבר ישר 85"/>
+              <p:cNvCxnSpPr/>
+              <p:nvPr/>
+            </p:nvCxnSpPr>
+            <p:spPr>
+              <a:xfrm>
+                <a:off x="1739528" y="4797152"/>
+                <a:ext cx="207553" cy="0"/>
+              </a:xfrm>
+              <a:prstGeom prst="line">
+                <a:avLst/>
+              </a:prstGeom>
+              <a:ln>
+                <a:solidFill>
+                  <a:schemeClr val="tx1"/>
+                </a:solidFill>
+                <a:headEnd type="none"/>
+                <a:tailEnd type="none"/>
+              </a:ln>
+            </p:spPr>
+            <p:style>
+              <a:lnRef idx="1">
+                <a:schemeClr val="accent1"/>
+              </a:lnRef>
+              <a:fillRef idx="0">
+                <a:schemeClr val="accent1"/>
+              </a:fillRef>
+              <a:effectRef idx="0">
+                <a:schemeClr val="accent1"/>
+              </a:effectRef>
+              <a:fontRef idx="minor">
+                <a:schemeClr val="tx1"/>
+              </a:fontRef>
+            </p:style>
+          </p:cxnSp>
+          <p:cxnSp>
+            <p:nvCxnSpPr>
+              <p:cNvPr id="87" name="מחבר ישר 86"/>
+              <p:cNvCxnSpPr/>
+              <p:nvPr/>
+            </p:nvCxnSpPr>
+            <p:spPr>
+              <a:xfrm flipV="1">
+                <a:off x="1941955" y="4797152"/>
+                <a:ext cx="0" cy="288032"/>
+              </a:xfrm>
+              <a:prstGeom prst="line">
+                <a:avLst/>
+              </a:prstGeom>
+              <a:ln>
+                <a:solidFill>
+                  <a:schemeClr val="tx1"/>
+                </a:solidFill>
+                <a:headEnd type="none"/>
+                <a:tailEnd type="none"/>
+              </a:ln>
+            </p:spPr>
+            <p:style>
+              <a:lnRef idx="1">
+                <a:schemeClr val="accent1"/>
+              </a:lnRef>
+              <a:fillRef idx="0">
+                <a:schemeClr val="accent1"/>
+              </a:fillRef>
+              <a:effectRef idx="0">
+                <a:schemeClr val="accent1"/>
+              </a:effectRef>
+              <a:fontRef idx="minor">
+                <a:schemeClr val="tx1"/>
+              </a:fontRef>
+            </p:style>
+          </p:cxnSp>
+          <p:cxnSp>
+            <p:nvCxnSpPr>
+              <p:cNvPr id="89" name="מחבר ישר 88"/>
+              <p:cNvCxnSpPr/>
+              <p:nvPr/>
+            </p:nvCxnSpPr>
+            <p:spPr>
+              <a:xfrm>
+                <a:off x="1941955" y="5085184"/>
+                <a:ext cx="207553" cy="0"/>
+              </a:xfrm>
+              <a:prstGeom prst="line">
+                <a:avLst/>
+              </a:prstGeom>
+              <a:ln>
+                <a:solidFill>
+                  <a:schemeClr val="tx1"/>
+                </a:solidFill>
+                <a:headEnd type="none"/>
+                <a:tailEnd type="none"/>
+              </a:ln>
+            </p:spPr>
+            <p:style>
+              <a:lnRef idx="1">
+                <a:schemeClr val="accent1"/>
+              </a:lnRef>
+              <a:fillRef idx="0">
+                <a:schemeClr val="accent1"/>
+              </a:fillRef>
+              <a:effectRef idx="0">
+                <a:schemeClr val="accent1"/>
+              </a:effectRef>
+              <a:fontRef idx="minor">
+                <a:schemeClr val="tx1"/>
+              </a:fontRef>
+            </p:style>
+          </p:cxnSp>
+          <p:cxnSp>
+            <p:nvCxnSpPr>
+              <p:cNvPr id="90" name="מחבר ישר 89"/>
+              <p:cNvCxnSpPr/>
+              <p:nvPr/>
+            </p:nvCxnSpPr>
+            <p:spPr>
+              <a:xfrm>
+                <a:off x="2116197" y="5085184"/>
+                <a:ext cx="207553" cy="0"/>
+              </a:xfrm>
+              <a:prstGeom prst="line">
+                <a:avLst/>
+              </a:prstGeom>
+              <a:ln>
+                <a:solidFill>
+                  <a:schemeClr val="tx1"/>
+                </a:solidFill>
+                <a:headEnd type="none"/>
+                <a:tailEnd type="none"/>
+              </a:ln>
+            </p:spPr>
+            <p:style>
+              <a:lnRef idx="1">
+                <a:schemeClr val="accent1"/>
+              </a:lnRef>
+              <a:fillRef idx="0">
+                <a:schemeClr val="accent1"/>
+              </a:fillRef>
+              <a:effectRef idx="0">
+                <a:schemeClr val="accent1"/>
+              </a:effectRef>
+              <a:fontRef idx="minor">
+                <a:schemeClr val="tx1"/>
+              </a:fontRef>
+            </p:style>
+          </p:cxnSp>
+          <p:cxnSp>
+            <p:nvCxnSpPr>
+              <p:cNvPr id="91" name="מחבר ישר 90"/>
+              <p:cNvCxnSpPr/>
+              <p:nvPr/>
+            </p:nvCxnSpPr>
+            <p:spPr>
+              <a:xfrm>
+                <a:off x="2290439" y="5085184"/>
+                <a:ext cx="207553" cy="0"/>
+              </a:xfrm>
+              <a:prstGeom prst="line">
+                <a:avLst/>
+              </a:prstGeom>
+              <a:ln>
+                <a:solidFill>
+                  <a:schemeClr val="tx1"/>
+                </a:solidFill>
+                <a:headEnd type="none"/>
+                <a:tailEnd type="none"/>
+              </a:ln>
+            </p:spPr>
+            <p:style>
+              <a:lnRef idx="1">
+                <a:schemeClr val="accent1"/>
+              </a:lnRef>
+              <a:fillRef idx="0">
+                <a:schemeClr val="accent1"/>
+              </a:fillRef>
+              <a:effectRef idx="0">
+                <a:schemeClr val="accent1"/>
+              </a:effectRef>
+              <a:fontRef idx="minor">
+                <a:schemeClr val="tx1"/>
+              </a:fontRef>
+            </p:style>
+          </p:cxnSp>
+          <p:cxnSp>
+            <p:nvCxnSpPr>
+              <p:cNvPr id="101" name="מחבר ישר 100"/>
+              <p:cNvCxnSpPr/>
+              <p:nvPr/>
+            </p:nvCxnSpPr>
+            <p:spPr>
+              <a:xfrm flipV="1">
+                <a:off x="2497991" y="4797152"/>
+                <a:ext cx="0" cy="288032"/>
+              </a:xfrm>
+              <a:prstGeom prst="line">
+                <a:avLst/>
+              </a:prstGeom>
+              <a:ln>
+                <a:solidFill>
+                  <a:schemeClr val="tx1"/>
+                </a:solidFill>
+                <a:headEnd type="none"/>
+                <a:tailEnd type="none"/>
+              </a:ln>
+            </p:spPr>
+            <p:style>
+              <a:lnRef idx="1">
+                <a:schemeClr val="accent1"/>
+              </a:lnRef>
+              <a:fillRef idx="0">
+                <a:schemeClr val="accent1"/>
+              </a:fillRef>
+              <a:effectRef idx="0">
+                <a:schemeClr val="accent1"/>
+              </a:effectRef>
+              <a:fontRef idx="minor">
+                <a:schemeClr val="tx1"/>
+              </a:fontRef>
+            </p:style>
+          </p:cxnSp>
+          <p:cxnSp>
+            <p:nvCxnSpPr>
+              <p:cNvPr id="102" name="מחבר ישר 101"/>
+              <p:cNvCxnSpPr/>
+              <p:nvPr/>
+            </p:nvCxnSpPr>
+            <p:spPr>
+              <a:xfrm>
+                <a:off x="2508241" y="4797152"/>
+                <a:ext cx="207553" cy="0"/>
+              </a:xfrm>
+              <a:prstGeom prst="line">
+                <a:avLst/>
+              </a:prstGeom>
+              <a:ln>
+                <a:solidFill>
+                  <a:schemeClr val="tx1"/>
+                </a:solidFill>
+                <a:headEnd type="none"/>
+                <a:tailEnd type="none"/>
+              </a:ln>
+            </p:spPr>
+            <p:style>
+              <a:lnRef idx="1">
+                <a:schemeClr val="accent1"/>
+              </a:lnRef>
+              <a:fillRef idx="0">
+                <a:schemeClr val="accent1"/>
+              </a:fillRef>
+              <a:effectRef idx="0">
+                <a:schemeClr val="accent1"/>
+              </a:effectRef>
+              <a:fontRef idx="minor">
+                <a:schemeClr val="tx1"/>
+              </a:fontRef>
+            </p:style>
+          </p:cxnSp>
+          <p:cxnSp>
+            <p:nvCxnSpPr>
+              <p:cNvPr id="103" name="מחבר ישר 102"/>
+              <p:cNvCxnSpPr/>
+              <p:nvPr/>
+            </p:nvCxnSpPr>
+            <p:spPr>
+              <a:xfrm>
+                <a:off x="2682482" y="4797152"/>
+                <a:ext cx="207553" cy="0"/>
+              </a:xfrm>
+              <a:prstGeom prst="line">
+                <a:avLst/>
+              </a:prstGeom>
+              <a:ln>
+                <a:solidFill>
+                  <a:schemeClr val="tx1"/>
+                </a:solidFill>
+                <a:headEnd type="none"/>
+                <a:tailEnd type="none"/>
+              </a:ln>
+            </p:spPr>
+            <p:style>
+              <a:lnRef idx="1">
+                <a:schemeClr val="accent1"/>
+              </a:lnRef>
+              <a:fillRef idx="0">
+                <a:schemeClr val="accent1"/>
+              </a:fillRef>
+              <a:effectRef idx="0">
+                <a:schemeClr val="accent1"/>
+              </a:effectRef>
+              <a:fontRef idx="minor">
+                <a:schemeClr val="tx1"/>
+              </a:fontRef>
+            </p:style>
+          </p:cxnSp>
+          <p:cxnSp>
+            <p:nvCxnSpPr>
+              <p:cNvPr id="104" name="מחבר ישר 103"/>
+              <p:cNvCxnSpPr/>
+              <p:nvPr/>
+            </p:nvCxnSpPr>
+            <p:spPr>
+              <a:xfrm>
+                <a:off x="2856724" y="4797152"/>
+                <a:ext cx="207553" cy="0"/>
+              </a:xfrm>
+              <a:prstGeom prst="line">
+                <a:avLst/>
+              </a:prstGeom>
+              <a:ln>
+                <a:solidFill>
+                  <a:schemeClr val="tx1"/>
+                </a:solidFill>
+                <a:headEnd type="none"/>
+                <a:tailEnd type="none"/>
+              </a:ln>
+            </p:spPr>
+            <p:style>
+              <a:lnRef idx="1">
+                <a:schemeClr val="accent1"/>
+              </a:lnRef>
+              <a:fillRef idx="0">
+                <a:schemeClr val="accent1"/>
+              </a:fillRef>
+              <a:effectRef idx="0">
+                <a:schemeClr val="accent1"/>
+              </a:effectRef>
+              <a:fontRef idx="minor">
+                <a:schemeClr val="tx1"/>
+              </a:fontRef>
+            </p:style>
+          </p:cxnSp>
+          <p:cxnSp>
+            <p:nvCxnSpPr>
+              <p:cNvPr id="105" name="מחבר ישר 104"/>
+              <p:cNvCxnSpPr/>
+              <p:nvPr/>
+            </p:nvCxnSpPr>
+            <p:spPr>
+              <a:xfrm>
+                <a:off x="3030966" y="4797152"/>
+                <a:ext cx="207553" cy="0"/>
+              </a:xfrm>
+              <a:prstGeom prst="line">
+                <a:avLst/>
+              </a:prstGeom>
+              <a:ln>
+                <a:solidFill>
+                  <a:schemeClr val="tx1"/>
+                </a:solidFill>
+                <a:headEnd type="none"/>
+                <a:tailEnd type="none"/>
+              </a:ln>
+            </p:spPr>
+            <p:style>
+              <a:lnRef idx="1">
+                <a:schemeClr val="accent1"/>
+              </a:lnRef>
+              <a:fillRef idx="0">
+                <a:schemeClr val="accent1"/>
+              </a:fillRef>
+              <a:effectRef idx="0">
+                <a:schemeClr val="accent1"/>
+              </a:effectRef>
+              <a:fontRef idx="minor">
+                <a:schemeClr val="tx1"/>
+              </a:fontRef>
+            </p:style>
+          </p:cxnSp>
+          <p:cxnSp>
+            <p:nvCxnSpPr>
+              <p:cNvPr id="106" name="מחבר ישר 105"/>
+              <p:cNvCxnSpPr/>
+              <p:nvPr/>
+            </p:nvCxnSpPr>
+            <p:spPr>
+              <a:xfrm>
+                <a:off x="3205207" y="4797152"/>
+                <a:ext cx="207553" cy="0"/>
+              </a:xfrm>
+              <a:prstGeom prst="line">
+                <a:avLst/>
+              </a:prstGeom>
+              <a:ln>
+                <a:solidFill>
+                  <a:schemeClr val="tx1"/>
+                </a:solidFill>
+                <a:headEnd type="none"/>
+                <a:tailEnd type="none"/>
+              </a:ln>
+            </p:spPr>
+            <p:style>
+              <a:lnRef idx="1">
+                <a:schemeClr val="accent1"/>
+              </a:lnRef>
+              <a:fillRef idx="0">
+                <a:schemeClr val="accent1"/>
+              </a:fillRef>
+              <a:effectRef idx="0">
+                <a:schemeClr val="accent1"/>
+              </a:effectRef>
+              <a:fontRef idx="minor">
+                <a:schemeClr val="tx1"/>
+              </a:fontRef>
+            </p:style>
+          </p:cxnSp>
+          <p:cxnSp>
+            <p:nvCxnSpPr>
+              <p:cNvPr id="107" name="מחבר ישר 106"/>
+              <p:cNvCxnSpPr/>
+              <p:nvPr/>
+            </p:nvCxnSpPr>
+            <p:spPr>
+              <a:xfrm>
+                <a:off x="3379449" y="4797152"/>
+                <a:ext cx="207553" cy="0"/>
+              </a:xfrm>
+              <a:prstGeom prst="line">
+                <a:avLst/>
+              </a:prstGeom>
+              <a:ln>
+                <a:solidFill>
+                  <a:schemeClr val="tx1"/>
+                </a:solidFill>
+                <a:headEnd type="none"/>
+                <a:tailEnd type="none"/>
+              </a:ln>
+            </p:spPr>
+            <p:style>
+              <a:lnRef idx="1">
+                <a:schemeClr val="accent1"/>
+              </a:lnRef>
+              <a:fillRef idx="0">
+                <a:schemeClr val="accent1"/>
+              </a:fillRef>
+              <a:effectRef idx="0">
+                <a:schemeClr val="accent1"/>
+              </a:effectRef>
+              <a:fontRef idx="minor">
+                <a:schemeClr val="tx1"/>
+              </a:fontRef>
+            </p:style>
+          </p:cxnSp>
+          <p:cxnSp>
+            <p:nvCxnSpPr>
+              <p:cNvPr id="108" name="מחבר ישר 107"/>
+              <p:cNvCxnSpPr/>
+              <p:nvPr/>
+            </p:nvCxnSpPr>
+            <p:spPr>
+              <a:xfrm>
+                <a:off x="3553691" y="4797152"/>
+                <a:ext cx="207553" cy="0"/>
+              </a:xfrm>
+              <a:prstGeom prst="line">
+                <a:avLst/>
+              </a:prstGeom>
+              <a:ln>
+                <a:solidFill>
+                  <a:schemeClr val="tx1"/>
+                </a:solidFill>
+                <a:headEnd type="none"/>
+                <a:tailEnd type="none"/>
+              </a:ln>
+            </p:spPr>
+            <p:style>
+              <a:lnRef idx="1">
+                <a:schemeClr val="accent1"/>
+              </a:lnRef>
+              <a:fillRef idx="0">
+                <a:schemeClr val="accent1"/>
+              </a:fillRef>
+              <a:effectRef idx="0">
+                <a:schemeClr val="accent1"/>
+              </a:effectRef>
+              <a:fontRef idx="minor">
+                <a:schemeClr val="tx1"/>
+              </a:fontRef>
+            </p:style>
+          </p:cxnSp>
+          <p:cxnSp>
+            <p:nvCxnSpPr>
+              <p:cNvPr id="109" name="מחבר ישר 108"/>
+              <p:cNvCxnSpPr/>
+              <p:nvPr/>
+            </p:nvCxnSpPr>
+            <p:spPr>
+              <a:xfrm>
+                <a:off x="3727932" y="4797152"/>
+                <a:ext cx="207553" cy="0"/>
+              </a:xfrm>
+              <a:prstGeom prst="line">
+                <a:avLst/>
+              </a:prstGeom>
+              <a:ln>
+                <a:solidFill>
+                  <a:schemeClr val="tx1"/>
+                </a:solidFill>
+                <a:headEnd type="none"/>
+                <a:tailEnd type="none"/>
+              </a:ln>
+            </p:spPr>
+            <p:style>
+              <a:lnRef idx="1">
+                <a:schemeClr val="accent1"/>
+              </a:lnRef>
+              <a:fillRef idx="0">
+                <a:schemeClr val="accent1"/>
+              </a:fillRef>
+              <a:effectRef idx="0">
+                <a:schemeClr val="accent1"/>
+              </a:effectRef>
+              <a:fontRef idx="minor">
+                <a:schemeClr val="tx1"/>
+              </a:fontRef>
+            </p:style>
+          </p:cxnSp>
+          <p:cxnSp>
+            <p:nvCxnSpPr>
+              <p:cNvPr id="110" name="מחבר ישר 109"/>
+              <p:cNvCxnSpPr/>
+              <p:nvPr/>
+            </p:nvCxnSpPr>
+            <p:spPr>
+              <a:xfrm>
+                <a:off x="3902174" y="4797152"/>
+                <a:ext cx="207553" cy="0"/>
+              </a:xfrm>
+              <a:prstGeom prst="line">
+                <a:avLst/>
+              </a:prstGeom>
+              <a:ln>
+                <a:solidFill>
+                  <a:schemeClr val="tx1"/>
+                </a:solidFill>
+                <a:headEnd type="none"/>
+                <a:tailEnd type="none"/>
+              </a:ln>
+            </p:spPr>
+            <p:style>
+              <a:lnRef idx="1">
+                <a:schemeClr val="accent1"/>
+              </a:lnRef>
+              <a:fillRef idx="0">
+                <a:schemeClr val="accent1"/>
+              </a:fillRef>
+              <a:effectRef idx="0">
+                <a:schemeClr val="accent1"/>
+              </a:effectRef>
+              <a:fontRef idx="minor">
+                <a:schemeClr val="tx1"/>
+              </a:fontRef>
+            </p:style>
+          </p:cxnSp>
+          <p:cxnSp>
+            <p:nvCxnSpPr>
+              <p:cNvPr id="111" name="מחבר ישר 110"/>
+              <p:cNvCxnSpPr/>
+              <p:nvPr/>
+            </p:nvCxnSpPr>
+            <p:spPr>
+              <a:xfrm>
+                <a:off x="4076415" y="4797152"/>
+                <a:ext cx="207553" cy="0"/>
+              </a:xfrm>
+              <a:prstGeom prst="line">
+                <a:avLst/>
+              </a:prstGeom>
+              <a:ln>
+                <a:solidFill>
+                  <a:schemeClr val="tx1"/>
+                </a:solidFill>
+                <a:headEnd type="none"/>
+                <a:tailEnd type="none"/>
+              </a:ln>
+            </p:spPr>
+            <p:style>
+              <a:lnRef idx="1">
+                <a:schemeClr val="accent1"/>
+              </a:lnRef>
+              <a:fillRef idx="0">
+                <a:schemeClr val="accent1"/>
+              </a:fillRef>
+              <a:effectRef idx="0">
+                <a:schemeClr val="accent1"/>
+              </a:effectRef>
+              <a:fontRef idx="minor">
+                <a:schemeClr val="tx1"/>
+              </a:fontRef>
+            </p:style>
+          </p:cxnSp>
+          <p:cxnSp>
+            <p:nvCxnSpPr>
+              <p:cNvPr id="141" name="מחבר ישר 140"/>
+              <p:cNvCxnSpPr/>
+              <p:nvPr/>
+            </p:nvCxnSpPr>
+            <p:spPr>
+              <a:xfrm>
+                <a:off x="4211960" y="4797152"/>
+                <a:ext cx="207553" cy="0"/>
+              </a:xfrm>
+              <a:prstGeom prst="line">
+                <a:avLst/>
+              </a:prstGeom>
+              <a:ln>
+                <a:solidFill>
+                  <a:schemeClr val="tx1"/>
+                </a:solidFill>
+                <a:headEnd type="none"/>
+                <a:tailEnd type="none"/>
+              </a:ln>
+            </p:spPr>
+            <p:style>
+              <a:lnRef idx="1">
+                <a:schemeClr val="accent1"/>
+              </a:lnRef>
+              <a:fillRef idx="0">
+                <a:schemeClr val="accent1"/>
+              </a:fillRef>
+              <a:effectRef idx="0">
+                <a:schemeClr val="accent1"/>
+              </a:effectRef>
+              <a:fontRef idx="minor">
+                <a:schemeClr val="tx1"/>
+              </a:fontRef>
+            </p:style>
+          </p:cxnSp>
+          <p:cxnSp>
+            <p:nvCxnSpPr>
+              <p:cNvPr id="142" name="מחבר ישר 141"/>
+              <p:cNvCxnSpPr/>
+              <p:nvPr/>
+            </p:nvCxnSpPr>
+            <p:spPr>
+              <a:xfrm>
+                <a:off x="4364447" y="4797152"/>
+                <a:ext cx="207553" cy="0"/>
+              </a:xfrm>
+              <a:prstGeom prst="line">
+                <a:avLst/>
+              </a:prstGeom>
+              <a:ln>
+                <a:solidFill>
+                  <a:schemeClr val="tx1"/>
+                </a:solidFill>
+                <a:headEnd type="none"/>
+                <a:tailEnd type="none"/>
+              </a:ln>
+            </p:spPr>
+            <p:style>
+              <a:lnRef idx="1">
+                <a:schemeClr val="accent1"/>
+              </a:lnRef>
+              <a:fillRef idx="0">
+                <a:schemeClr val="accent1"/>
+              </a:fillRef>
+              <a:effectRef idx="0">
+                <a:schemeClr val="accent1"/>
+              </a:effectRef>
+              <a:fontRef idx="minor">
+                <a:schemeClr val="tx1"/>
+              </a:fontRef>
+            </p:style>
+          </p:cxnSp>
+        </p:grpSp>
+        <p:sp>
+          <p:nvSpPr>
+            <p:cNvPr id="144" name="מלבן 143"/>
+            <p:cNvSpPr/>
+            <p:nvPr/>
+          </p:nvSpPr>
+          <p:spPr>
+            <a:xfrm>
+              <a:off x="107504" y="3645024"/>
+              <a:ext cx="4536504" cy="2376264"/>
+            </a:xfrm>
+            <a:prstGeom prst="rect">
+              <a:avLst/>
+            </a:prstGeom>
+            <a:noFill/>
+            <a:ln w="76200">
               <a:solidFill>
                 <a:schemeClr val="tx1"/>
               </a:solidFill>
-              <a:headEnd type="none"/>
-              <a:tailEnd type="none"/>
             </a:ln>
           </p:spPr>
           <p:style>
-            <a:lnRef idx="1">
-              <a:schemeClr val="accent1"/>
+            <a:lnRef idx="2">
+              <a:schemeClr val="accent1">
+                <a:shade val="50000"/>
+              </a:schemeClr>
             </a:lnRef>
-            <a:fillRef idx="0">
+            <a:fillRef idx="1">
               <a:schemeClr val="accent1"/>
             </a:fillRef>
             <a:effectRef idx="0">
               <a:schemeClr val="accent1"/>
             </a:effectRef>
             <a:fontRef idx="minor">
-              <a:schemeClr val="tx1"/>
+              <a:schemeClr val="lt1"/>
             </a:fontRef>
           </p:style>
-        </p:cxnSp>
-        <p:cxnSp>
-          <p:nvCxnSpPr>
-            <p:cNvPr id="39" name="מחבר ישר 38"/>
-            <p:cNvCxnSpPr/>
+          <p:txBody>
+            <a:bodyPr rtlCol="1" anchor="ctr"/>
+            <a:lstStyle/>
+            <a:p>
+              <a:pPr algn="ctr"/>
+              <a:endParaRPr lang="he-IL"/>
+            </a:p>
+          </p:txBody>
+        </p:sp>
+        <p:sp>
+          <p:nvSpPr>
+            <p:cNvPr id="145" name="מלבן 144"/>
+            <p:cNvSpPr/>
             <p:nvPr/>
-          </p:nvCxnSpPr>
+          </p:nvSpPr>
           <p:spPr>
-            <a:xfrm flipV="1">
-              <a:off x="1729802" y="4104692"/>
-              <a:ext cx="0" cy="179630"/>
+            <a:xfrm>
+              <a:off x="5796136" y="3645024"/>
+              <a:ext cx="3096344" cy="2376264"/>
             </a:xfrm>
-            <a:prstGeom prst="line">
+            <a:prstGeom prst="rect">
               <a:avLst/>
             </a:prstGeom>
-            <a:ln>
+            <a:noFill/>
+            <a:ln w="76200">
               <a:solidFill>
                 <a:schemeClr val="tx1"/>
               </a:solidFill>
-              <a:headEnd type="none"/>
-              <a:tailEnd type="none"/>
             </a:ln>
           </p:spPr>
           <p:style>
-            <a:lnRef idx="1">
-              <a:schemeClr val="accent1"/>
+            <a:lnRef idx="2">
+              <a:schemeClr val="accent1">
+                <a:shade val="50000"/>
+              </a:schemeClr>
             </a:lnRef>
-            <a:fillRef idx="0">
+            <a:fillRef idx="1">
               <a:schemeClr val="accent1"/>
             </a:fillRef>
             <a:effectRef idx="0">
               <a:schemeClr val="accent1"/>
             </a:effectRef>
             <a:fontRef idx="minor">
-              <a:schemeClr val="tx1"/>
+              <a:schemeClr val="lt1"/>
             </a:fontRef>
           </p:style>
-        </p:cxnSp>
-        <p:cxnSp>
-          <p:nvCxnSpPr>
-            <p:cNvPr id="41" name="מחבר ישר 40"/>
-            <p:cNvCxnSpPr/>
+          <p:txBody>
+            <a:bodyPr rtlCol="1" anchor="ctr"/>
+            <a:lstStyle/>
+            <a:p>
+              <a:pPr algn="ctr"/>
+              <a:endParaRPr lang="he-IL"/>
+            </a:p>
+          </p:txBody>
+        </p:sp>
+        <p:grpSp>
+          <p:nvGrpSpPr>
+            <p:cNvPr id="159" name="קבוצה 158"/>
+            <p:cNvGrpSpPr/>
             <p:nvPr/>
-          </p:nvCxnSpPr>
+          </p:nvGrpSpPr>
+          <p:grpSpPr>
+            <a:xfrm>
+              <a:off x="6732240" y="5373216"/>
+              <a:ext cx="1871850" cy="288032"/>
+              <a:chOff x="6588582" y="5013176"/>
+              <a:chExt cx="1871850" cy="288032"/>
+            </a:xfrm>
+          </p:grpSpPr>
+          <p:cxnSp>
+            <p:nvCxnSpPr>
+              <p:cNvPr id="146" name="מחבר ישר 145"/>
+              <p:cNvCxnSpPr/>
+              <p:nvPr/>
+            </p:nvCxnSpPr>
+            <p:spPr>
+              <a:xfrm>
+                <a:off x="6752189" y="5301208"/>
+                <a:ext cx="194884" cy="0"/>
+              </a:xfrm>
+              <a:prstGeom prst="line">
+                <a:avLst/>
+              </a:prstGeom>
+              <a:ln>
+                <a:solidFill>
+                  <a:schemeClr val="tx1"/>
+                </a:solidFill>
+                <a:headEnd type="none"/>
+                <a:tailEnd type="none"/>
+              </a:ln>
+            </p:spPr>
+            <p:style>
+              <a:lnRef idx="1">
+                <a:schemeClr val="accent1"/>
+              </a:lnRef>
+              <a:fillRef idx="0">
+                <a:schemeClr val="accent1"/>
+              </a:fillRef>
+              <a:effectRef idx="0">
+                <a:schemeClr val="accent1"/>
+              </a:effectRef>
+              <a:fontRef idx="minor">
+                <a:schemeClr val="tx1"/>
+              </a:fontRef>
+            </p:style>
+          </p:cxnSp>
+          <p:cxnSp>
+            <p:nvCxnSpPr>
+              <p:cNvPr id="147" name="מחבר ישר 146"/>
+              <p:cNvCxnSpPr/>
+              <p:nvPr/>
+            </p:nvCxnSpPr>
+            <p:spPr>
+              <a:xfrm>
+                <a:off x="6588582" y="5301208"/>
+                <a:ext cx="194884" cy="0"/>
+              </a:xfrm>
+              <a:prstGeom prst="line">
+                <a:avLst/>
+              </a:prstGeom>
+              <a:ln>
+                <a:solidFill>
+                  <a:schemeClr val="tx1"/>
+                </a:solidFill>
+                <a:headEnd type="none"/>
+                <a:tailEnd type="none"/>
+              </a:ln>
+            </p:spPr>
+            <p:style>
+              <a:lnRef idx="1">
+                <a:schemeClr val="accent1"/>
+              </a:lnRef>
+              <a:fillRef idx="0">
+                <a:schemeClr val="accent1"/>
+              </a:fillRef>
+              <a:effectRef idx="0">
+                <a:schemeClr val="accent1"/>
+              </a:effectRef>
+              <a:fontRef idx="minor">
+                <a:schemeClr val="tx1"/>
+              </a:fontRef>
+            </p:style>
+          </p:cxnSp>
+          <p:cxnSp>
+            <p:nvCxnSpPr>
+              <p:cNvPr id="148" name="מחבר ישר 147"/>
+              <p:cNvCxnSpPr/>
+              <p:nvPr/>
+            </p:nvCxnSpPr>
+            <p:spPr>
+              <a:xfrm flipV="1">
+                <a:off x="6947073" y="5013176"/>
+                <a:ext cx="0" cy="288032"/>
+              </a:xfrm>
+              <a:prstGeom prst="line">
+                <a:avLst/>
+              </a:prstGeom>
+              <a:ln>
+                <a:solidFill>
+                  <a:schemeClr val="tx1"/>
+                </a:solidFill>
+                <a:headEnd type="none"/>
+                <a:tailEnd type="none"/>
+              </a:ln>
+            </p:spPr>
+            <p:style>
+              <a:lnRef idx="1">
+                <a:schemeClr val="accent1"/>
+              </a:lnRef>
+              <a:fillRef idx="0">
+                <a:schemeClr val="accent1"/>
+              </a:fillRef>
+              <a:effectRef idx="0">
+                <a:schemeClr val="accent1"/>
+              </a:effectRef>
+              <a:fontRef idx="minor">
+                <a:schemeClr val="tx1"/>
+              </a:fontRef>
+            </p:style>
+          </p:cxnSp>
+          <p:cxnSp>
+            <p:nvCxnSpPr>
+              <p:cNvPr id="149" name="מחבר ישר 148"/>
+              <p:cNvCxnSpPr/>
+              <p:nvPr/>
+            </p:nvCxnSpPr>
+            <p:spPr>
+              <a:xfrm>
+                <a:off x="6947073" y="5013176"/>
+                <a:ext cx="194884" cy="0"/>
+              </a:xfrm>
+              <a:prstGeom prst="line">
+                <a:avLst/>
+              </a:prstGeom>
+              <a:ln>
+                <a:solidFill>
+                  <a:schemeClr val="tx1"/>
+                </a:solidFill>
+                <a:headEnd type="none"/>
+                <a:tailEnd type="none"/>
+              </a:ln>
+            </p:spPr>
+            <p:style>
+              <a:lnRef idx="1">
+                <a:schemeClr val="accent1"/>
+              </a:lnRef>
+              <a:fillRef idx="0">
+                <a:schemeClr val="accent1"/>
+              </a:fillRef>
+              <a:effectRef idx="0">
+                <a:schemeClr val="accent1"/>
+              </a:effectRef>
+              <a:fontRef idx="minor">
+                <a:schemeClr val="tx1"/>
+              </a:fontRef>
+            </p:style>
+          </p:cxnSp>
+          <p:cxnSp>
+            <p:nvCxnSpPr>
+              <p:cNvPr id="150" name="מחבר ישר 149"/>
+              <p:cNvCxnSpPr/>
+              <p:nvPr/>
+            </p:nvCxnSpPr>
+            <p:spPr>
+              <a:xfrm>
+                <a:off x="7110679" y="5013176"/>
+                <a:ext cx="194884" cy="0"/>
+              </a:xfrm>
+              <a:prstGeom prst="line">
+                <a:avLst/>
+              </a:prstGeom>
+              <a:ln>
+                <a:solidFill>
+                  <a:schemeClr val="tx1"/>
+                </a:solidFill>
+                <a:headEnd type="none"/>
+                <a:tailEnd type="none"/>
+              </a:ln>
+            </p:spPr>
+            <p:style>
+              <a:lnRef idx="1">
+                <a:schemeClr val="accent1"/>
+              </a:lnRef>
+              <a:fillRef idx="0">
+                <a:schemeClr val="accent1"/>
+              </a:fillRef>
+              <a:effectRef idx="0">
+                <a:schemeClr val="accent1"/>
+              </a:effectRef>
+              <a:fontRef idx="minor">
+                <a:schemeClr val="tx1"/>
+              </a:fontRef>
+            </p:style>
+          </p:cxnSp>
+          <p:cxnSp>
+            <p:nvCxnSpPr>
+              <p:cNvPr id="151" name="מחבר ישר 150"/>
+              <p:cNvCxnSpPr/>
+              <p:nvPr/>
+            </p:nvCxnSpPr>
+            <p:spPr>
+              <a:xfrm>
+                <a:off x="7274286" y="5013176"/>
+                <a:ext cx="194884" cy="0"/>
+              </a:xfrm>
+              <a:prstGeom prst="line">
+                <a:avLst/>
+              </a:prstGeom>
+              <a:ln>
+                <a:solidFill>
+                  <a:schemeClr val="tx1"/>
+                </a:solidFill>
+                <a:headEnd type="none"/>
+                <a:tailEnd type="none"/>
+              </a:ln>
+            </p:spPr>
+            <p:style>
+              <a:lnRef idx="1">
+                <a:schemeClr val="accent1"/>
+              </a:lnRef>
+              <a:fillRef idx="0">
+                <a:schemeClr val="accent1"/>
+              </a:fillRef>
+              <a:effectRef idx="0">
+                <a:schemeClr val="accent1"/>
+              </a:effectRef>
+              <a:fontRef idx="minor">
+                <a:schemeClr val="tx1"/>
+              </a:fontRef>
+            </p:style>
+          </p:cxnSp>
+          <p:cxnSp>
+            <p:nvCxnSpPr>
+              <p:cNvPr id="152" name="מחבר ישר 151"/>
+              <p:cNvCxnSpPr/>
+              <p:nvPr/>
+            </p:nvCxnSpPr>
+            <p:spPr>
+              <a:xfrm>
+                <a:off x="7437892" y="5013176"/>
+                <a:ext cx="194884" cy="0"/>
+              </a:xfrm>
+              <a:prstGeom prst="line">
+                <a:avLst/>
+              </a:prstGeom>
+              <a:ln>
+                <a:solidFill>
+                  <a:schemeClr val="tx1"/>
+                </a:solidFill>
+                <a:headEnd type="none"/>
+                <a:tailEnd type="none"/>
+              </a:ln>
+            </p:spPr>
+            <p:style>
+              <a:lnRef idx="1">
+                <a:schemeClr val="accent1"/>
+              </a:lnRef>
+              <a:fillRef idx="0">
+                <a:schemeClr val="accent1"/>
+              </a:fillRef>
+              <a:effectRef idx="0">
+                <a:schemeClr val="accent1"/>
+              </a:effectRef>
+              <a:fontRef idx="minor">
+                <a:schemeClr val="tx1"/>
+              </a:fontRef>
+            </p:style>
+          </p:cxnSp>
+          <p:cxnSp>
+            <p:nvCxnSpPr>
+              <p:cNvPr id="153" name="מחבר ישר 152"/>
+              <p:cNvCxnSpPr/>
+              <p:nvPr/>
+            </p:nvCxnSpPr>
+            <p:spPr>
+              <a:xfrm flipV="1">
+                <a:off x="7642400" y="5013176"/>
+                <a:ext cx="0" cy="288032"/>
+              </a:xfrm>
+              <a:prstGeom prst="line">
+                <a:avLst/>
+              </a:prstGeom>
+              <a:ln>
+                <a:solidFill>
+                  <a:schemeClr val="tx1"/>
+                </a:solidFill>
+                <a:headEnd type="none"/>
+                <a:tailEnd type="none"/>
+              </a:ln>
+            </p:spPr>
+            <p:style>
+              <a:lnRef idx="1">
+                <a:schemeClr val="accent1"/>
+              </a:lnRef>
+              <a:fillRef idx="0">
+                <a:schemeClr val="accent1"/>
+              </a:fillRef>
+              <a:effectRef idx="0">
+                <a:schemeClr val="accent1"/>
+              </a:effectRef>
+              <a:fontRef idx="minor">
+                <a:schemeClr val="tx1"/>
+              </a:fontRef>
+            </p:style>
+          </p:cxnSp>
+          <p:cxnSp>
+            <p:nvCxnSpPr>
+              <p:cNvPr id="154" name="מחבר ישר 153"/>
+              <p:cNvCxnSpPr/>
+              <p:nvPr/>
+            </p:nvCxnSpPr>
+            <p:spPr>
+              <a:xfrm>
+                <a:off x="7642400" y="5301208"/>
+                <a:ext cx="194884" cy="0"/>
+              </a:xfrm>
+              <a:prstGeom prst="line">
+                <a:avLst/>
+              </a:prstGeom>
+              <a:ln>
+                <a:solidFill>
+                  <a:schemeClr val="tx1"/>
+                </a:solidFill>
+                <a:headEnd type="none"/>
+                <a:tailEnd type="none"/>
+              </a:ln>
+            </p:spPr>
+            <p:style>
+              <a:lnRef idx="1">
+                <a:schemeClr val="accent1"/>
+              </a:lnRef>
+              <a:fillRef idx="0">
+                <a:schemeClr val="accent1"/>
+              </a:fillRef>
+              <a:effectRef idx="0">
+                <a:schemeClr val="accent1"/>
+              </a:effectRef>
+              <a:fontRef idx="minor">
+                <a:schemeClr val="tx1"/>
+              </a:fontRef>
+            </p:style>
+          </p:cxnSp>
+          <p:cxnSp>
+            <p:nvCxnSpPr>
+              <p:cNvPr id="155" name="מחבר ישר 154"/>
+              <p:cNvCxnSpPr/>
+              <p:nvPr/>
+            </p:nvCxnSpPr>
+            <p:spPr>
+              <a:xfrm>
+                <a:off x="7806006" y="5301208"/>
+                <a:ext cx="194884" cy="0"/>
+              </a:xfrm>
+              <a:prstGeom prst="line">
+                <a:avLst/>
+              </a:prstGeom>
+              <a:ln>
+                <a:solidFill>
+                  <a:schemeClr val="tx1"/>
+                </a:solidFill>
+                <a:headEnd type="none"/>
+                <a:tailEnd type="none"/>
+              </a:ln>
+            </p:spPr>
+            <p:style>
+              <a:lnRef idx="1">
+                <a:schemeClr val="accent1"/>
+              </a:lnRef>
+              <a:fillRef idx="0">
+                <a:schemeClr val="accent1"/>
+              </a:fillRef>
+              <a:effectRef idx="0">
+                <a:schemeClr val="accent1"/>
+              </a:effectRef>
+              <a:fontRef idx="minor">
+                <a:schemeClr val="tx1"/>
+              </a:fontRef>
+            </p:style>
+          </p:cxnSp>
+          <p:cxnSp>
+            <p:nvCxnSpPr>
+              <p:cNvPr id="156" name="מחבר ישר 155"/>
+              <p:cNvCxnSpPr/>
+              <p:nvPr/>
+            </p:nvCxnSpPr>
+            <p:spPr>
+              <a:xfrm>
+                <a:off x="7979237" y="5301208"/>
+                <a:ext cx="194884" cy="0"/>
+              </a:xfrm>
+              <a:prstGeom prst="line">
+                <a:avLst/>
+              </a:prstGeom>
+              <a:ln>
+                <a:solidFill>
+                  <a:schemeClr val="tx1"/>
+                </a:solidFill>
+                <a:headEnd type="none"/>
+                <a:tailEnd type="none"/>
+              </a:ln>
+            </p:spPr>
+            <p:style>
+              <a:lnRef idx="1">
+                <a:schemeClr val="accent1"/>
+              </a:lnRef>
+              <a:fillRef idx="0">
+                <a:schemeClr val="accent1"/>
+              </a:fillRef>
+              <a:effectRef idx="0">
+                <a:schemeClr val="accent1"/>
+              </a:effectRef>
+              <a:fontRef idx="minor">
+                <a:schemeClr val="tx1"/>
+              </a:fontRef>
+            </p:style>
+          </p:cxnSp>
+          <p:cxnSp>
+            <p:nvCxnSpPr>
+              <p:cNvPr id="157" name="מחבר ישר 156"/>
+              <p:cNvCxnSpPr/>
+              <p:nvPr/>
+            </p:nvCxnSpPr>
+            <p:spPr>
+              <a:xfrm>
+                <a:off x="8152467" y="5301208"/>
+                <a:ext cx="194884" cy="0"/>
+              </a:xfrm>
+              <a:prstGeom prst="line">
+                <a:avLst/>
+              </a:prstGeom>
+              <a:ln>
+                <a:solidFill>
+                  <a:schemeClr val="tx1"/>
+                </a:solidFill>
+                <a:headEnd type="none"/>
+                <a:tailEnd type="none"/>
+              </a:ln>
+            </p:spPr>
+            <p:style>
+              <a:lnRef idx="1">
+                <a:schemeClr val="accent1"/>
+              </a:lnRef>
+              <a:fillRef idx="0">
+                <a:schemeClr val="accent1"/>
+              </a:fillRef>
+              <a:effectRef idx="0">
+                <a:schemeClr val="accent1"/>
+              </a:effectRef>
+              <a:fontRef idx="minor">
+                <a:schemeClr val="tx1"/>
+              </a:fontRef>
+            </p:style>
+          </p:cxnSp>
+          <p:cxnSp>
+            <p:nvCxnSpPr>
+              <p:cNvPr id="158" name="מחבר ישר 157"/>
+              <p:cNvCxnSpPr/>
+              <p:nvPr/>
+            </p:nvCxnSpPr>
+            <p:spPr>
+              <a:xfrm>
+                <a:off x="8265548" y="5301208"/>
+                <a:ext cx="194884" cy="0"/>
+              </a:xfrm>
+              <a:prstGeom prst="line">
+                <a:avLst/>
+              </a:prstGeom>
+              <a:ln>
+                <a:solidFill>
+                  <a:schemeClr val="tx1"/>
+                </a:solidFill>
+                <a:headEnd type="none"/>
+                <a:tailEnd type="none"/>
+              </a:ln>
+            </p:spPr>
+            <p:style>
+              <a:lnRef idx="1">
+                <a:schemeClr val="accent1"/>
+              </a:lnRef>
+              <a:fillRef idx="0">
+                <a:schemeClr val="accent1"/>
+              </a:fillRef>
+              <a:effectRef idx="0">
+                <a:schemeClr val="accent1"/>
+              </a:effectRef>
+              <a:fontRef idx="minor">
+                <a:schemeClr val="tx1"/>
+              </a:fontRef>
+            </p:style>
+          </p:cxnSp>
+        </p:grpSp>
+        <p:sp>
+          <p:nvSpPr>
+            <p:cNvPr id="160" name="TextBox 159"/>
+            <p:cNvSpPr txBox="1"/>
+            <p:nvPr/>
+          </p:nvSpPr>
           <p:spPr>
-            <a:xfrm flipV="1">
-              <a:off x="1386705" y="4104692"/>
-              <a:ext cx="0" cy="179630"/>
+            <a:xfrm>
+              <a:off x="5796136" y="5301208"/>
+              <a:ext cx="864096" cy="338554"/>
             </a:xfrm>
-            <a:prstGeom prst="line">
+            <a:prstGeom prst="rect">
               <a:avLst/>
             </a:prstGeom>
-            <a:ln>
+            <a:noFill/>
+          </p:spPr>
+          <p:txBody>
+            <a:bodyPr wrap="square" rtlCol="1">
+              <a:spAutoFit/>
+            </a:bodyPr>
+            <a:lstStyle/>
+            <a:p>
+              <a:pPr algn="ctr"/>
+              <a:r>
+                <a:rPr lang="en-US" sz="1600" dirty="0" smtClean="0"/>
+                <a:t>DATA</a:t>
+              </a:r>
+              <a:endParaRPr lang="he-IL" sz="1600" dirty="0"/>
+            </a:p>
+          </p:txBody>
+        </p:sp>
+        <p:sp>
+          <p:nvSpPr>
+            <p:cNvPr id="165" name="TextBox 164"/>
+            <p:cNvSpPr txBox="1"/>
+            <p:nvPr/>
+          </p:nvSpPr>
+          <p:spPr>
+            <a:xfrm>
+              <a:off x="1691680" y="6156012"/>
+              <a:ext cx="936104" cy="369332"/>
+            </a:xfrm>
+            <a:prstGeom prst="rect">
+              <a:avLst/>
+            </a:prstGeom>
+            <a:solidFill>
+              <a:srgbClr val="FF0000"/>
+            </a:solidFill>
+          </p:spPr>
+          <p:txBody>
+            <a:bodyPr wrap="square" rtlCol="1">
+              <a:spAutoFit/>
+            </a:bodyPr>
+            <a:lstStyle/>
+            <a:p>
+              <a:pPr algn="ctr" rtl="0"/>
+              <a:r>
+                <a:rPr lang="en-US" b="1" dirty="0" smtClean="0"/>
+                <a:t>INPUT</a:t>
+              </a:r>
+              <a:endParaRPr lang="he-IL" b="1" dirty="0"/>
+            </a:p>
+          </p:txBody>
+        </p:sp>
+        <p:sp>
+          <p:nvSpPr>
+            <p:cNvPr id="166" name="TextBox 165"/>
+            <p:cNvSpPr txBox="1"/>
+            <p:nvPr/>
+          </p:nvSpPr>
+          <p:spPr>
+            <a:xfrm>
+              <a:off x="6732240" y="6165304"/>
+              <a:ext cx="1080120" cy="369332"/>
+            </a:xfrm>
+            <a:prstGeom prst="rect">
+              <a:avLst/>
+            </a:prstGeom>
+            <a:solidFill>
+              <a:srgbClr val="FF0000"/>
+            </a:solidFill>
+          </p:spPr>
+          <p:txBody>
+            <a:bodyPr wrap="square" rtlCol="1">
+              <a:spAutoFit/>
+            </a:bodyPr>
+            <a:lstStyle/>
+            <a:p>
+              <a:pPr algn="ctr" rtl="0"/>
+              <a:r>
+                <a:rPr lang="en-US" b="1" dirty="0" smtClean="0"/>
+                <a:t>OUTPUT</a:t>
+              </a:r>
+              <a:endParaRPr lang="he-IL" b="1" dirty="0"/>
+            </a:p>
+          </p:txBody>
+        </p:sp>
+        <p:sp>
+          <p:nvSpPr>
+            <p:cNvPr id="162" name="אליפסה 161"/>
+            <p:cNvSpPr/>
+            <p:nvPr/>
+          </p:nvSpPr>
+          <p:spPr>
+            <a:xfrm>
+              <a:off x="2110796" y="4523638"/>
+              <a:ext cx="549081" cy="792088"/>
+            </a:xfrm>
+            <a:prstGeom prst="ellipse">
+              <a:avLst/>
+            </a:prstGeom>
+            <a:noFill/>
+            <a:ln w="38100">
               <a:solidFill>
-                <a:schemeClr val="tx1"/>
+                <a:srgbClr val="FF0000"/>
               </a:solidFill>
-              <a:headEnd type="none"/>
-              <a:tailEnd type="none"/>
             </a:ln>
           </p:spPr>
           <p:style>
-            <a:lnRef idx="1">
-              <a:schemeClr val="accent1"/>
+            <a:lnRef idx="2">
+              <a:schemeClr val="accent1">
+                <a:shade val="50000"/>
+              </a:schemeClr>
             </a:lnRef>
-            <a:fillRef idx="0">
+            <a:fillRef idx="1">
               <a:schemeClr val="accent1"/>
             </a:fillRef>
             <a:effectRef idx="0">
               <a:schemeClr val="accent1"/>
             </a:effectRef>
             <a:fontRef idx="minor">
-              <a:schemeClr val="tx1"/>
+              <a:schemeClr val="lt1"/>
             </a:fontRef>
           </p:style>
-        </p:cxnSp>
-        <p:cxnSp>
-          <p:nvCxnSpPr>
-            <p:cNvPr id="42" name="מחבר ישר 41"/>
-            <p:cNvCxnSpPr/>
+          <p:txBody>
+            <a:bodyPr rtlCol="1" anchor="ctr"/>
+            <a:lstStyle/>
+            <a:p>
+              <a:pPr algn="ctr"/>
+              <a:endParaRPr lang="he-IL"/>
+            </a:p>
+          </p:txBody>
+        </p:sp>
+        <p:sp>
+          <p:nvSpPr>
+            <p:cNvPr id="168" name="TextBox 167"/>
+            <p:cNvSpPr txBox="1"/>
             <p:nvPr/>
-          </p:nvCxnSpPr>
+          </p:nvSpPr>
           <p:spPr>
             <a:xfrm>
-              <a:off x="1043608" y="4293096"/>
-              <a:ext cx="343097" cy="0"/>
+              <a:off x="2488558" y="4458598"/>
+              <a:ext cx="715290" cy="338554"/>
             </a:xfrm>
-            <a:prstGeom prst="line">
+            <a:prstGeom prst="rect">
               <a:avLst/>
             </a:prstGeom>
-            <a:ln>
-              <a:solidFill>
-                <a:schemeClr val="tx1"/>
-              </a:solidFill>
-              <a:headEnd type="none"/>
-              <a:tailEnd type="none"/>
-            </a:ln>
+            <a:noFill/>
+          </p:spPr>
+          <p:txBody>
+            <a:bodyPr wrap="square" rtlCol="1">
+              <a:spAutoFit/>
+            </a:bodyPr>
+            <a:lstStyle/>
+            <a:p>
+              <a:pPr algn="ctr"/>
+              <a:r>
+                <a:rPr lang="en-US" sz="1600" dirty="0" smtClean="0"/>
+                <a:t>RISE</a:t>
+              </a:r>
+              <a:endParaRPr lang="he-IL" sz="1600" dirty="0"/>
+            </a:p>
+          </p:txBody>
+        </p:sp>
+        <p:sp>
+          <p:nvSpPr>
+            <p:cNvPr id="167" name="חץ ימינה 166"/>
+            <p:cNvSpPr/>
+            <p:nvPr/>
+          </p:nvSpPr>
+          <p:spPr>
+            <a:xfrm>
+              <a:off x="4860032" y="4581128"/>
+              <a:ext cx="720080" cy="720080"/>
+            </a:xfrm>
+            <a:prstGeom prst="rightArrow">
+              <a:avLst/>
+            </a:prstGeom>
           </p:spPr>
           <p:style>
-            <a:lnRef idx="1">
-              <a:schemeClr val="accent1"/>
+            <a:lnRef idx="2">
+              <a:schemeClr val="accent1">
+                <a:shade val="50000"/>
+              </a:schemeClr>
             </a:lnRef>
-            <a:fillRef idx="0">
+            <a:fillRef idx="1">
               <a:schemeClr val="accent1"/>
             </a:fillRef>
             <a:effectRef idx="0">
               <a:schemeClr val="accent1"/>
             </a:effectRef>
             <a:fontRef idx="minor">
-              <a:schemeClr val="tx1"/>
+              <a:schemeClr val="lt1"/>
             </a:fontRef>
           </p:style>
-        </p:cxnSp>
-        <p:cxnSp>
-          <p:nvCxnSpPr>
-            <p:cNvPr id="43" name="מחבר ישר 42"/>
-            <p:cNvCxnSpPr/>
-            <p:nvPr/>
-          </p:nvCxnSpPr>
-          <p:spPr>
-            <a:xfrm>
-              <a:off x="2072899" y="4104692"/>
-              <a:ext cx="343097" cy="0"/>
-            </a:xfrm>
-            <a:prstGeom prst="line">
-              <a:avLst/>
-            </a:prstGeom>
-            <a:ln>
-              <a:solidFill>
-                <a:schemeClr val="tx1"/>
-              </a:solidFill>
-              <a:headEnd type="none"/>
-              <a:tailEnd type="none"/>
-            </a:ln>
-          </p:spPr>
-          <p:style>
-            <a:lnRef idx="1">
-              <a:schemeClr val="accent1"/>
-            </a:lnRef>
-            <a:fillRef idx="0">
-              <a:schemeClr val="accent1"/>
-            </a:fillRef>
-            <a:effectRef idx="0">
-              <a:schemeClr val="accent1"/>
-            </a:effectRef>
-            <a:fontRef idx="minor">
-              <a:schemeClr val="tx1"/>
-            </a:fontRef>
-          </p:style>
-        </p:cxnSp>
-        <p:cxnSp>
-          <p:nvCxnSpPr>
-            <p:cNvPr id="44" name="מחבר ישר 43"/>
-            <p:cNvCxnSpPr/>
-            <p:nvPr/>
-          </p:nvCxnSpPr>
-          <p:spPr>
-            <a:xfrm flipV="1">
-              <a:off x="2415996" y="4104692"/>
-              <a:ext cx="0" cy="179630"/>
-            </a:xfrm>
-            <a:prstGeom prst="line">
-              <a:avLst/>
-            </a:prstGeom>
-            <a:ln>
-              <a:solidFill>
-                <a:schemeClr val="tx1"/>
-              </a:solidFill>
-              <a:headEnd type="none"/>
-              <a:tailEnd type="none"/>
-            </a:ln>
-          </p:spPr>
-          <p:style>
-            <a:lnRef idx="1">
-              <a:schemeClr val="accent1"/>
-            </a:lnRef>
-            <a:fillRef idx="0">
-              <a:schemeClr val="accent1"/>
-            </a:fillRef>
-            <a:effectRef idx="0">
-              <a:schemeClr val="accent1"/>
-            </a:effectRef>
-            <a:fontRef idx="minor">
-              <a:schemeClr val="tx1"/>
-            </a:fontRef>
-          </p:style>
-        </p:cxnSp>
-        <p:cxnSp>
-          <p:nvCxnSpPr>
-            <p:cNvPr id="45" name="מחבר ישר 44"/>
-            <p:cNvCxnSpPr/>
-            <p:nvPr/>
-          </p:nvCxnSpPr>
-          <p:spPr>
-            <a:xfrm flipV="1">
-              <a:off x="2072899" y="4104692"/>
-              <a:ext cx="0" cy="179630"/>
-            </a:xfrm>
-            <a:prstGeom prst="line">
-              <a:avLst/>
-            </a:prstGeom>
-            <a:ln>
-              <a:solidFill>
-                <a:schemeClr val="tx1"/>
-              </a:solidFill>
-              <a:headEnd type="none"/>
-              <a:tailEnd type="none"/>
-            </a:ln>
-          </p:spPr>
-          <p:style>
-            <a:lnRef idx="1">
-              <a:schemeClr val="accent1"/>
-            </a:lnRef>
-            <a:fillRef idx="0">
-              <a:schemeClr val="accent1"/>
-            </a:fillRef>
-            <a:effectRef idx="0">
-              <a:schemeClr val="accent1"/>
-            </a:effectRef>
-            <a:fontRef idx="minor">
-              <a:schemeClr val="tx1"/>
-            </a:fontRef>
-          </p:style>
-        </p:cxnSp>
-        <p:cxnSp>
-          <p:nvCxnSpPr>
-            <p:cNvPr id="46" name="מחבר ישר 45"/>
-            <p:cNvCxnSpPr/>
-            <p:nvPr/>
-          </p:nvCxnSpPr>
-          <p:spPr>
-            <a:xfrm>
-              <a:off x="1729802" y="4293096"/>
-              <a:ext cx="343097" cy="0"/>
-            </a:xfrm>
-            <a:prstGeom prst="line">
-              <a:avLst/>
-            </a:prstGeom>
-            <a:ln>
-              <a:solidFill>
-                <a:schemeClr val="tx1"/>
-              </a:solidFill>
-              <a:headEnd type="none"/>
-              <a:tailEnd type="none"/>
-            </a:ln>
-          </p:spPr>
-          <p:style>
-            <a:lnRef idx="1">
-              <a:schemeClr val="accent1"/>
-            </a:lnRef>
-            <a:fillRef idx="0">
-              <a:schemeClr val="accent1"/>
-            </a:fillRef>
-            <a:effectRef idx="0">
-              <a:schemeClr val="accent1"/>
-            </a:effectRef>
-            <a:fontRef idx="minor">
-              <a:schemeClr val="tx1"/>
-            </a:fontRef>
-          </p:style>
-        </p:cxnSp>
-        <p:cxnSp>
-          <p:nvCxnSpPr>
-            <p:cNvPr id="47" name="מחבר ישר 46"/>
-            <p:cNvCxnSpPr/>
-            <p:nvPr/>
-          </p:nvCxnSpPr>
-          <p:spPr>
-            <a:xfrm>
-              <a:off x="2759093" y="4104692"/>
-              <a:ext cx="343097" cy="0"/>
-            </a:xfrm>
-            <a:prstGeom prst="line">
-              <a:avLst/>
-            </a:prstGeom>
-            <a:ln>
-              <a:solidFill>
-                <a:schemeClr val="tx1"/>
-              </a:solidFill>
-              <a:headEnd type="none"/>
-              <a:tailEnd type="none"/>
-            </a:ln>
-          </p:spPr>
-          <p:style>
-            <a:lnRef idx="1">
-              <a:schemeClr val="accent1"/>
-            </a:lnRef>
-            <a:fillRef idx="0">
-              <a:schemeClr val="accent1"/>
-            </a:fillRef>
-            <a:effectRef idx="0">
-              <a:schemeClr val="accent1"/>
-            </a:effectRef>
-            <a:fontRef idx="minor">
-              <a:schemeClr val="tx1"/>
-            </a:fontRef>
-          </p:style>
-        </p:cxnSp>
-        <p:cxnSp>
-          <p:nvCxnSpPr>
-            <p:cNvPr id="48" name="מחבר ישר 47"/>
-            <p:cNvCxnSpPr/>
-            <p:nvPr/>
-          </p:nvCxnSpPr>
-          <p:spPr>
-            <a:xfrm flipV="1">
-              <a:off x="3102190" y="4104692"/>
-              <a:ext cx="0" cy="179630"/>
-            </a:xfrm>
-            <a:prstGeom prst="line">
-              <a:avLst/>
-            </a:prstGeom>
-            <a:ln>
-              <a:solidFill>
-                <a:schemeClr val="tx1"/>
-              </a:solidFill>
-              <a:headEnd type="none"/>
-              <a:tailEnd type="none"/>
-            </a:ln>
-          </p:spPr>
-          <p:style>
-            <a:lnRef idx="1">
-              <a:schemeClr val="accent1"/>
-            </a:lnRef>
-            <a:fillRef idx="0">
-              <a:schemeClr val="accent1"/>
-            </a:fillRef>
-            <a:effectRef idx="0">
-              <a:schemeClr val="accent1"/>
-            </a:effectRef>
-            <a:fontRef idx="minor">
-              <a:schemeClr val="tx1"/>
-            </a:fontRef>
-          </p:style>
-        </p:cxnSp>
-        <p:cxnSp>
-          <p:nvCxnSpPr>
-            <p:cNvPr id="49" name="מחבר ישר 48"/>
-            <p:cNvCxnSpPr/>
-            <p:nvPr/>
-          </p:nvCxnSpPr>
-          <p:spPr>
-            <a:xfrm flipV="1">
-              <a:off x="2759093" y="4104692"/>
-              <a:ext cx="0" cy="179630"/>
-            </a:xfrm>
-            <a:prstGeom prst="line">
-              <a:avLst/>
-            </a:prstGeom>
-            <a:ln>
-              <a:solidFill>
-                <a:schemeClr val="tx1"/>
-              </a:solidFill>
-              <a:headEnd type="none"/>
-              <a:tailEnd type="none"/>
-            </a:ln>
-          </p:spPr>
-          <p:style>
-            <a:lnRef idx="1">
-              <a:schemeClr val="accent1"/>
-            </a:lnRef>
-            <a:fillRef idx="0">
-              <a:schemeClr val="accent1"/>
-            </a:fillRef>
-            <a:effectRef idx="0">
-              <a:schemeClr val="accent1"/>
-            </a:effectRef>
-            <a:fontRef idx="minor">
-              <a:schemeClr val="tx1"/>
-            </a:fontRef>
-          </p:style>
-        </p:cxnSp>
-        <p:cxnSp>
-          <p:nvCxnSpPr>
-            <p:cNvPr id="50" name="מחבר ישר 49"/>
-            <p:cNvCxnSpPr/>
-            <p:nvPr/>
-          </p:nvCxnSpPr>
-          <p:spPr>
-            <a:xfrm>
-              <a:off x="2415996" y="4293096"/>
-              <a:ext cx="343097" cy="0"/>
-            </a:xfrm>
-            <a:prstGeom prst="line">
-              <a:avLst/>
-            </a:prstGeom>
-            <a:ln>
-              <a:solidFill>
-                <a:schemeClr val="tx1"/>
-              </a:solidFill>
-              <a:headEnd type="none"/>
-              <a:tailEnd type="none"/>
-            </a:ln>
-          </p:spPr>
-          <p:style>
-            <a:lnRef idx="1">
-              <a:schemeClr val="accent1"/>
-            </a:lnRef>
-            <a:fillRef idx="0">
-              <a:schemeClr val="accent1"/>
-            </a:fillRef>
-            <a:effectRef idx="0">
-              <a:schemeClr val="accent1"/>
-            </a:effectRef>
-            <a:fontRef idx="minor">
-              <a:schemeClr val="tx1"/>
-            </a:fontRef>
-          </p:style>
-        </p:cxnSp>
-        <p:cxnSp>
-          <p:nvCxnSpPr>
-            <p:cNvPr id="51" name="מחבר ישר 50"/>
-            <p:cNvCxnSpPr/>
-            <p:nvPr/>
-          </p:nvCxnSpPr>
-          <p:spPr>
-            <a:xfrm>
-              <a:off x="3445287" y="4104692"/>
-              <a:ext cx="343097" cy="0"/>
-            </a:xfrm>
-            <a:prstGeom prst="line">
-              <a:avLst/>
-            </a:prstGeom>
-            <a:ln>
-              <a:solidFill>
-                <a:schemeClr val="tx1"/>
-              </a:solidFill>
-              <a:headEnd type="none"/>
-              <a:tailEnd type="none"/>
-            </a:ln>
-          </p:spPr>
-          <p:style>
-            <a:lnRef idx="1">
-              <a:schemeClr val="accent1"/>
-            </a:lnRef>
-            <a:fillRef idx="0">
-              <a:schemeClr val="accent1"/>
-            </a:fillRef>
-            <a:effectRef idx="0">
-              <a:schemeClr val="accent1"/>
-            </a:effectRef>
-            <a:fontRef idx="minor">
-              <a:schemeClr val="tx1"/>
-            </a:fontRef>
-          </p:style>
-        </p:cxnSp>
-        <p:cxnSp>
-          <p:nvCxnSpPr>
-            <p:cNvPr id="52" name="מחבר ישר 51"/>
-            <p:cNvCxnSpPr/>
-            <p:nvPr/>
-          </p:nvCxnSpPr>
-          <p:spPr>
-            <a:xfrm flipV="1">
-              <a:off x="3788383" y="4104692"/>
-              <a:ext cx="0" cy="179630"/>
-            </a:xfrm>
-            <a:prstGeom prst="line">
-              <a:avLst/>
-            </a:prstGeom>
-            <a:ln>
-              <a:solidFill>
-                <a:schemeClr val="tx1"/>
-              </a:solidFill>
-              <a:headEnd type="none"/>
-              <a:tailEnd type="none"/>
-            </a:ln>
-          </p:spPr>
-          <p:style>
-            <a:lnRef idx="1">
-              <a:schemeClr val="accent1"/>
-            </a:lnRef>
-            <a:fillRef idx="0">
-              <a:schemeClr val="accent1"/>
-            </a:fillRef>
-            <a:effectRef idx="0">
-              <a:schemeClr val="accent1"/>
-            </a:effectRef>
-            <a:fontRef idx="minor">
-              <a:schemeClr val="tx1"/>
-            </a:fontRef>
-          </p:style>
-        </p:cxnSp>
-        <p:cxnSp>
-          <p:nvCxnSpPr>
-            <p:cNvPr id="53" name="מחבר ישר 52"/>
-            <p:cNvCxnSpPr/>
-            <p:nvPr/>
-          </p:nvCxnSpPr>
-          <p:spPr>
-            <a:xfrm flipV="1">
-              <a:off x="3445287" y="4104692"/>
-              <a:ext cx="0" cy="179630"/>
-            </a:xfrm>
-            <a:prstGeom prst="line">
-              <a:avLst/>
-            </a:prstGeom>
-            <a:ln>
-              <a:solidFill>
-                <a:schemeClr val="tx1"/>
-              </a:solidFill>
-              <a:headEnd type="none"/>
-              <a:tailEnd type="none"/>
-            </a:ln>
-          </p:spPr>
-          <p:style>
-            <a:lnRef idx="1">
-              <a:schemeClr val="accent1"/>
-            </a:lnRef>
-            <a:fillRef idx="0">
-              <a:schemeClr val="accent1"/>
-            </a:fillRef>
-            <a:effectRef idx="0">
-              <a:schemeClr val="accent1"/>
-            </a:effectRef>
-            <a:fontRef idx="minor">
-              <a:schemeClr val="tx1"/>
-            </a:fontRef>
-          </p:style>
-        </p:cxnSp>
-        <p:cxnSp>
-          <p:nvCxnSpPr>
-            <p:cNvPr id="54" name="מחבר ישר 53"/>
-            <p:cNvCxnSpPr/>
-            <p:nvPr/>
-          </p:nvCxnSpPr>
-          <p:spPr>
-            <a:xfrm>
-              <a:off x="3102190" y="4293096"/>
-              <a:ext cx="343097" cy="0"/>
-            </a:xfrm>
-            <a:prstGeom prst="line">
-              <a:avLst/>
-            </a:prstGeom>
-            <a:ln>
-              <a:solidFill>
-                <a:schemeClr val="tx1"/>
-              </a:solidFill>
-              <a:headEnd type="none"/>
-              <a:tailEnd type="none"/>
-            </a:ln>
-          </p:spPr>
-          <p:style>
-            <a:lnRef idx="1">
-              <a:schemeClr val="accent1"/>
-            </a:lnRef>
-            <a:fillRef idx="0">
-              <a:schemeClr val="accent1"/>
-            </a:fillRef>
-            <a:effectRef idx="0">
-              <a:schemeClr val="accent1"/>
-            </a:effectRef>
-            <a:fontRef idx="minor">
-              <a:schemeClr val="tx1"/>
-            </a:fontRef>
-          </p:style>
-        </p:cxnSp>
-        <p:cxnSp>
-          <p:nvCxnSpPr>
-            <p:cNvPr id="55" name="מחבר ישר 54"/>
-            <p:cNvCxnSpPr/>
-            <p:nvPr/>
-          </p:nvCxnSpPr>
-          <p:spPr>
-            <a:xfrm>
-              <a:off x="4131480" y="4104692"/>
-              <a:ext cx="343097" cy="0"/>
-            </a:xfrm>
-            <a:prstGeom prst="line">
-              <a:avLst/>
-            </a:prstGeom>
-            <a:ln>
-              <a:solidFill>
-                <a:schemeClr val="tx1"/>
-              </a:solidFill>
-              <a:headEnd type="none"/>
-              <a:tailEnd type="none"/>
-            </a:ln>
-          </p:spPr>
-          <p:style>
-            <a:lnRef idx="1">
-              <a:schemeClr val="accent1"/>
-            </a:lnRef>
-            <a:fillRef idx="0">
-              <a:schemeClr val="accent1"/>
-            </a:fillRef>
-            <a:effectRef idx="0">
-              <a:schemeClr val="accent1"/>
-            </a:effectRef>
-            <a:fontRef idx="minor">
-              <a:schemeClr val="tx1"/>
-            </a:fontRef>
-          </p:style>
-        </p:cxnSp>
-        <p:cxnSp>
-          <p:nvCxnSpPr>
-            <p:cNvPr id="56" name="מחבר ישר 55"/>
-            <p:cNvCxnSpPr/>
-            <p:nvPr/>
-          </p:nvCxnSpPr>
-          <p:spPr>
-            <a:xfrm flipV="1">
-              <a:off x="4474577" y="4104692"/>
-              <a:ext cx="0" cy="179630"/>
-            </a:xfrm>
-            <a:prstGeom prst="line">
-              <a:avLst/>
-            </a:prstGeom>
-            <a:ln>
-              <a:solidFill>
-                <a:schemeClr val="tx1"/>
-              </a:solidFill>
-              <a:headEnd type="none"/>
-              <a:tailEnd type="none"/>
-            </a:ln>
-          </p:spPr>
-          <p:style>
-            <a:lnRef idx="1">
-              <a:schemeClr val="accent1"/>
-            </a:lnRef>
-            <a:fillRef idx="0">
-              <a:schemeClr val="accent1"/>
-            </a:fillRef>
-            <a:effectRef idx="0">
-              <a:schemeClr val="accent1"/>
-            </a:effectRef>
-            <a:fontRef idx="minor">
-              <a:schemeClr val="tx1"/>
-            </a:fontRef>
-          </p:style>
-        </p:cxnSp>
-        <p:cxnSp>
-          <p:nvCxnSpPr>
-            <p:cNvPr id="57" name="מחבר ישר 56"/>
-            <p:cNvCxnSpPr/>
-            <p:nvPr/>
-          </p:nvCxnSpPr>
-          <p:spPr>
-            <a:xfrm flipV="1">
-              <a:off x="4131480" y="4104692"/>
-              <a:ext cx="0" cy="179630"/>
-            </a:xfrm>
-            <a:prstGeom prst="line">
-              <a:avLst/>
-            </a:prstGeom>
-            <a:ln>
-              <a:solidFill>
-                <a:schemeClr val="tx1"/>
-              </a:solidFill>
-              <a:headEnd type="none"/>
-              <a:tailEnd type="none"/>
-            </a:ln>
-          </p:spPr>
-          <p:style>
-            <a:lnRef idx="1">
-              <a:schemeClr val="accent1"/>
-            </a:lnRef>
-            <a:fillRef idx="0">
-              <a:schemeClr val="accent1"/>
-            </a:fillRef>
-            <a:effectRef idx="0">
-              <a:schemeClr val="accent1"/>
-            </a:effectRef>
-            <a:fontRef idx="minor">
-              <a:schemeClr val="tx1"/>
-            </a:fontRef>
-          </p:style>
-        </p:cxnSp>
-        <p:cxnSp>
-          <p:nvCxnSpPr>
-            <p:cNvPr id="58" name="מחבר ישר 57"/>
-            <p:cNvCxnSpPr/>
-            <p:nvPr/>
-          </p:nvCxnSpPr>
-          <p:spPr>
-            <a:xfrm>
-              <a:off x="3788383" y="4293096"/>
-              <a:ext cx="343097" cy="0"/>
-            </a:xfrm>
-            <a:prstGeom prst="line">
-              <a:avLst/>
-            </a:prstGeom>
-            <a:ln>
-              <a:solidFill>
-                <a:schemeClr val="tx1"/>
-              </a:solidFill>
-              <a:headEnd type="none"/>
-              <a:tailEnd type="none"/>
-            </a:ln>
-          </p:spPr>
-          <p:style>
-            <a:lnRef idx="1">
-              <a:schemeClr val="accent1"/>
-            </a:lnRef>
-            <a:fillRef idx="0">
-              <a:schemeClr val="accent1"/>
-            </a:fillRef>
-            <a:effectRef idx="0">
-              <a:schemeClr val="accent1"/>
-            </a:effectRef>
-            <a:fontRef idx="minor">
-              <a:schemeClr val="tx1"/>
-            </a:fontRef>
-          </p:style>
-        </p:cxnSp>
-        <p:cxnSp>
-          <p:nvCxnSpPr>
-            <p:cNvPr id="59" name="מחבר ישר 58"/>
-            <p:cNvCxnSpPr/>
-            <p:nvPr/>
-          </p:nvCxnSpPr>
-          <p:spPr>
-            <a:xfrm>
-              <a:off x="4817674" y="4104692"/>
-              <a:ext cx="343097" cy="0"/>
-            </a:xfrm>
-            <a:prstGeom prst="line">
-              <a:avLst/>
-            </a:prstGeom>
-            <a:ln>
-              <a:solidFill>
-                <a:schemeClr val="tx1"/>
-              </a:solidFill>
-              <a:headEnd type="none"/>
-              <a:tailEnd type="none"/>
-            </a:ln>
-          </p:spPr>
-          <p:style>
-            <a:lnRef idx="1">
-              <a:schemeClr val="accent1"/>
-            </a:lnRef>
-            <a:fillRef idx="0">
-              <a:schemeClr val="accent1"/>
-            </a:fillRef>
-            <a:effectRef idx="0">
-              <a:schemeClr val="accent1"/>
-            </a:effectRef>
-            <a:fontRef idx="minor">
-              <a:schemeClr val="tx1"/>
-            </a:fontRef>
-          </p:style>
-        </p:cxnSp>
-        <p:cxnSp>
-          <p:nvCxnSpPr>
-            <p:cNvPr id="60" name="מחבר ישר 59"/>
-            <p:cNvCxnSpPr/>
-            <p:nvPr/>
-          </p:nvCxnSpPr>
-          <p:spPr>
-            <a:xfrm flipV="1">
-              <a:off x="5160771" y="4104692"/>
-              <a:ext cx="0" cy="179630"/>
-            </a:xfrm>
-            <a:prstGeom prst="line">
-              <a:avLst/>
-            </a:prstGeom>
-            <a:ln>
-              <a:solidFill>
-                <a:schemeClr val="tx1"/>
-              </a:solidFill>
-              <a:headEnd type="none"/>
-              <a:tailEnd type="none"/>
-            </a:ln>
-          </p:spPr>
-          <p:style>
-            <a:lnRef idx="1">
-              <a:schemeClr val="accent1"/>
-            </a:lnRef>
-            <a:fillRef idx="0">
-              <a:schemeClr val="accent1"/>
-            </a:fillRef>
-            <a:effectRef idx="0">
-              <a:schemeClr val="accent1"/>
-            </a:effectRef>
-            <a:fontRef idx="minor">
-              <a:schemeClr val="tx1"/>
-            </a:fontRef>
-          </p:style>
-        </p:cxnSp>
-        <p:cxnSp>
-          <p:nvCxnSpPr>
-            <p:cNvPr id="61" name="מחבר ישר 60"/>
-            <p:cNvCxnSpPr/>
-            <p:nvPr/>
-          </p:nvCxnSpPr>
-          <p:spPr>
-            <a:xfrm flipV="1">
-              <a:off x="4817674" y="4104692"/>
-              <a:ext cx="0" cy="179630"/>
-            </a:xfrm>
-            <a:prstGeom prst="line">
-              <a:avLst/>
-            </a:prstGeom>
-            <a:ln>
-              <a:solidFill>
-                <a:schemeClr val="tx1"/>
-              </a:solidFill>
-              <a:headEnd type="none"/>
-              <a:tailEnd type="none"/>
-            </a:ln>
-          </p:spPr>
-          <p:style>
-            <a:lnRef idx="1">
-              <a:schemeClr val="accent1"/>
-            </a:lnRef>
-            <a:fillRef idx="0">
-              <a:schemeClr val="accent1"/>
-            </a:fillRef>
-            <a:effectRef idx="0">
-              <a:schemeClr val="accent1"/>
-            </a:effectRef>
-            <a:fontRef idx="minor">
-              <a:schemeClr val="tx1"/>
-            </a:fontRef>
-          </p:style>
-        </p:cxnSp>
-        <p:cxnSp>
-          <p:nvCxnSpPr>
-            <p:cNvPr id="62" name="מחבר ישר 61"/>
-            <p:cNvCxnSpPr/>
-            <p:nvPr/>
-          </p:nvCxnSpPr>
-          <p:spPr>
-            <a:xfrm>
-              <a:off x="4474577" y="4293096"/>
-              <a:ext cx="343097" cy="0"/>
-            </a:xfrm>
-            <a:prstGeom prst="line">
-              <a:avLst/>
-            </a:prstGeom>
-            <a:ln>
-              <a:solidFill>
-                <a:schemeClr val="tx1"/>
-              </a:solidFill>
-              <a:headEnd type="none"/>
-              <a:tailEnd type="none"/>
-            </a:ln>
-          </p:spPr>
-          <p:style>
-            <a:lnRef idx="1">
-              <a:schemeClr val="accent1"/>
-            </a:lnRef>
-            <a:fillRef idx="0">
-              <a:schemeClr val="accent1"/>
-            </a:fillRef>
-            <a:effectRef idx="0">
-              <a:schemeClr val="accent1"/>
-            </a:effectRef>
-            <a:fontRef idx="minor">
-              <a:schemeClr val="tx1"/>
-            </a:fontRef>
-          </p:style>
-        </p:cxnSp>
-        <p:cxnSp>
-          <p:nvCxnSpPr>
-            <p:cNvPr id="63" name="מחבר ישר 62"/>
-            <p:cNvCxnSpPr/>
-            <p:nvPr/>
-          </p:nvCxnSpPr>
-          <p:spPr>
-            <a:xfrm>
-              <a:off x="5503868" y="4104692"/>
-              <a:ext cx="343097" cy="0"/>
-            </a:xfrm>
-            <a:prstGeom prst="line">
-              <a:avLst/>
-            </a:prstGeom>
-            <a:ln>
-              <a:solidFill>
-                <a:schemeClr val="tx1"/>
-              </a:solidFill>
-              <a:headEnd type="none"/>
-              <a:tailEnd type="none"/>
-            </a:ln>
-          </p:spPr>
-          <p:style>
-            <a:lnRef idx="1">
-              <a:schemeClr val="accent1"/>
-            </a:lnRef>
-            <a:fillRef idx="0">
-              <a:schemeClr val="accent1"/>
-            </a:fillRef>
-            <a:effectRef idx="0">
-              <a:schemeClr val="accent1"/>
-            </a:effectRef>
-            <a:fontRef idx="minor">
-              <a:schemeClr val="tx1"/>
-            </a:fontRef>
-          </p:style>
-        </p:cxnSp>
-        <p:cxnSp>
-          <p:nvCxnSpPr>
-            <p:cNvPr id="64" name="מחבר ישר 63"/>
-            <p:cNvCxnSpPr/>
-            <p:nvPr/>
-          </p:nvCxnSpPr>
-          <p:spPr>
-            <a:xfrm flipV="1">
-              <a:off x="5868144" y="4104692"/>
-              <a:ext cx="0" cy="179630"/>
-            </a:xfrm>
-            <a:prstGeom prst="line">
-              <a:avLst/>
-            </a:prstGeom>
-            <a:ln>
-              <a:solidFill>
-                <a:schemeClr val="tx1"/>
-              </a:solidFill>
-              <a:headEnd type="none"/>
-              <a:tailEnd type="none"/>
-            </a:ln>
-          </p:spPr>
-          <p:style>
-            <a:lnRef idx="1">
-              <a:schemeClr val="accent1"/>
-            </a:lnRef>
-            <a:fillRef idx="0">
-              <a:schemeClr val="accent1"/>
-            </a:fillRef>
-            <a:effectRef idx="0">
-              <a:schemeClr val="accent1"/>
-            </a:effectRef>
-            <a:fontRef idx="minor">
-              <a:schemeClr val="tx1"/>
-            </a:fontRef>
-          </p:style>
-        </p:cxnSp>
-        <p:cxnSp>
-          <p:nvCxnSpPr>
-            <p:cNvPr id="65" name="מחבר ישר 64"/>
-            <p:cNvCxnSpPr/>
-            <p:nvPr/>
-          </p:nvCxnSpPr>
-          <p:spPr>
-            <a:xfrm flipV="1">
-              <a:off x="5503868" y="4104692"/>
-              <a:ext cx="0" cy="179630"/>
-            </a:xfrm>
-            <a:prstGeom prst="line">
-              <a:avLst/>
-            </a:prstGeom>
-            <a:ln>
-              <a:solidFill>
-                <a:schemeClr val="tx1"/>
-              </a:solidFill>
-              <a:headEnd type="none"/>
-              <a:tailEnd type="none"/>
-            </a:ln>
-          </p:spPr>
-          <p:style>
-            <a:lnRef idx="1">
-              <a:schemeClr val="accent1"/>
-            </a:lnRef>
-            <a:fillRef idx="0">
-              <a:schemeClr val="accent1"/>
-            </a:fillRef>
-            <a:effectRef idx="0">
-              <a:schemeClr val="accent1"/>
-            </a:effectRef>
-            <a:fontRef idx="minor">
-              <a:schemeClr val="tx1"/>
-            </a:fontRef>
-          </p:style>
-        </p:cxnSp>
-        <p:cxnSp>
-          <p:nvCxnSpPr>
-            <p:cNvPr id="66" name="מחבר ישר 65"/>
-            <p:cNvCxnSpPr/>
-            <p:nvPr/>
-          </p:nvCxnSpPr>
-          <p:spPr>
-            <a:xfrm>
-              <a:off x="5160771" y="4293096"/>
-              <a:ext cx="343097" cy="0"/>
-            </a:xfrm>
-            <a:prstGeom prst="line">
-              <a:avLst/>
-            </a:prstGeom>
-            <a:ln>
-              <a:solidFill>
-                <a:schemeClr val="tx1"/>
-              </a:solidFill>
-              <a:headEnd type="none"/>
-              <a:tailEnd type="none"/>
-            </a:ln>
-          </p:spPr>
-          <p:style>
-            <a:lnRef idx="1">
-              <a:schemeClr val="accent1"/>
-            </a:lnRef>
-            <a:fillRef idx="0">
-              <a:schemeClr val="accent1"/>
-            </a:fillRef>
-            <a:effectRef idx="0">
-              <a:schemeClr val="accent1"/>
-            </a:effectRef>
-            <a:fontRef idx="minor">
-              <a:schemeClr val="tx1"/>
-            </a:fontRef>
-          </p:style>
-        </p:cxnSp>
-        <p:cxnSp>
-          <p:nvCxnSpPr>
-            <p:cNvPr id="67" name="מחבר ישר 66"/>
-            <p:cNvCxnSpPr/>
-            <p:nvPr/>
-          </p:nvCxnSpPr>
-          <p:spPr>
-            <a:xfrm>
-              <a:off x="6211241" y="4104692"/>
-              <a:ext cx="343097" cy="0"/>
-            </a:xfrm>
-            <a:prstGeom prst="line">
-              <a:avLst/>
-            </a:prstGeom>
-            <a:ln>
-              <a:solidFill>
-                <a:schemeClr val="tx1"/>
-              </a:solidFill>
-              <a:headEnd type="none"/>
-              <a:tailEnd type="none"/>
-            </a:ln>
-          </p:spPr>
-          <p:style>
-            <a:lnRef idx="1">
-              <a:schemeClr val="accent1"/>
-            </a:lnRef>
-            <a:fillRef idx="0">
-              <a:schemeClr val="accent1"/>
-            </a:fillRef>
-            <a:effectRef idx="0">
-              <a:schemeClr val="accent1"/>
-            </a:effectRef>
-            <a:fontRef idx="minor">
-              <a:schemeClr val="tx1"/>
-            </a:fontRef>
-          </p:style>
-        </p:cxnSp>
-        <p:cxnSp>
-          <p:nvCxnSpPr>
-            <p:cNvPr id="68" name="מחבר ישר 67"/>
-            <p:cNvCxnSpPr/>
-            <p:nvPr/>
-          </p:nvCxnSpPr>
-          <p:spPr>
-            <a:xfrm flipV="1">
-              <a:off x="6554338" y="4104692"/>
-              <a:ext cx="0" cy="179630"/>
-            </a:xfrm>
-            <a:prstGeom prst="line">
-              <a:avLst/>
-            </a:prstGeom>
-            <a:ln>
-              <a:solidFill>
-                <a:schemeClr val="tx1"/>
-              </a:solidFill>
-              <a:headEnd type="none"/>
-              <a:tailEnd type="none"/>
-            </a:ln>
-          </p:spPr>
-          <p:style>
-            <a:lnRef idx="1">
-              <a:schemeClr val="accent1"/>
-            </a:lnRef>
-            <a:fillRef idx="0">
-              <a:schemeClr val="accent1"/>
-            </a:fillRef>
-            <a:effectRef idx="0">
-              <a:schemeClr val="accent1"/>
-            </a:effectRef>
-            <a:fontRef idx="minor">
-              <a:schemeClr val="tx1"/>
-            </a:fontRef>
-          </p:style>
-        </p:cxnSp>
-        <p:cxnSp>
-          <p:nvCxnSpPr>
-            <p:cNvPr id="69" name="מחבר ישר 68"/>
-            <p:cNvCxnSpPr/>
-            <p:nvPr/>
-          </p:nvCxnSpPr>
-          <p:spPr>
-            <a:xfrm flipV="1">
-              <a:off x="6211241" y="4104692"/>
-              <a:ext cx="0" cy="179630"/>
-            </a:xfrm>
-            <a:prstGeom prst="line">
-              <a:avLst/>
-            </a:prstGeom>
-            <a:ln>
-              <a:solidFill>
-                <a:schemeClr val="tx1"/>
-              </a:solidFill>
-              <a:headEnd type="none"/>
-              <a:tailEnd type="none"/>
-            </a:ln>
-          </p:spPr>
-          <p:style>
-            <a:lnRef idx="1">
-              <a:schemeClr val="accent1"/>
-            </a:lnRef>
-            <a:fillRef idx="0">
-              <a:schemeClr val="accent1"/>
-            </a:fillRef>
-            <a:effectRef idx="0">
-              <a:schemeClr val="accent1"/>
-            </a:effectRef>
-            <a:fontRef idx="minor">
-              <a:schemeClr val="tx1"/>
-            </a:fontRef>
-          </p:style>
-        </p:cxnSp>
-        <p:cxnSp>
-          <p:nvCxnSpPr>
-            <p:cNvPr id="70" name="מחבר ישר 69"/>
-            <p:cNvCxnSpPr/>
-            <p:nvPr/>
-          </p:nvCxnSpPr>
-          <p:spPr>
-            <a:xfrm>
-              <a:off x="5868144" y="4293096"/>
-              <a:ext cx="343097" cy="0"/>
-            </a:xfrm>
-            <a:prstGeom prst="line">
-              <a:avLst/>
-            </a:prstGeom>
-            <a:ln>
-              <a:solidFill>
-                <a:schemeClr val="tx1"/>
-              </a:solidFill>
-              <a:headEnd type="none"/>
-              <a:tailEnd type="none"/>
-            </a:ln>
-          </p:spPr>
-          <p:style>
-            <a:lnRef idx="1">
-              <a:schemeClr val="accent1"/>
-            </a:lnRef>
-            <a:fillRef idx="0">
-              <a:schemeClr val="accent1"/>
-            </a:fillRef>
-            <a:effectRef idx="0">
-              <a:schemeClr val="accent1"/>
-            </a:effectRef>
-            <a:fontRef idx="minor">
-              <a:schemeClr val="tx1"/>
-            </a:fontRef>
-          </p:style>
-        </p:cxnSp>
-        <p:cxnSp>
-          <p:nvCxnSpPr>
-            <p:cNvPr id="71" name="מחבר ישר 70"/>
-            <p:cNvCxnSpPr/>
-            <p:nvPr/>
-          </p:nvCxnSpPr>
-          <p:spPr>
-            <a:xfrm>
-              <a:off x="6554338" y="4293096"/>
-              <a:ext cx="343097" cy="0"/>
-            </a:xfrm>
-            <a:prstGeom prst="line">
-              <a:avLst/>
-            </a:prstGeom>
-            <a:ln>
-              <a:solidFill>
-                <a:schemeClr val="tx1"/>
-              </a:solidFill>
-              <a:headEnd type="none"/>
-              <a:tailEnd type="none"/>
-            </a:ln>
-          </p:spPr>
-          <p:style>
-            <a:lnRef idx="1">
-              <a:schemeClr val="accent1"/>
-            </a:lnRef>
-            <a:fillRef idx="0">
-              <a:schemeClr val="accent1"/>
-            </a:fillRef>
-            <a:effectRef idx="0">
-              <a:schemeClr val="accent1"/>
-            </a:effectRef>
-            <a:fontRef idx="minor">
-              <a:schemeClr val="tx1"/>
-            </a:fontRef>
-          </p:style>
-        </p:cxnSp>
-      </p:grpSp>
-      <p:grpSp>
-        <p:nvGrpSpPr>
-          <p:cNvPr id="161" name="קבוצה 160"/>
-          <p:cNvGrpSpPr/>
-          <p:nvPr/>
-        </p:nvGrpSpPr>
-        <p:grpSpPr>
-          <a:xfrm>
-            <a:off x="1043609" y="5373216"/>
-            <a:ext cx="3272128" cy="288032"/>
-            <a:chOff x="1043609" y="5373216"/>
-            <a:chExt cx="3272128" cy="288032"/>
-          </a:xfrm>
-        </p:grpSpPr>
-        <p:cxnSp>
-          <p:nvCxnSpPr>
-            <p:cNvPr id="113" name="מחבר ישר 112"/>
-            <p:cNvCxnSpPr/>
-            <p:nvPr/>
-          </p:nvCxnSpPr>
-          <p:spPr>
-            <a:xfrm>
-              <a:off x="1043609" y="5661248"/>
-              <a:ext cx="194884" cy="0"/>
-            </a:xfrm>
-            <a:prstGeom prst="line">
-              <a:avLst/>
-            </a:prstGeom>
-            <a:ln>
-              <a:solidFill>
-                <a:schemeClr val="tx1"/>
-              </a:solidFill>
-              <a:headEnd type="none"/>
-              <a:tailEnd type="none"/>
-            </a:ln>
-          </p:spPr>
-          <p:style>
-            <a:lnRef idx="1">
-              <a:schemeClr val="accent1"/>
-            </a:lnRef>
-            <a:fillRef idx="0">
-              <a:schemeClr val="accent1"/>
-            </a:fillRef>
-            <a:effectRef idx="0">
-              <a:schemeClr val="accent1"/>
-            </a:effectRef>
-            <a:fontRef idx="minor">
-              <a:schemeClr val="tx1"/>
-            </a:fontRef>
-          </p:style>
-        </p:cxnSp>
-        <p:cxnSp>
-          <p:nvCxnSpPr>
-            <p:cNvPr id="114" name="מחבר ישר 113"/>
-            <p:cNvCxnSpPr/>
-            <p:nvPr/>
-          </p:nvCxnSpPr>
-          <p:spPr>
-            <a:xfrm flipV="1">
-              <a:off x="1779838" y="5373216"/>
-              <a:ext cx="0" cy="288032"/>
-            </a:xfrm>
-            <a:prstGeom prst="line">
-              <a:avLst/>
-            </a:prstGeom>
-            <a:ln>
-              <a:solidFill>
-                <a:schemeClr val="tx1"/>
-              </a:solidFill>
-              <a:headEnd type="none"/>
-              <a:tailEnd type="none"/>
-            </a:ln>
-          </p:spPr>
-          <p:style>
-            <a:lnRef idx="1">
-              <a:schemeClr val="accent1"/>
-            </a:lnRef>
-            <a:fillRef idx="0">
-              <a:schemeClr val="accent1"/>
-            </a:fillRef>
-            <a:effectRef idx="0">
-              <a:schemeClr val="accent1"/>
-            </a:effectRef>
-            <a:fontRef idx="minor">
-              <a:schemeClr val="tx1"/>
-            </a:fontRef>
-          </p:style>
-        </p:cxnSp>
-        <p:cxnSp>
-          <p:nvCxnSpPr>
-            <p:cNvPr id="116" name="מחבר ישר 115"/>
-            <p:cNvCxnSpPr/>
-            <p:nvPr/>
-          </p:nvCxnSpPr>
-          <p:spPr>
-            <a:xfrm>
-              <a:off x="1216839" y="5661248"/>
-              <a:ext cx="194884" cy="0"/>
-            </a:xfrm>
-            <a:prstGeom prst="line">
-              <a:avLst/>
-            </a:prstGeom>
-            <a:ln>
-              <a:solidFill>
-                <a:schemeClr val="tx1"/>
-              </a:solidFill>
-              <a:headEnd type="none"/>
-              <a:tailEnd type="none"/>
-            </a:ln>
-          </p:spPr>
-          <p:style>
-            <a:lnRef idx="1">
-              <a:schemeClr val="accent1"/>
-            </a:lnRef>
-            <a:fillRef idx="0">
-              <a:schemeClr val="accent1"/>
-            </a:fillRef>
-            <a:effectRef idx="0">
-              <a:schemeClr val="accent1"/>
-            </a:effectRef>
-            <a:fontRef idx="minor">
-              <a:schemeClr val="tx1"/>
-            </a:fontRef>
-          </p:style>
-        </p:cxnSp>
-        <p:cxnSp>
-          <p:nvCxnSpPr>
-            <p:cNvPr id="117" name="מחבר ישר 116"/>
-            <p:cNvCxnSpPr/>
-            <p:nvPr/>
-          </p:nvCxnSpPr>
-          <p:spPr>
-            <a:xfrm>
-              <a:off x="1390070" y="5661248"/>
-              <a:ext cx="194884" cy="0"/>
-            </a:xfrm>
-            <a:prstGeom prst="line">
-              <a:avLst/>
-            </a:prstGeom>
-            <a:ln>
-              <a:solidFill>
-                <a:schemeClr val="tx1"/>
-              </a:solidFill>
-              <a:headEnd type="none"/>
-              <a:tailEnd type="none"/>
-            </a:ln>
-          </p:spPr>
-          <p:style>
-            <a:lnRef idx="1">
-              <a:schemeClr val="accent1"/>
-            </a:lnRef>
-            <a:fillRef idx="0">
-              <a:schemeClr val="accent1"/>
-            </a:fillRef>
-            <a:effectRef idx="0">
-              <a:schemeClr val="accent1"/>
-            </a:effectRef>
-            <a:fontRef idx="minor">
-              <a:schemeClr val="tx1"/>
-            </a:fontRef>
-          </p:style>
-        </p:cxnSp>
-        <p:cxnSp>
-          <p:nvCxnSpPr>
-            <p:cNvPr id="118" name="מחבר ישר 117"/>
-            <p:cNvCxnSpPr/>
-            <p:nvPr/>
-          </p:nvCxnSpPr>
-          <p:spPr>
-            <a:xfrm>
-              <a:off x="1584954" y="5661248"/>
-              <a:ext cx="194884" cy="0"/>
-            </a:xfrm>
-            <a:prstGeom prst="line">
-              <a:avLst/>
-            </a:prstGeom>
-            <a:ln>
-              <a:solidFill>
-                <a:schemeClr val="tx1"/>
-              </a:solidFill>
-              <a:headEnd type="none"/>
-              <a:tailEnd type="none"/>
-            </a:ln>
-          </p:spPr>
-          <p:style>
-            <a:lnRef idx="1">
-              <a:schemeClr val="accent1"/>
-            </a:lnRef>
-            <a:fillRef idx="0">
-              <a:schemeClr val="accent1"/>
-            </a:fillRef>
-            <a:effectRef idx="0">
-              <a:schemeClr val="accent1"/>
-            </a:effectRef>
-            <a:fontRef idx="minor">
-              <a:schemeClr val="tx1"/>
-            </a:fontRef>
-          </p:style>
-        </p:cxnSp>
-        <p:cxnSp>
-          <p:nvCxnSpPr>
-            <p:cNvPr id="119" name="מחבר ישר 118"/>
-            <p:cNvCxnSpPr/>
-            <p:nvPr/>
-          </p:nvCxnSpPr>
-          <p:spPr>
-            <a:xfrm>
-              <a:off x="1789462" y="5373216"/>
-              <a:ext cx="194884" cy="0"/>
-            </a:xfrm>
-            <a:prstGeom prst="line">
-              <a:avLst/>
-            </a:prstGeom>
-            <a:ln>
-              <a:solidFill>
-                <a:schemeClr val="tx1"/>
-              </a:solidFill>
-              <a:headEnd type="none"/>
-              <a:tailEnd type="none"/>
-            </a:ln>
-          </p:spPr>
-          <p:style>
-            <a:lnRef idx="1">
-              <a:schemeClr val="accent1"/>
-            </a:lnRef>
-            <a:fillRef idx="0">
-              <a:schemeClr val="accent1"/>
-            </a:fillRef>
-            <a:effectRef idx="0">
-              <a:schemeClr val="accent1"/>
-            </a:effectRef>
-            <a:fontRef idx="minor">
-              <a:schemeClr val="tx1"/>
-            </a:fontRef>
-          </p:style>
-        </p:cxnSp>
-        <p:cxnSp>
-          <p:nvCxnSpPr>
-            <p:cNvPr id="120" name="מחבר ישר 119"/>
-            <p:cNvCxnSpPr/>
-            <p:nvPr/>
-          </p:nvCxnSpPr>
-          <p:spPr>
-            <a:xfrm>
-              <a:off x="1943444" y="5373216"/>
-              <a:ext cx="194884" cy="0"/>
-            </a:xfrm>
-            <a:prstGeom prst="line">
-              <a:avLst/>
-            </a:prstGeom>
-            <a:ln>
-              <a:solidFill>
-                <a:schemeClr val="tx1"/>
-              </a:solidFill>
-              <a:headEnd type="none"/>
-              <a:tailEnd type="none"/>
-            </a:ln>
-          </p:spPr>
-          <p:style>
-            <a:lnRef idx="1">
-              <a:schemeClr val="accent1"/>
-            </a:lnRef>
-            <a:fillRef idx="0">
-              <a:schemeClr val="accent1"/>
-            </a:fillRef>
-            <a:effectRef idx="0">
-              <a:schemeClr val="accent1"/>
-            </a:effectRef>
-            <a:fontRef idx="minor">
-              <a:schemeClr val="tx1"/>
-            </a:fontRef>
-          </p:style>
-        </p:cxnSp>
-        <p:cxnSp>
-          <p:nvCxnSpPr>
-            <p:cNvPr id="121" name="מחבר ישר 120"/>
-            <p:cNvCxnSpPr/>
-            <p:nvPr/>
-          </p:nvCxnSpPr>
-          <p:spPr>
-            <a:xfrm>
-              <a:off x="2066149" y="5373216"/>
-              <a:ext cx="194884" cy="0"/>
-            </a:xfrm>
-            <a:prstGeom prst="line">
-              <a:avLst/>
-            </a:prstGeom>
-            <a:ln>
-              <a:solidFill>
-                <a:schemeClr val="tx1"/>
-              </a:solidFill>
-              <a:headEnd type="none"/>
-              <a:tailEnd type="none"/>
-            </a:ln>
-          </p:spPr>
-          <p:style>
-            <a:lnRef idx="1">
-              <a:schemeClr val="accent1"/>
-            </a:lnRef>
-            <a:fillRef idx="0">
-              <a:schemeClr val="accent1"/>
-            </a:fillRef>
-            <a:effectRef idx="0">
-              <a:schemeClr val="accent1"/>
-            </a:effectRef>
-            <a:fontRef idx="minor">
-              <a:schemeClr val="tx1"/>
-            </a:fontRef>
-          </p:style>
-        </p:cxnSp>
-        <p:cxnSp>
-          <p:nvCxnSpPr>
-            <p:cNvPr id="122" name="מחבר ישר 121"/>
-            <p:cNvCxnSpPr/>
-            <p:nvPr/>
-          </p:nvCxnSpPr>
-          <p:spPr>
-            <a:xfrm flipV="1">
-              <a:off x="2270657" y="5373216"/>
-              <a:ext cx="0" cy="288032"/>
-            </a:xfrm>
-            <a:prstGeom prst="line">
-              <a:avLst/>
-            </a:prstGeom>
-            <a:ln>
-              <a:solidFill>
-                <a:schemeClr val="tx1"/>
-              </a:solidFill>
-              <a:headEnd type="none"/>
-              <a:tailEnd type="none"/>
-            </a:ln>
-          </p:spPr>
-          <p:style>
-            <a:lnRef idx="1">
-              <a:schemeClr val="accent1"/>
-            </a:lnRef>
-            <a:fillRef idx="0">
-              <a:schemeClr val="accent1"/>
-            </a:fillRef>
-            <a:effectRef idx="0">
-              <a:schemeClr val="accent1"/>
-            </a:effectRef>
-            <a:fontRef idx="minor">
-              <a:schemeClr val="tx1"/>
-            </a:fontRef>
-          </p:style>
-        </p:cxnSp>
-        <p:cxnSp>
-          <p:nvCxnSpPr>
-            <p:cNvPr id="123" name="מחבר ישר 122"/>
-            <p:cNvCxnSpPr/>
-            <p:nvPr/>
-          </p:nvCxnSpPr>
-          <p:spPr>
-            <a:xfrm>
-              <a:off x="2270657" y="5661248"/>
-              <a:ext cx="194884" cy="0"/>
-            </a:xfrm>
-            <a:prstGeom prst="line">
-              <a:avLst/>
-            </a:prstGeom>
-            <a:ln>
-              <a:solidFill>
-                <a:schemeClr val="tx1"/>
-              </a:solidFill>
-              <a:headEnd type="none"/>
-              <a:tailEnd type="none"/>
-            </a:ln>
-          </p:spPr>
-          <p:style>
-            <a:lnRef idx="1">
-              <a:schemeClr val="accent1"/>
-            </a:lnRef>
-            <a:fillRef idx="0">
-              <a:schemeClr val="accent1"/>
-            </a:fillRef>
-            <a:effectRef idx="0">
-              <a:schemeClr val="accent1"/>
-            </a:effectRef>
-            <a:fontRef idx="minor">
-              <a:schemeClr val="tx1"/>
-            </a:fontRef>
-          </p:style>
-        </p:cxnSp>
-        <p:cxnSp>
-          <p:nvCxnSpPr>
-            <p:cNvPr id="124" name="מחבר ישר 123"/>
-            <p:cNvCxnSpPr/>
-            <p:nvPr/>
-          </p:nvCxnSpPr>
-          <p:spPr>
-            <a:xfrm>
-              <a:off x="2607494" y="5661248"/>
-              <a:ext cx="194884" cy="0"/>
-            </a:xfrm>
-            <a:prstGeom prst="line">
-              <a:avLst/>
-            </a:prstGeom>
-            <a:ln>
-              <a:solidFill>
-                <a:schemeClr val="tx1"/>
-              </a:solidFill>
-              <a:headEnd type="none"/>
-              <a:tailEnd type="none"/>
-            </a:ln>
-          </p:spPr>
-          <p:style>
-            <a:lnRef idx="1">
-              <a:schemeClr val="accent1"/>
-            </a:lnRef>
-            <a:fillRef idx="0">
-              <a:schemeClr val="accent1"/>
-            </a:fillRef>
-            <a:effectRef idx="0">
-              <a:schemeClr val="accent1"/>
-            </a:effectRef>
-            <a:fontRef idx="minor">
-              <a:schemeClr val="tx1"/>
-            </a:fontRef>
-          </p:style>
-        </p:cxnSp>
-        <p:cxnSp>
-          <p:nvCxnSpPr>
-            <p:cNvPr id="125" name="מחבר ישר 124"/>
-            <p:cNvCxnSpPr/>
-            <p:nvPr/>
-          </p:nvCxnSpPr>
-          <p:spPr>
-            <a:xfrm>
-              <a:off x="2443887" y="5661248"/>
-              <a:ext cx="194884" cy="0"/>
-            </a:xfrm>
-            <a:prstGeom prst="line">
-              <a:avLst/>
-            </a:prstGeom>
-            <a:ln>
-              <a:solidFill>
-                <a:schemeClr val="tx1"/>
-              </a:solidFill>
-              <a:headEnd type="none"/>
-              <a:tailEnd type="none"/>
-            </a:ln>
-          </p:spPr>
-          <p:style>
-            <a:lnRef idx="1">
-              <a:schemeClr val="accent1"/>
-            </a:lnRef>
-            <a:fillRef idx="0">
-              <a:schemeClr val="accent1"/>
-            </a:fillRef>
-            <a:effectRef idx="0">
-              <a:schemeClr val="accent1"/>
-            </a:effectRef>
-            <a:fontRef idx="minor">
-              <a:schemeClr val="tx1"/>
-            </a:fontRef>
-          </p:style>
-        </p:cxnSp>
-        <p:cxnSp>
-          <p:nvCxnSpPr>
-            <p:cNvPr id="126" name="מחבר ישר 125"/>
-            <p:cNvCxnSpPr/>
-            <p:nvPr/>
-          </p:nvCxnSpPr>
-          <p:spPr>
-            <a:xfrm flipV="1">
-              <a:off x="2802378" y="5373216"/>
-              <a:ext cx="0" cy="288032"/>
-            </a:xfrm>
-            <a:prstGeom prst="line">
-              <a:avLst/>
-            </a:prstGeom>
-            <a:ln>
-              <a:solidFill>
-                <a:schemeClr val="tx1"/>
-              </a:solidFill>
-              <a:headEnd type="none"/>
-              <a:tailEnd type="none"/>
-            </a:ln>
-          </p:spPr>
-          <p:style>
-            <a:lnRef idx="1">
-              <a:schemeClr val="accent1"/>
-            </a:lnRef>
-            <a:fillRef idx="0">
-              <a:schemeClr val="accent1"/>
-            </a:fillRef>
-            <a:effectRef idx="0">
-              <a:schemeClr val="accent1"/>
-            </a:effectRef>
-            <a:fontRef idx="minor">
-              <a:schemeClr val="tx1"/>
-            </a:fontRef>
-          </p:style>
-        </p:cxnSp>
-        <p:cxnSp>
-          <p:nvCxnSpPr>
-            <p:cNvPr id="127" name="מחבר ישר 126"/>
-            <p:cNvCxnSpPr/>
-            <p:nvPr/>
-          </p:nvCxnSpPr>
-          <p:spPr>
-            <a:xfrm>
-              <a:off x="2802378" y="5373216"/>
-              <a:ext cx="194884" cy="0"/>
-            </a:xfrm>
-            <a:prstGeom prst="line">
-              <a:avLst/>
-            </a:prstGeom>
-            <a:ln>
-              <a:solidFill>
-                <a:schemeClr val="tx1"/>
-              </a:solidFill>
-              <a:headEnd type="none"/>
-              <a:tailEnd type="none"/>
-            </a:ln>
-          </p:spPr>
-          <p:style>
-            <a:lnRef idx="1">
-              <a:schemeClr val="accent1"/>
-            </a:lnRef>
-            <a:fillRef idx="0">
-              <a:schemeClr val="accent1"/>
-            </a:fillRef>
-            <a:effectRef idx="0">
-              <a:schemeClr val="accent1"/>
-            </a:effectRef>
-            <a:fontRef idx="minor">
-              <a:schemeClr val="tx1"/>
-            </a:fontRef>
-          </p:style>
-        </p:cxnSp>
-        <p:cxnSp>
-          <p:nvCxnSpPr>
-            <p:cNvPr id="128" name="מחבר ישר 127"/>
-            <p:cNvCxnSpPr/>
-            <p:nvPr/>
-          </p:nvCxnSpPr>
-          <p:spPr>
-            <a:xfrm>
-              <a:off x="2965984" y="5373216"/>
-              <a:ext cx="194884" cy="0"/>
-            </a:xfrm>
-            <a:prstGeom prst="line">
-              <a:avLst/>
-            </a:prstGeom>
-            <a:ln>
-              <a:solidFill>
-                <a:schemeClr val="tx1"/>
-              </a:solidFill>
-              <a:headEnd type="none"/>
-              <a:tailEnd type="none"/>
-            </a:ln>
-          </p:spPr>
-          <p:style>
-            <a:lnRef idx="1">
-              <a:schemeClr val="accent1"/>
-            </a:lnRef>
-            <a:fillRef idx="0">
-              <a:schemeClr val="accent1"/>
-            </a:fillRef>
-            <a:effectRef idx="0">
-              <a:schemeClr val="accent1"/>
-            </a:effectRef>
-            <a:fontRef idx="minor">
-              <a:schemeClr val="tx1"/>
-            </a:fontRef>
-          </p:style>
-        </p:cxnSp>
-        <p:cxnSp>
-          <p:nvCxnSpPr>
-            <p:cNvPr id="129" name="מחבר ישר 128"/>
-            <p:cNvCxnSpPr/>
-            <p:nvPr/>
-          </p:nvCxnSpPr>
-          <p:spPr>
-            <a:xfrm>
-              <a:off x="3129591" y="5373216"/>
-              <a:ext cx="194884" cy="0"/>
-            </a:xfrm>
-            <a:prstGeom prst="line">
-              <a:avLst/>
-            </a:prstGeom>
-            <a:ln>
-              <a:solidFill>
-                <a:schemeClr val="tx1"/>
-              </a:solidFill>
-              <a:headEnd type="none"/>
-              <a:tailEnd type="none"/>
-            </a:ln>
-          </p:spPr>
-          <p:style>
-            <a:lnRef idx="1">
-              <a:schemeClr val="accent1"/>
-            </a:lnRef>
-            <a:fillRef idx="0">
-              <a:schemeClr val="accent1"/>
-            </a:fillRef>
-            <a:effectRef idx="0">
-              <a:schemeClr val="accent1"/>
-            </a:effectRef>
-            <a:fontRef idx="minor">
-              <a:schemeClr val="tx1"/>
-            </a:fontRef>
-          </p:style>
-        </p:cxnSp>
-        <p:cxnSp>
-          <p:nvCxnSpPr>
-            <p:cNvPr id="130" name="מחבר ישר 129"/>
-            <p:cNvCxnSpPr/>
-            <p:nvPr/>
-          </p:nvCxnSpPr>
-          <p:spPr>
-            <a:xfrm>
-              <a:off x="3293197" y="5373216"/>
-              <a:ext cx="194884" cy="0"/>
-            </a:xfrm>
-            <a:prstGeom prst="line">
-              <a:avLst/>
-            </a:prstGeom>
-            <a:ln>
-              <a:solidFill>
-                <a:schemeClr val="tx1"/>
-              </a:solidFill>
-              <a:headEnd type="none"/>
-              <a:tailEnd type="none"/>
-            </a:ln>
-          </p:spPr>
-          <p:style>
-            <a:lnRef idx="1">
-              <a:schemeClr val="accent1"/>
-            </a:lnRef>
-            <a:fillRef idx="0">
-              <a:schemeClr val="accent1"/>
-            </a:fillRef>
-            <a:effectRef idx="0">
-              <a:schemeClr val="accent1"/>
-            </a:effectRef>
-            <a:fontRef idx="minor">
-              <a:schemeClr val="tx1"/>
-            </a:fontRef>
-          </p:style>
-        </p:cxnSp>
-        <p:cxnSp>
-          <p:nvCxnSpPr>
-            <p:cNvPr id="131" name="מחבר ישר 130"/>
-            <p:cNvCxnSpPr/>
-            <p:nvPr/>
-          </p:nvCxnSpPr>
-          <p:spPr>
-            <a:xfrm flipV="1">
-              <a:off x="3497705" y="5373216"/>
-              <a:ext cx="0" cy="288032"/>
-            </a:xfrm>
-            <a:prstGeom prst="line">
-              <a:avLst/>
-            </a:prstGeom>
-            <a:ln>
-              <a:solidFill>
-                <a:schemeClr val="tx1"/>
-              </a:solidFill>
-              <a:headEnd type="none"/>
-              <a:tailEnd type="none"/>
-            </a:ln>
-          </p:spPr>
-          <p:style>
-            <a:lnRef idx="1">
-              <a:schemeClr val="accent1"/>
-            </a:lnRef>
-            <a:fillRef idx="0">
-              <a:schemeClr val="accent1"/>
-            </a:fillRef>
-            <a:effectRef idx="0">
-              <a:schemeClr val="accent1"/>
-            </a:effectRef>
-            <a:fontRef idx="minor">
-              <a:schemeClr val="tx1"/>
-            </a:fontRef>
-          </p:style>
-        </p:cxnSp>
-        <p:cxnSp>
-          <p:nvCxnSpPr>
-            <p:cNvPr id="132" name="מחבר ישר 131"/>
-            <p:cNvCxnSpPr/>
-            <p:nvPr/>
-          </p:nvCxnSpPr>
-          <p:spPr>
-            <a:xfrm>
-              <a:off x="3497705" y="5661248"/>
-              <a:ext cx="194884" cy="0"/>
-            </a:xfrm>
-            <a:prstGeom prst="line">
-              <a:avLst/>
-            </a:prstGeom>
-            <a:ln>
-              <a:solidFill>
-                <a:schemeClr val="tx1"/>
-              </a:solidFill>
-              <a:headEnd type="none"/>
-              <a:tailEnd type="none"/>
-            </a:ln>
-          </p:spPr>
-          <p:style>
-            <a:lnRef idx="1">
-              <a:schemeClr val="accent1"/>
-            </a:lnRef>
-            <a:fillRef idx="0">
-              <a:schemeClr val="accent1"/>
-            </a:fillRef>
-            <a:effectRef idx="0">
-              <a:schemeClr val="accent1"/>
-            </a:effectRef>
-            <a:fontRef idx="minor">
-              <a:schemeClr val="tx1"/>
-            </a:fontRef>
-          </p:style>
-        </p:cxnSp>
-        <p:cxnSp>
-          <p:nvCxnSpPr>
-            <p:cNvPr id="133" name="מחבר ישר 132"/>
-            <p:cNvCxnSpPr/>
-            <p:nvPr/>
-          </p:nvCxnSpPr>
-          <p:spPr>
-            <a:xfrm>
-              <a:off x="3661311" y="5661248"/>
-              <a:ext cx="194884" cy="0"/>
-            </a:xfrm>
-            <a:prstGeom prst="line">
-              <a:avLst/>
-            </a:prstGeom>
-            <a:ln>
-              <a:solidFill>
-                <a:schemeClr val="tx1"/>
-              </a:solidFill>
-              <a:headEnd type="none"/>
-              <a:tailEnd type="none"/>
-            </a:ln>
-          </p:spPr>
-          <p:style>
-            <a:lnRef idx="1">
-              <a:schemeClr val="accent1"/>
-            </a:lnRef>
-            <a:fillRef idx="0">
-              <a:schemeClr val="accent1"/>
-            </a:fillRef>
-            <a:effectRef idx="0">
-              <a:schemeClr val="accent1"/>
-            </a:effectRef>
-            <a:fontRef idx="minor">
-              <a:schemeClr val="tx1"/>
-            </a:fontRef>
-          </p:style>
-        </p:cxnSp>
-        <p:cxnSp>
-          <p:nvCxnSpPr>
-            <p:cNvPr id="134" name="מחבר ישר 133"/>
-            <p:cNvCxnSpPr/>
-            <p:nvPr/>
-          </p:nvCxnSpPr>
-          <p:spPr>
-            <a:xfrm>
-              <a:off x="3834542" y="5661248"/>
-              <a:ext cx="194884" cy="0"/>
-            </a:xfrm>
-            <a:prstGeom prst="line">
-              <a:avLst/>
-            </a:prstGeom>
-            <a:ln>
-              <a:solidFill>
-                <a:schemeClr val="tx1"/>
-              </a:solidFill>
-              <a:headEnd type="none"/>
-              <a:tailEnd type="none"/>
-            </a:ln>
-          </p:spPr>
-          <p:style>
-            <a:lnRef idx="1">
-              <a:schemeClr val="accent1"/>
-            </a:lnRef>
-            <a:fillRef idx="0">
-              <a:schemeClr val="accent1"/>
-            </a:fillRef>
-            <a:effectRef idx="0">
-              <a:schemeClr val="accent1"/>
-            </a:effectRef>
-            <a:fontRef idx="minor">
-              <a:schemeClr val="tx1"/>
-            </a:fontRef>
-          </p:style>
-        </p:cxnSp>
-        <p:cxnSp>
-          <p:nvCxnSpPr>
-            <p:cNvPr id="135" name="מחבר ישר 134"/>
-            <p:cNvCxnSpPr/>
-            <p:nvPr/>
-          </p:nvCxnSpPr>
-          <p:spPr>
-            <a:xfrm>
-              <a:off x="4007772" y="5661248"/>
-              <a:ext cx="194884" cy="0"/>
-            </a:xfrm>
-            <a:prstGeom prst="line">
-              <a:avLst/>
-            </a:prstGeom>
-            <a:ln>
-              <a:solidFill>
-                <a:schemeClr val="tx1"/>
-              </a:solidFill>
-              <a:headEnd type="none"/>
-              <a:tailEnd type="none"/>
-            </a:ln>
-          </p:spPr>
-          <p:style>
-            <a:lnRef idx="1">
-              <a:schemeClr val="accent1"/>
-            </a:lnRef>
-            <a:fillRef idx="0">
-              <a:schemeClr val="accent1"/>
-            </a:fillRef>
-            <a:effectRef idx="0">
-              <a:schemeClr val="accent1"/>
-            </a:effectRef>
-            <a:fontRef idx="minor">
-              <a:schemeClr val="tx1"/>
-            </a:fontRef>
-          </p:style>
-        </p:cxnSp>
-        <p:cxnSp>
-          <p:nvCxnSpPr>
-            <p:cNvPr id="136" name="מחבר ישר 135"/>
-            <p:cNvCxnSpPr/>
-            <p:nvPr/>
-          </p:nvCxnSpPr>
-          <p:spPr>
-            <a:xfrm>
-              <a:off x="4120853" y="5661248"/>
-              <a:ext cx="194884" cy="0"/>
-            </a:xfrm>
-            <a:prstGeom prst="line">
-              <a:avLst/>
-            </a:prstGeom>
-            <a:ln>
-              <a:solidFill>
-                <a:schemeClr val="tx1"/>
-              </a:solidFill>
-              <a:headEnd type="none"/>
-              <a:tailEnd type="none"/>
-            </a:ln>
-          </p:spPr>
-          <p:style>
-            <a:lnRef idx="1">
-              <a:schemeClr val="accent1"/>
-            </a:lnRef>
-            <a:fillRef idx="0">
-              <a:schemeClr val="accent1"/>
-            </a:fillRef>
-            <a:effectRef idx="0">
-              <a:schemeClr val="accent1"/>
-            </a:effectRef>
-            <a:fontRef idx="minor">
-              <a:schemeClr val="tx1"/>
-            </a:fontRef>
-          </p:style>
-        </p:cxnSp>
+          <p:txBody>
+            <a:bodyPr rtlCol="1" anchor="ctr"/>
+            <a:lstStyle/>
+            <a:p>
+              <a:pPr algn="ctr"/>
+              <a:endParaRPr lang="he-IL"/>
+            </a:p>
+          </p:txBody>
+        </p:sp>
       </p:grpSp>
       <p:sp>
         <p:nvSpPr>
-          <p:cNvPr id="138" name="TextBox 137"/>
+          <p:cNvPr id="4" name="TextBox 3"/>
           <p:cNvSpPr txBox="1"/>
           <p:nvPr/>
         </p:nvSpPr>
         <p:spPr>
           <a:xfrm>
-            <a:off x="189466" y="4015454"/>
-            <a:ext cx="864096" cy="369332"/>
+            <a:off x="179512" y="1988840"/>
+            <a:ext cx="8712968" cy="1938992"/>
           </a:xfrm>
           <a:prstGeom prst="rect">
             <a:avLst/>
@@ -11020,1705 +12721,37 @@
           </a:bodyPr>
           <a:lstStyle/>
           <a:p>
-            <a:pPr algn="ctr"/>
-            <a:r>
-              <a:rPr lang="en-US" dirty="0" smtClean="0"/>
-              <a:t>CLK</a:t>
-            </a:r>
-            <a:endParaRPr lang="he-IL" dirty="0"/>
-          </a:p>
-        </p:txBody>
-      </p:sp>
-      <p:sp>
-        <p:nvSpPr>
-          <p:cNvPr id="139" name="TextBox 138"/>
-          <p:cNvSpPr txBox="1"/>
-          <p:nvPr/>
-        </p:nvSpPr>
-        <p:spPr>
-          <a:xfrm>
-            <a:off x="-28128" y="4581128"/>
-            <a:ext cx="1215752" cy="338554"/>
-          </a:xfrm>
-          <a:prstGeom prst="rect">
-            <a:avLst/>
-          </a:prstGeom>
-          <a:noFill/>
-        </p:spPr>
-        <p:txBody>
-          <a:bodyPr wrap="square" rtlCol="1">
-            <a:spAutoFit/>
-          </a:bodyPr>
-          <a:lstStyle/>
-          <a:p>
-            <a:pPr algn="ctr"/>
-            <a:r>
-              <a:rPr lang="en-US" sz="1600" dirty="0" smtClean="0"/>
-              <a:t>TRIGGER</a:t>
-            </a:r>
-            <a:endParaRPr lang="he-IL" sz="1600" dirty="0"/>
-          </a:p>
-        </p:txBody>
-      </p:sp>
-      <p:sp>
-        <p:nvSpPr>
-          <p:cNvPr id="140" name="TextBox 139"/>
-          <p:cNvSpPr txBox="1"/>
-          <p:nvPr/>
-        </p:nvSpPr>
-        <p:spPr>
-          <a:xfrm>
-            <a:off x="107504" y="5301208"/>
-            <a:ext cx="864096" cy="338554"/>
-          </a:xfrm>
-          <a:prstGeom prst="rect">
-            <a:avLst/>
-          </a:prstGeom>
-          <a:noFill/>
-        </p:spPr>
-        <p:txBody>
-          <a:bodyPr wrap="square" rtlCol="1">
-            <a:spAutoFit/>
-          </a:bodyPr>
-          <a:lstStyle/>
-          <a:p>
-            <a:pPr algn="ctr"/>
-            <a:r>
-              <a:rPr lang="en-US" sz="1600" dirty="0" smtClean="0"/>
-              <a:t>DATA</a:t>
-            </a:r>
-            <a:endParaRPr lang="he-IL" sz="1600" dirty="0"/>
-          </a:p>
-        </p:txBody>
-      </p:sp>
-      <p:grpSp>
-        <p:nvGrpSpPr>
-          <p:cNvPr id="143" name="קבוצה 142"/>
-          <p:cNvGrpSpPr/>
-          <p:nvPr/>
-        </p:nvGrpSpPr>
-        <p:grpSpPr>
-          <a:xfrm>
-            <a:off x="1083559" y="4797152"/>
-            <a:ext cx="3232177" cy="288032"/>
-            <a:chOff x="1083559" y="4797152"/>
-            <a:chExt cx="3488441" cy="288032"/>
-          </a:xfrm>
-        </p:grpSpPr>
-        <p:cxnSp>
-          <p:nvCxnSpPr>
-            <p:cNvPr id="82" name="מחבר ישר 81"/>
-            <p:cNvCxnSpPr/>
-            <p:nvPr/>
-          </p:nvCxnSpPr>
-          <p:spPr>
-            <a:xfrm>
-              <a:off x="1083559" y="4797152"/>
-              <a:ext cx="207553" cy="0"/>
-            </a:xfrm>
-            <a:prstGeom prst="line">
-              <a:avLst/>
-            </a:prstGeom>
-            <a:ln>
-              <a:solidFill>
-                <a:schemeClr val="tx1"/>
-              </a:solidFill>
-              <a:headEnd type="none"/>
-              <a:tailEnd type="none"/>
-            </a:ln>
-          </p:spPr>
-          <p:style>
-            <a:lnRef idx="1">
-              <a:schemeClr val="accent1"/>
-            </a:lnRef>
-            <a:fillRef idx="0">
-              <a:schemeClr val="accent1"/>
-            </a:fillRef>
-            <a:effectRef idx="0">
-              <a:schemeClr val="accent1"/>
-            </a:effectRef>
-            <a:fontRef idx="minor">
-              <a:schemeClr val="tx1"/>
-            </a:fontRef>
-          </p:style>
-        </p:cxnSp>
-        <p:cxnSp>
-          <p:nvCxnSpPr>
-            <p:cNvPr id="83" name="מחבר ישר 82"/>
-            <p:cNvCxnSpPr/>
-            <p:nvPr/>
-          </p:nvCxnSpPr>
-          <p:spPr>
-            <a:xfrm>
-              <a:off x="1247551" y="4797152"/>
-              <a:ext cx="207553" cy="0"/>
-            </a:xfrm>
-            <a:prstGeom prst="line">
-              <a:avLst/>
-            </a:prstGeom>
-            <a:ln>
-              <a:solidFill>
-                <a:schemeClr val="tx1"/>
-              </a:solidFill>
-              <a:headEnd type="none"/>
-              <a:tailEnd type="none"/>
-            </a:ln>
-          </p:spPr>
-          <p:style>
-            <a:lnRef idx="1">
-              <a:schemeClr val="accent1"/>
-            </a:lnRef>
-            <a:fillRef idx="0">
-              <a:schemeClr val="accent1"/>
-            </a:fillRef>
-            <a:effectRef idx="0">
-              <a:schemeClr val="accent1"/>
-            </a:effectRef>
-            <a:fontRef idx="minor">
-              <a:schemeClr val="tx1"/>
-            </a:fontRef>
-          </p:style>
-        </p:cxnSp>
-        <p:cxnSp>
-          <p:nvCxnSpPr>
-            <p:cNvPr id="84" name="מחבר ישר 83"/>
-            <p:cNvCxnSpPr/>
-            <p:nvPr/>
-          </p:nvCxnSpPr>
-          <p:spPr>
-            <a:xfrm>
-              <a:off x="1411544" y="4797152"/>
-              <a:ext cx="207553" cy="0"/>
-            </a:xfrm>
-            <a:prstGeom prst="line">
-              <a:avLst/>
-            </a:prstGeom>
-            <a:ln>
-              <a:solidFill>
-                <a:schemeClr val="tx1"/>
-              </a:solidFill>
-              <a:headEnd type="none"/>
-              <a:tailEnd type="none"/>
-            </a:ln>
-          </p:spPr>
-          <p:style>
-            <a:lnRef idx="1">
-              <a:schemeClr val="accent1"/>
-            </a:lnRef>
-            <a:fillRef idx="0">
-              <a:schemeClr val="accent1"/>
-            </a:fillRef>
-            <a:effectRef idx="0">
-              <a:schemeClr val="accent1"/>
-            </a:effectRef>
-            <a:fontRef idx="minor">
-              <a:schemeClr val="tx1"/>
-            </a:fontRef>
-          </p:style>
-        </p:cxnSp>
-        <p:cxnSp>
-          <p:nvCxnSpPr>
-            <p:cNvPr id="85" name="מחבר ישר 84"/>
-            <p:cNvCxnSpPr/>
-            <p:nvPr/>
-          </p:nvCxnSpPr>
-          <p:spPr>
-            <a:xfrm>
-              <a:off x="1575536" y="4797152"/>
-              <a:ext cx="207553" cy="0"/>
-            </a:xfrm>
-            <a:prstGeom prst="line">
-              <a:avLst/>
-            </a:prstGeom>
-            <a:ln>
-              <a:solidFill>
-                <a:schemeClr val="tx1"/>
-              </a:solidFill>
-              <a:headEnd type="none"/>
-              <a:tailEnd type="none"/>
-            </a:ln>
-          </p:spPr>
-          <p:style>
-            <a:lnRef idx="1">
-              <a:schemeClr val="accent1"/>
-            </a:lnRef>
-            <a:fillRef idx="0">
-              <a:schemeClr val="accent1"/>
-            </a:fillRef>
-            <a:effectRef idx="0">
-              <a:schemeClr val="accent1"/>
-            </a:effectRef>
-            <a:fontRef idx="minor">
-              <a:schemeClr val="tx1"/>
-            </a:fontRef>
-          </p:style>
-        </p:cxnSp>
-        <p:cxnSp>
-          <p:nvCxnSpPr>
-            <p:cNvPr id="86" name="מחבר ישר 85"/>
-            <p:cNvCxnSpPr/>
-            <p:nvPr/>
-          </p:nvCxnSpPr>
-          <p:spPr>
-            <a:xfrm>
-              <a:off x="1739528" y="4797152"/>
-              <a:ext cx="207553" cy="0"/>
-            </a:xfrm>
-            <a:prstGeom prst="line">
-              <a:avLst/>
-            </a:prstGeom>
-            <a:ln>
-              <a:solidFill>
-                <a:schemeClr val="tx1"/>
-              </a:solidFill>
-              <a:headEnd type="none"/>
-              <a:tailEnd type="none"/>
-            </a:ln>
-          </p:spPr>
-          <p:style>
-            <a:lnRef idx="1">
-              <a:schemeClr val="accent1"/>
-            </a:lnRef>
-            <a:fillRef idx="0">
-              <a:schemeClr val="accent1"/>
-            </a:fillRef>
-            <a:effectRef idx="0">
-              <a:schemeClr val="accent1"/>
-            </a:effectRef>
-            <a:fontRef idx="minor">
-              <a:schemeClr val="tx1"/>
-            </a:fontRef>
-          </p:style>
-        </p:cxnSp>
-        <p:cxnSp>
-          <p:nvCxnSpPr>
-            <p:cNvPr id="87" name="מחבר ישר 86"/>
-            <p:cNvCxnSpPr/>
-            <p:nvPr/>
-          </p:nvCxnSpPr>
-          <p:spPr>
-            <a:xfrm flipV="1">
-              <a:off x="1941955" y="4797152"/>
-              <a:ext cx="0" cy="288032"/>
-            </a:xfrm>
-            <a:prstGeom prst="line">
-              <a:avLst/>
-            </a:prstGeom>
-            <a:ln>
-              <a:solidFill>
-                <a:schemeClr val="tx1"/>
-              </a:solidFill>
-              <a:headEnd type="none"/>
-              <a:tailEnd type="none"/>
-            </a:ln>
-          </p:spPr>
-          <p:style>
-            <a:lnRef idx="1">
-              <a:schemeClr val="accent1"/>
-            </a:lnRef>
-            <a:fillRef idx="0">
-              <a:schemeClr val="accent1"/>
-            </a:fillRef>
-            <a:effectRef idx="0">
-              <a:schemeClr val="accent1"/>
-            </a:effectRef>
-            <a:fontRef idx="minor">
-              <a:schemeClr val="tx1"/>
-            </a:fontRef>
-          </p:style>
-        </p:cxnSp>
-        <p:cxnSp>
-          <p:nvCxnSpPr>
-            <p:cNvPr id="89" name="מחבר ישר 88"/>
-            <p:cNvCxnSpPr/>
-            <p:nvPr/>
-          </p:nvCxnSpPr>
-          <p:spPr>
-            <a:xfrm>
-              <a:off x="1941955" y="5085184"/>
-              <a:ext cx="207553" cy="0"/>
-            </a:xfrm>
-            <a:prstGeom prst="line">
-              <a:avLst/>
-            </a:prstGeom>
-            <a:ln>
-              <a:solidFill>
-                <a:schemeClr val="tx1"/>
-              </a:solidFill>
-              <a:headEnd type="none"/>
-              <a:tailEnd type="none"/>
-            </a:ln>
-          </p:spPr>
-          <p:style>
-            <a:lnRef idx="1">
-              <a:schemeClr val="accent1"/>
-            </a:lnRef>
-            <a:fillRef idx="0">
-              <a:schemeClr val="accent1"/>
-            </a:fillRef>
-            <a:effectRef idx="0">
-              <a:schemeClr val="accent1"/>
-            </a:effectRef>
-            <a:fontRef idx="minor">
-              <a:schemeClr val="tx1"/>
-            </a:fontRef>
-          </p:style>
-        </p:cxnSp>
-        <p:cxnSp>
-          <p:nvCxnSpPr>
-            <p:cNvPr id="90" name="מחבר ישר 89"/>
-            <p:cNvCxnSpPr/>
-            <p:nvPr/>
-          </p:nvCxnSpPr>
-          <p:spPr>
-            <a:xfrm>
-              <a:off x="2116197" y="5085184"/>
-              <a:ext cx="207553" cy="0"/>
-            </a:xfrm>
-            <a:prstGeom prst="line">
-              <a:avLst/>
-            </a:prstGeom>
-            <a:ln>
-              <a:solidFill>
-                <a:schemeClr val="tx1"/>
-              </a:solidFill>
-              <a:headEnd type="none"/>
-              <a:tailEnd type="none"/>
-            </a:ln>
-          </p:spPr>
-          <p:style>
-            <a:lnRef idx="1">
-              <a:schemeClr val="accent1"/>
-            </a:lnRef>
-            <a:fillRef idx="0">
-              <a:schemeClr val="accent1"/>
-            </a:fillRef>
-            <a:effectRef idx="0">
-              <a:schemeClr val="accent1"/>
-            </a:effectRef>
-            <a:fontRef idx="minor">
-              <a:schemeClr val="tx1"/>
-            </a:fontRef>
-          </p:style>
-        </p:cxnSp>
-        <p:cxnSp>
-          <p:nvCxnSpPr>
-            <p:cNvPr id="91" name="מחבר ישר 90"/>
-            <p:cNvCxnSpPr/>
-            <p:nvPr/>
-          </p:nvCxnSpPr>
-          <p:spPr>
-            <a:xfrm>
-              <a:off x="2290439" y="5085184"/>
-              <a:ext cx="207553" cy="0"/>
-            </a:xfrm>
-            <a:prstGeom prst="line">
-              <a:avLst/>
-            </a:prstGeom>
-            <a:ln>
-              <a:solidFill>
-                <a:schemeClr val="tx1"/>
-              </a:solidFill>
-              <a:headEnd type="none"/>
-              <a:tailEnd type="none"/>
-            </a:ln>
-          </p:spPr>
-          <p:style>
-            <a:lnRef idx="1">
-              <a:schemeClr val="accent1"/>
-            </a:lnRef>
-            <a:fillRef idx="0">
-              <a:schemeClr val="accent1"/>
-            </a:fillRef>
-            <a:effectRef idx="0">
-              <a:schemeClr val="accent1"/>
-            </a:effectRef>
-            <a:fontRef idx="minor">
-              <a:schemeClr val="tx1"/>
-            </a:fontRef>
-          </p:style>
-        </p:cxnSp>
-        <p:cxnSp>
-          <p:nvCxnSpPr>
-            <p:cNvPr id="101" name="מחבר ישר 100"/>
-            <p:cNvCxnSpPr/>
-            <p:nvPr/>
-          </p:nvCxnSpPr>
-          <p:spPr>
-            <a:xfrm flipV="1">
-              <a:off x="2497991" y="4797152"/>
-              <a:ext cx="0" cy="288032"/>
-            </a:xfrm>
-            <a:prstGeom prst="line">
-              <a:avLst/>
-            </a:prstGeom>
-            <a:ln>
-              <a:solidFill>
-                <a:schemeClr val="tx1"/>
-              </a:solidFill>
-              <a:headEnd type="none"/>
-              <a:tailEnd type="none"/>
-            </a:ln>
-          </p:spPr>
-          <p:style>
-            <a:lnRef idx="1">
-              <a:schemeClr val="accent1"/>
-            </a:lnRef>
-            <a:fillRef idx="0">
-              <a:schemeClr val="accent1"/>
-            </a:fillRef>
-            <a:effectRef idx="0">
-              <a:schemeClr val="accent1"/>
-            </a:effectRef>
-            <a:fontRef idx="minor">
-              <a:schemeClr val="tx1"/>
-            </a:fontRef>
-          </p:style>
-        </p:cxnSp>
-        <p:cxnSp>
-          <p:nvCxnSpPr>
-            <p:cNvPr id="102" name="מחבר ישר 101"/>
-            <p:cNvCxnSpPr/>
-            <p:nvPr/>
-          </p:nvCxnSpPr>
-          <p:spPr>
-            <a:xfrm>
-              <a:off x="2508241" y="4797152"/>
-              <a:ext cx="207553" cy="0"/>
-            </a:xfrm>
-            <a:prstGeom prst="line">
-              <a:avLst/>
-            </a:prstGeom>
-            <a:ln>
-              <a:solidFill>
-                <a:schemeClr val="tx1"/>
-              </a:solidFill>
-              <a:headEnd type="none"/>
-              <a:tailEnd type="none"/>
-            </a:ln>
-          </p:spPr>
-          <p:style>
-            <a:lnRef idx="1">
-              <a:schemeClr val="accent1"/>
-            </a:lnRef>
-            <a:fillRef idx="0">
-              <a:schemeClr val="accent1"/>
-            </a:fillRef>
-            <a:effectRef idx="0">
-              <a:schemeClr val="accent1"/>
-            </a:effectRef>
-            <a:fontRef idx="minor">
-              <a:schemeClr val="tx1"/>
-            </a:fontRef>
-          </p:style>
-        </p:cxnSp>
-        <p:cxnSp>
-          <p:nvCxnSpPr>
-            <p:cNvPr id="103" name="מחבר ישר 102"/>
-            <p:cNvCxnSpPr/>
-            <p:nvPr/>
-          </p:nvCxnSpPr>
-          <p:spPr>
-            <a:xfrm>
-              <a:off x="2682482" y="4797152"/>
-              <a:ext cx="207553" cy="0"/>
-            </a:xfrm>
-            <a:prstGeom prst="line">
-              <a:avLst/>
-            </a:prstGeom>
-            <a:ln>
-              <a:solidFill>
-                <a:schemeClr val="tx1"/>
-              </a:solidFill>
-              <a:headEnd type="none"/>
-              <a:tailEnd type="none"/>
-            </a:ln>
-          </p:spPr>
-          <p:style>
-            <a:lnRef idx="1">
-              <a:schemeClr val="accent1"/>
-            </a:lnRef>
-            <a:fillRef idx="0">
-              <a:schemeClr val="accent1"/>
-            </a:fillRef>
-            <a:effectRef idx="0">
-              <a:schemeClr val="accent1"/>
-            </a:effectRef>
-            <a:fontRef idx="minor">
-              <a:schemeClr val="tx1"/>
-            </a:fontRef>
-          </p:style>
-        </p:cxnSp>
-        <p:cxnSp>
-          <p:nvCxnSpPr>
-            <p:cNvPr id="104" name="מחבר ישר 103"/>
-            <p:cNvCxnSpPr/>
-            <p:nvPr/>
-          </p:nvCxnSpPr>
-          <p:spPr>
-            <a:xfrm>
-              <a:off x="2856724" y="4797152"/>
-              <a:ext cx="207553" cy="0"/>
-            </a:xfrm>
-            <a:prstGeom prst="line">
-              <a:avLst/>
-            </a:prstGeom>
-            <a:ln>
-              <a:solidFill>
-                <a:schemeClr val="tx1"/>
-              </a:solidFill>
-              <a:headEnd type="none"/>
-              <a:tailEnd type="none"/>
-            </a:ln>
-          </p:spPr>
-          <p:style>
-            <a:lnRef idx="1">
-              <a:schemeClr val="accent1"/>
-            </a:lnRef>
-            <a:fillRef idx="0">
-              <a:schemeClr val="accent1"/>
-            </a:fillRef>
-            <a:effectRef idx="0">
-              <a:schemeClr val="accent1"/>
-            </a:effectRef>
-            <a:fontRef idx="minor">
-              <a:schemeClr val="tx1"/>
-            </a:fontRef>
-          </p:style>
-        </p:cxnSp>
-        <p:cxnSp>
-          <p:nvCxnSpPr>
-            <p:cNvPr id="105" name="מחבר ישר 104"/>
-            <p:cNvCxnSpPr/>
-            <p:nvPr/>
-          </p:nvCxnSpPr>
-          <p:spPr>
-            <a:xfrm>
-              <a:off x="3030966" y="4797152"/>
-              <a:ext cx="207553" cy="0"/>
-            </a:xfrm>
-            <a:prstGeom prst="line">
-              <a:avLst/>
-            </a:prstGeom>
-            <a:ln>
-              <a:solidFill>
-                <a:schemeClr val="tx1"/>
-              </a:solidFill>
-              <a:headEnd type="none"/>
-              <a:tailEnd type="none"/>
-            </a:ln>
-          </p:spPr>
-          <p:style>
-            <a:lnRef idx="1">
-              <a:schemeClr val="accent1"/>
-            </a:lnRef>
-            <a:fillRef idx="0">
-              <a:schemeClr val="accent1"/>
-            </a:fillRef>
-            <a:effectRef idx="0">
-              <a:schemeClr val="accent1"/>
-            </a:effectRef>
-            <a:fontRef idx="minor">
-              <a:schemeClr val="tx1"/>
-            </a:fontRef>
-          </p:style>
-        </p:cxnSp>
-        <p:cxnSp>
-          <p:nvCxnSpPr>
-            <p:cNvPr id="106" name="מחבר ישר 105"/>
-            <p:cNvCxnSpPr/>
-            <p:nvPr/>
-          </p:nvCxnSpPr>
-          <p:spPr>
-            <a:xfrm>
-              <a:off x="3205207" y="4797152"/>
-              <a:ext cx="207553" cy="0"/>
-            </a:xfrm>
-            <a:prstGeom prst="line">
-              <a:avLst/>
-            </a:prstGeom>
-            <a:ln>
-              <a:solidFill>
-                <a:schemeClr val="tx1"/>
-              </a:solidFill>
-              <a:headEnd type="none"/>
-              <a:tailEnd type="none"/>
-            </a:ln>
-          </p:spPr>
-          <p:style>
-            <a:lnRef idx="1">
-              <a:schemeClr val="accent1"/>
-            </a:lnRef>
-            <a:fillRef idx="0">
-              <a:schemeClr val="accent1"/>
-            </a:fillRef>
-            <a:effectRef idx="0">
-              <a:schemeClr val="accent1"/>
-            </a:effectRef>
-            <a:fontRef idx="minor">
-              <a:schemeClr val="tx1"/>
-            </a:fontRef>
-          </p:style>
-        </p:cxnSp>
-        <p:cxnSp>
-          <p:nvCxnSpPr>
-            <p:cNvPr id="107" name="מחבר ישר 106"/>
-            <p:cNvCxnSpPr/>
-            <p:nvPr/>
-          </p:nvCxnSpPr>
-          <p:spPr>
-            <a:xfrm>
-              <a:off x="3379449" y="4797152"/>
-              <a:ext cx="207553" cy="0"/>
-            </a:xfrm>
-            <a:prstGeom prst="line">
-              <a:avLst/>
-            </a:prstGeom>
-            <a:ln>
-              <a:solidFill>
-                <a:schemeClr val="tx1"/>
-              </a:solidFill>
-              <a:headEnd type="none"/>
-              <a:tailEnd type="none"/>
-            </a:ln>
-          </p:spPr>
-          <p:style>
-            <a:lnRef idx="1">
-              <a:schemeClr val="accent1"/>
-            </a:lnRef>
-            <a:fillRef idx="0">
-              <a:schemeClr val="accent1"/>
-            </a:fillRef>
-            <a:effectRef idx="0">
-              <a:schemeClr val="accent1"/>
-            </a:effectRef>
-            <a:fontRef idx="minor">
-              <a:schemeClr val="tx1"/>
-            </a:fontRef>
-          </p:style>
-        </p:cxnSp>
-        <p:cxnSp>
-          <p:nvCxnSpPr>
-            <p:cNvPr id="108" name="מחבר ישר 107"/>
-            <p:cNvCxnSpPr/>
-            <p:nvPr/>
-          </p:nvCxnSpPr>
-          <p:spPr>
-            <a:xfrm>
-              <a:off x="3553691" y="4797152"/>
-              <a:ext cx="207553" cy="0"/>
-            </a:xfrm>
-            <a:prstGeom prst="line">
-              <a:avLst/>
-            </a:prstGeom>
-            <a:ln>
-              <a:solidFill>
-                <a:schemeClr val="tx1"/>
-              </a:solidFill>
-              <a:headEnd type="none"/>
-              <a:tailEnd type="none"/>
-            </a:ln>
-          </p:spPr>
-          <p:style>
-            <a:lnRef idx="1">
-              <a:schemeClr val="accent1"/>
-            </a:lnRef>
-            <a:fillRef idx="0">
-              <a:schemeClr val="accent1"/>
-            </a:fillRef>
-            <a:effectRef idx="0">
-              <a:schemeClr val="accent1"/>
-            </a:effectRef>
-            <a:fontRef idx="minor">
-              <a:schemeClr val="tx1"/>
-            </a:fontRef>
-          </p:style>
-        </p:cxnSp>
-        <p:cxnSp>
-          <p:nvCxnSpPr>
-            <p:cNvPr id="109" name="מחבר ישר 108"/>
-            <p:cNvCxnSpPr/>
-            <p:nvPr/>
-          </p:nvCxnSpPr>
-          <p:spPr>
-            <a:xfrm>
-              <a:off x="3727932" y="4797152"/>
-              <a:ext cx="207553" cy="0"/>
-            </a:xfrm>
-            <a:prstGeom prst="line">
-              <a:avLst/>
-            </a:prstGeom>
-            <a:ln>
-              <a:solidFill>
-                <a:schemeClr val="tx1"/>
-              </a:solidFill>
-              <a:headEnd type="none"/>
-              <a:tailEnd type="none"/>
-            </a:ln>
-          </p:spPr>
-          <p:style>
-            <a:lnRef idx="1">
-              <a:schemeClr val="accent1"/>
-            </a:lnRef>
-            <a:fillRef idx="0">
-              <a:schemeClr val="accent1"/>
-            </a:fillRef>
-            <a:effectRef idx="0">
-              <a:schemeClr val="accent1"/>
-            </a:effectRef>
-            <a:fontRef idx="minor">
-              <a:schemeClr val="tx1"/>
-            </a:fontRef>
-          </p:style>
-        </p:cxnSp>
-        <p:cxnSp>
-          <p:nvCxnSpPr>
-            <p:cNvPr id="110" name="מחבר ישר 109"/>
-            <p:cNvCxnSpPr/>
-            <p:nvPr/>
-          </p:nvCxnSpPr>
-          <p:spPr>
-            <a:xfrm>
-              <a:off x="3902174" y="4797152"/>
-              <a:ext cx="207553" cy="0"/>
-            </a:xfrm>
-            <a:prstGeom prst="line">
-              <a:avLst/>
-            </a:prstGeom>
-            <a:ln>
-              <a:solidFill>
-                <a:schemeClr val="tx1"/>
-              </a:solidFill>
-              <a:headEnd type="none"/>
-              <a:tailEnd type="none"/>
-            </a:ln>
-          </p:spPr>
-          <p:style>
-            <a:lnRef idx="1">
-              <a:schemeClr val="accent1"/>
-            </a:lnRef>
-            <a:fillRef idx="0">
-              <a:schemeClr val="accent1"/>
-            </a:fillRef>
-            <a:effectRef idx="0">
-              <a:schemeClr val="accent1"/>
-            </a:effectRef>
-            <a:fontRef idx="minor">
-              <a:schemeClr val="tx1"/>
-            </a:fontRef>
-          </p:style>
-        </p:cxnSp>
-        <p:cxnSp>
-          <p:nvCxnSpPr>
-            <p:cNvPr id="111" name="מחבר ישר 110"/>
-            <p:cNvCxnSpPr/>
-            <p:nvPr/>
-          </p:nvCxnSpPr>
-          <p:spPr>
-            <a:xfrm>
-              <a:off x="4076415" y="4797152"/>
-              <a:ext cx="207553" cy="0"/>
-            </a:xfrm>
-            <a:prstGeom prst="line">
-              <a:avLst/>
-            </a:prstGeom>
-            <a:ln>
-              <a:solidFill>
-                <a:schemeClr val="tx1"/>
-              </a:solidFill>
-              <a:headEnd type="none"/>
-              <a:tailEnd type="none"/>
-            </a:ln>
-          </p:spPr>
-          <p:style>
-            <a:lnRef idx="1">
-              <a:schemeClr val="accent1"/>
-            </a:lnRef>
-            <a:fillRef idx="0">
-              <a:schemeClr val="accent1"/>
-            </a:fillRef>
-            <a:effectRef idx="0">
-              <a:schemeClr val="accent1"/>
-            </a:effectRef>
-            <a:fontRef idx="minor">
-              <a:schemeClr val="tx1"/>
-            </a:fontRef>
-          </p:style>
-        </p:cxnSp>
-        <p:cxnSp>
-          <p:nvCxnSpPr>
-            <p:cNvPr id="141" name="מחבר ישר 140"/>
-            <p:cNvCxnSpPr/>
-            <p:nvPr/>
-          </p:nvCxnSpPr>
-          <p:spPr>
-            <a:xfrm>
-              <a:off x="4211960" y="4797152"/>
-              <a:ext cx="207553" cy="0"/>
-            </a:xfrm>
-            <a:prstGeom prst="line">
-              <a:avLst/>
-            </a:prstGeom>
-            <a:ln>
-              <a:solidFill>
-                <a:schemeClr val="tx1"/>
-              </a:solidFill>
-              <a:headEnd type="none"/>
-              <a:tailEnd type="none"/>
-            </a:ln>
-          </p:spPr>
-          <p:style>
-            <a:lnRef idx="1">
-              <a:schemeClr val="accent1"/>
-            </a:lnRef>
-            <a:fillRef idx="0">
-              <a:schemeClr val="accent1"/>
-            </a:fillRef>
-            <a:effectRef idx="0">
-              <a:schemeClr val="accent1"/>
-            </a:effectRef>
-            <a:fontRef idx="minor">
-              <a:schemeClr val="tx1"/>
-            </a:fontRef>
-          </p:style>
-        </p:cxnSp>
-        <p:cxnSp>
-          <p:nvCxnSpPr>
-            <p:cNvPr id="142" name="מחבר ישר 141"/>
-            <p:cNvCxnSpPr/>
-            <p:nvPr/>
-          </p:nvCxnSpPr>
-          <p:spPr>
-            <a:xfrm>
-              <a:off x="4364447" y="4797152"/>
-              <a:ext cx="207553" cy="0"/>
-            </a:xfrm>
-            <a:prstGeom prst="line">
-              <a:avLst/>
-            </a:prstGeom>
-            <a:ln>
-              <a:solidFill>
-                <a:schemeClr val="tx1"/>
-              </a:solidFill>
-              <a:headEnd type="none"/>
-              <a:tailEnd type="none"/>
-            </a:ln>
-          </p:spPr>
-          <p:style>
-            <a:lnRef idx="1">
-              <a:schemeClr val="accent1"/>
-            </a:lnRef>
-            <a:fillRef idx="0">
-              <a:schemeClr val="accent1"/>
-            </a:fillRef>
-            <a:effectRef idx="0">
-              <a:schemeClr val="accent1"/>
-            </a:effectRef>
-            <a:fontRef idx="minor">
-              <a:schemeClr val="tx1"/>
-            </a:fontRef>
-          </p:style>
-        </p:cxnSp>
-      </p:grpSp>
-      <p:sp>
-        <p:nvSpPr>
-          <p:cNvPr id="144" name="מלבן 143"/>
-          <p:cNvSpPr/>
-          <p:nvPr/>
-        </p:nvSpPr>
-        <p:spPr>
-          <a:xfrm>
-            <a:off x="107504" y="3645024"/>
-            <a:ext cx="4536504" cy="2376264"/>
-          </a:xfrm>
-          <a:prstGeom prst="rect">
-            <a:avLst/>
-          </a:prstGeom>
-          <a:noFill/>
-          <a:ln w="76200">
-            <a:solidFill>
-              <a:schemeClr val="tx1"/>
-            </a:solidFill>
-          </a:ln>
-        </p:spPr>
-        <p:style>
-          <a:lnRef idx="2">
-            <a:schemeClr val="accent1">
-              <a:shade val="50000"/>
-            </a:schemeClr>
-          </a:lnRef>
-          <a:fillRef idx="1">
-            <a:schemeClr val="accent1"/>
-          </a:fillRef>
-          <a:effectRef idx="0">
-            <a:schemeClr val="accent1"/>
-          </a:effectRef>
-          <a:fontRef idx="minor">
-            <a:schemeClr val="lt1"/>
-          </a:fontRef>
-        </p:style>
-        <p:txBody>
-          <a:bodyPr rtlCol="1" anchor="ctr"/>
-          <a:lstStyle/>
-          <a:p>
-            <a:pPr algn="ctr"/>
-            <a:endParaRPr lang="he-IL"/>
-          </a:p>
-        </p:txBody>
-      </p:sp>
-      <p:sp>
-        <p:nvSpPr>
-          <p:cNvPr id="145" name="מלבן 144"/>
-          <p:cNvSpPr/>
-          <p:nvPr/>
-        </p:nvSpPr>
-        <p:spPr>
-          <a:xfrm>
-            <a:off x="5796136" y="3645024"/>
-            <a:ext cx="3096344" cy="2376264"/>
-          </a:xfrm>
-          <a:prstGeom prst="rect">
-            <a:avLst/>
-          </a:prstGeom>
-          <a:noFill/>
-          <a:ln w="76200">
-            <a:solidFill>
-              <a:schemeClr val="tx1"/>
-            </a:solidFill>
-          </a:ln>
-        </p:spPr>
-        <p:style>
-          <a:lnRef idx="2">
-            <a:schemeClr val="accent1">
-              <a:shade val="50000"/>
-            </a:schemeClr>
-          </a:lnRef>
-          <a:fillRef idx="1">
-            <a:schemeClr val="accent1"/>
-          </a:fillRef>
-          <a:effectRef idx="0">
-            <a:schemeClr val="accent1"/>
-          </a:effectRef>
-          <a:fontRef idx="minor">
-            <a:schemeClr val="lt1"/>
-          </a:fontRef>
-        </p:style>
-        <p:txBody>
-          <a:bodyPr rtlCol="1" anchor="ctr"/>
-          <a:lstStyle/>
-          <a:p>
-            <a:pPr algn="ctr"/>
-            <a:endParaRPr lang="he-IL"/>
-          </a:p>
-        </p:txBody>
-      </p:sp>
-      <p:grpSp>
-        <p:nvGrpSpPr>
-          <p:cNvPr id="159" name="קבוצה 158"/>
-          <p:cNvGrpSpPr/>
-          <p:nvPr/>
-        </p:nvGrpSpPr>
-        <p:grpSpPr>
-          <a:xfrm>
-            <a:off x="6732240" y="5373216"/>
-            <a:ext cx="1871850" cy="288032"/>
-            <a:chOff x="6588582" y="5013176"/>
-            <a:chExt cx="1871850" cy="288032"/>
-          </a:xfrm>
-        </p:grpSpPr>
-        <p:cxnSp>
-          <p:nvCxnSpPr>
-            <p:cNvPr id="146" name="מחבר ישר 145"/>
-            <p:cNvCxnSpPr/>
-            <p:nvPr/>
-          </p:nvCxnSpPr>
-          <p:spPr>
-            <a:xfrm>
-              <a:off x="6752189" y="5301208"/>
-              <a:ext cx="194884" cy="0"/>
-            </a:xfrm>
-            <a:prstGeom prst="line">
-              <a:avLst/>
-            </a:prstGeom>
-            <a:ln>
-              <a:solidFill>
-                <a:schemeClr val="tx1"/>
-              </a:solidFill>
-              <a:headEnd type="none"/>
-              <a:tailEnd type="none"/>
-            </a:ln>
-          </p:spPr>
-          <p:style>
-            <a:lnRef idx="1">
-              <a:schemeClr val="accent1"/>
-            </a:lnRef>
-            <a:fillRef idx="0">
-              <a:schemeClr val="accent1"/>
-            </a:fillRef>
-            <a:effectRef idx="0">
-              <a:schemeClr val="accent1"/>
-            </a:effectRef>
-            <a:fontRef idx="minor">
-              <a:schemeClr val="tx1"/>
-            </a:fontRef>
-          </p:style>
-        </p:cxnSp>
-        <p:cxnSp>
-          <p:nvCxnSpPr>
-            <p:cNvPr id="147" name="מחבר ישר 146"/>
-            <p:cNvCxnSpPr/>
-            <p:nvPr/>
-          </p:nvCxnSpPr>
-          <p:spPr>
-            <a:xfrm>
-              <a:off x="6588582" y="5301208"/>
-              <a:ext cx="194884" cy="0"/>
-            </a:xfrm>
-            <a:prstGeom prst="line">
-              <a:avLst/>
-            </a:prstGeom>
-            <a:ln>
-              <a:solidFill>
-                <a:schemeClr val="tx1"/>
-              </a:solidFill>
-              <a:headEnd type="none"/>
-              <a:tailEnd type="none"/>
-            </a:ln>
-          </p:spPr>
-          <p:style>
-            <a:lnRef idx="1">
-              <a:schemeClr val="accent1"/>
-            </a:lnRef>
-            <a:fillRef idx="0">
-              <a:schemeClr val="accent1"/>
-            </a:fillRef>
-            <a:effectRef idx="0">
-              <a:schemeClr val="accent1"/>
-            </a:effectRef>
-            <a:fontRef idx="minor">
-              <a:schemeClr val="tx1"/>
-            </a:fontRef>
-          </p:style>
-        </p:cxnSp>
-        <p:cxnSp>
-          <p:nvCxnSpPr>
-            <p:cNvPr id="148" name="מחבר ישר 147"/>
-            <p:cNvCxnSpPr/>
-            <p:nvPr/>
-          </p:nvCxnSpPr>
-          <p:spPr>
-            <a:xfrm flipV="1">
-              <a:off x="6947073" y="5013176"/>
-              <a:ext cx="0" cy="288032"/>
-            </a:xfrm>
-            <a:prstGeom prst="line">
-              <a:avLst/>
-            </a:prstGeom>
-            <a:ln>
-              <a:solidFill>
-                <a:schemeClr val="tx1"/>
-              </a:solidFill>
-              <a:headEnd type="none"/>
-              <a:tailEnd type="none"/>
-            </a:ln>
-          </p:spPr>
-          <p:style>
-            <a:lnRef idx="1">
-              <a:schemeClr val="accent1"/>
-            </a:lnRef>
-            <a:fillRef idx="0">
-              <a:schemeClr val="accent1"/>
-            </a:fillRef>
-            <a:effectRef idx="0">
-              <a:schemeClr val="accent1"/>
-            </a:effectRef>
-            <a:fontRef idx="minor">
-              <a:schemeClr val="tx1"/>
-            </a:fontRef>
-          </p:style>
-        </p:cxnSp>
-        <p:cxnSp>
-          <p:nvCxnSpPr>
-            <p:cNvPr id="149" name="מחבר ישר 148"/>
-            <p:cNvCxnSpPr/>
-            <p:nvPr/>
-          </p:nvCxnSpPr>
-          <p:spPr>
-            <a:xfrm>
-              <a:off x="6947073" y="5013176"/>
-              <a:ext cx="194884" cy="0"/>
-            </a:xfrm>
-            <a:prstGeom prst="line">
-              <a:avLst/>
-            </a:prstGeom>
-            <a:ln>
-              <a:solidFill>
-                <a:schemeClr val="tx1"/>
-              </a:solidFill>
-              <a:headEnd type="none"/>
-              <a:tailEnd type="none"/>
-            </a:ln>
-          </p:spPr>
-          <p:style>
-            <a:lnRef idx="1">
-              <a:schemeClr val="accent1"/>
-            </a:lnRef>
-            <a:fillRef idx="0">
-              <a:schemeClr val="accent1"/>
-            </a:fillRef>
-            <a:effectRef idx="0">
-              <a:schemeClr val="accent1"/>
-            </a:effectRef>
-            <a:fontRef idx="minor">
-              <a:schemeClr val="tx1"/>
-            </a:fontRef>
-          </p:style>
-        </p:cxnSp>
-        <p:cxnSp>
-          <p:nvCxnSpPr>
-            <p:cNvPr id="150" name="מחבר ישר 149"/>
-            <p:cNvCxnSpPr/>
-            <p:nvPr/>
-          </p:nvCxnSpPr>
-          <p:spPr>
-            <a:xfrm>
-              <a:off x="7110679" y="5013176"/>
-              <a:ext cx="194884" cy="0"/>
-            </a:xfrm>
-            <a:prstGeom prst="line">
-              <a:avLst/>
-            </a:prstGeom>
-            <a:ln>
-              <a:solidFill>
-                <a:schemeClr val="tx1"/>
-              </a:solidFill>
-              <a:headEnd type="none"/>
-              <a:tailEnd type="none"/>
-            </a:ln>
-          </p:spPr>
-          <p:style>
-            <a:lnRef idx="1">
-              <a:schemeClr val="accent1"/>
-            </a:lnRef>
-            <a:fillRef idx="0">
-              <a:schemeClr val="accent1"/>
-            </a:fillRef>
-            <a:effectRef idx="0">
-              <a:schemeClr val="accent1"/>
-            </a:effectRef>
-            <a:fontRef idx="minor">
-              <a:schemeClr val="tx1"/>
-            </a:fontRef>
-          </p:style>
-        </p:cxnSp>
-        <p:cxnSp>
-          <p:nvCxnSpPr>
-            <p:cNvPr id="151" name="מחבר ישר 150"/>
-            <p:cNvCxnSpPr/>
-            <p:nvPr/>
-          </p:nvCxnSpPr>
-          <p:spPr>
-            <a:xfrm>
-              <a:off x="7274286" y="5013176"/>
-              <a:ext cx="194884" cy="0"/>
-            </a:xfrm>
-            <a:prstGeom prst="line">
-              <a:avLst/>
-            </a:prstGeom>
-            <a:ln>
-              <a:solidFill>
-                <a:schemeClr val="tx1"/>
-              </a:solidFill>
-              <a:headEnd type="none"/>
-              <a:tailEnd type="none"/>
-            </a:ln>
-          </p:spPr>
-          <p:style>
-            <a:lnRef idx="1">
-              <a:schemeClr val="accent1"/>
-            </a:lnRef>
-            <a:fillRef idx="0">
-              <a:schemeClr val="accent1"/>
-            </a:fillRef>
-            <a:effectRef idx="0">
-              <a:schemeClr val="accent1"/>
-            </a:effectRef>
-            <a:fontRef idx="minor">
-              <a:schemeClr val="tx1"/>
-            </a:fontRef>
-          </p:style>
-        </p:cxnSp>
-        <p:cxnSp>
-          <p:nvCxnSpPr>
-            <p:cNvPr id="152" name="מחבר ישר 151"/>
-            <p:cNvCxnSpPr/>
-            <p:nvPr/>
-          </p:nvCxnSpPr>
-          <p:spPr>
-            <a:xfrm>
-              <a:off x="7437892" y="5013176"/>
-              <a:ext cx="194884" cy="0"/>
-            </a:xfrm>
-            <a:prstGeom prst="line">
-              <a:avLst/>
-            </a:prstGeom>
-            <a:ln>
-              <a:solidFill>
-                <a:schemeClr val="tx1"/>
-              </a:solidFill>
-              <a:headEnd type="none"/>
-              <a:tailEnd type="none"/>
-            </a:ln>
-          </p:spPr>
-          <p:style>
-            <a:lnRef idx="1">
-              <a:schemeClr val="accent1"/>
-            </a:lnRef>
-            <a:fillRef idx="0">
-              <a:schemeClr val="accent1"/>
-            </a:fillRef>
-            <a:effectRef idx="0">
-              <a:schemeClr val="accent1"/>
-            </a:effectRef>
-            <a:fontRef idx="minor">
-              <a:schemeClr val="tx1"/>
-            </a:fontRef>
-          </p:style>
-        </p:cxnSp>
-        <p:cxnSp>
-          <p:nvCxnSpPr>
-            <p:cNvPr id="153" name="מחבר ישר 152"/>
-            <p:cNvCxnSpPr/>
-            <p:nvPr/>
-          </p:nvCxnSpPr>
-          <p:spPr>
-            <a:xfrm flipV="1">
-              <a:off x="7642400" y="5013176"/>
-              <a:ext cx="0" cy="288032"/>
-            </a:xfrm>
-            <a:prstGeom prst="line">
-              <a:avLst/>
-            </a:prstGeom>
-            <a:ln>
-              <a:solidFill>
-                <a:schemeClr val="tx1"/>
-              </a:solidFill>
-              <a:headEnd type="none"/>
-              <a:tailEnd type="none"/>
-            </a:ln>
-          </p:spPr>
-          <p:style>
-            <a:lnRef idx="1">
-              <a:schemeClr val="accent1"/>
-            </a:lnRef>
-            <a:fillRef idx="0">
-              <a:schemeClr val="accent1"/>
-            </a:fillRef>
-            <a:effectRef idx="0">
-              <a:schemeClr val="accent1"/>
-            </a:effectRef>
-            <a:fontRef idx="minor">
-              <a:schemeClr val="tx1"/>
-            </a:fontRef>
-          </p:style>
-        </p:cxnSp>
-        <p:cxnSp>
-          <p:nvCxnSpPr>
-            <p:cNvPr id="154" name="מחבר ישר 153"/>
-            <p:cNvCxnSpPr/>
-            <p:nvPr/>
-          </p:nvCxnSpPr>
-          <p:spPr>
-            <a:xfrm>
-              <a:off x="7642400" y="5301208"/>
-              <a:ext cx="194884" cy="0"/>
-            </a:xfrm>
-            <a:prstGeom prst="line">
-              <a:avLst/>
-            </a:prstGeom>
-            <a:ln>
-              <a:solidFill>
-                <a:schemeClr val="tx1"/>
-              </a:solidFill>
-              <a:headEnd type="none"/>
-              <a:tailEnd type="none"/>
-            </a:ln>
-          </p:spPr>
-          <p:style>
-            <a:lnRef idx="1">
-              <a:schemeClr val="accent1"/>
-            </a:lnRef>
-            <a:fillRef idx="0">
-              <a:schemeClr val="accent1"/>
-            </a:fillRef>
-            <a:effectRef idx="0">
-              <a:schemeClr val="accent1"/>
-            </a:effectRef>
-            <a:fontRef idx="minor">
-              <a:schemeClr val="tx1"/>
-            </a:fontRef>
-          </p:style>
-        </p:cxnSp>
-        <p:cxnSp>
-          <p:nvCxnSpPr>
-            <p:cNvPr id="155" name="מחבר ישר 154"/>
-            <p:cNvCxnSpPr/>
-            <p:nvPr/>
-          </p:nvCxnSpPr>
-          <p:spPr>
-            <a:xfrm>
-              <a:off x="7806006" y="5301208"/>
-              <a:ext cx="194884" cy="0"/>
-            </a:xfrm>
-            <a:prstGeom prst="line">
-              <a:avLst/>
-            </a:prstGeom>
-            <a:ln>
-              <a:solidFill>
-                <a:schemeClr val="tx1"/>
-              </a:solidFill>
-              <a:headEnd type="none"/>
-              <a:tailEnd type="none"/>
-            </a:ln>
-          </p:spPr>
-          <p:style>
-            <a:lnRef idx="1">
-              <a:schemeClr val="accent1"/>
-            </a:lnRef>
-            <a:fillRef idx="0">
-              <a:schemeClr val="accent1"/>
-            </a:fillRef>
-            <a:effectRef idx="0">
-              <a:schemeClr val="accent1"/>
-            </a:effectRef>
-            <a:fontRef idx="minor">
-              <a:schemeClr val="tx1"/>
-            </a:fontRef>
-          </p:style>
-        </p:cxnSp>
-        <p:cxnSp>
-          <p:nvCxnSpPr>
-            <p:cNvPr id="156" name="מחבר ישר 155"/>
-            <p:cNvCxnSpPr/>
-            <p:nvPr/>
-          </p:nvCxnSpPr>
-          <p:spPr>
-            <a:xfrm>
-              <a:off x="7979237" y="5301208"/>
-              <a:ext cx="194884" cy="0"/>
-            </a:xfrm>
-            <a:prstGeom prst="line">
-              <a:avLst/>
-            </a:prstGeom>
-            <a:ln>
-              <a:solidFill>
-                <a:schemeClr val="tx1"/>
-              </a:solidFill>
-              <a:headEnd type="none"/>
-              <a:tailEnd type="none"/>
-            </a:ln>
-          </p:spPr>
-          <p:style>
-            <a:lnRef idx="1">
-              <a:schemeClr val="accent1"/>
-            </a:lnRef>
-            <a:fillRef idx="0">
-              <a:schemeClr val="accent1"/>
-            </a:fillRef>
-            <a:effectRef idx="0">
-              <a:schemeClr val="accent1"/>
-            </a:effectRef>
-            <a:fontRef idx="minor">
-              <a:schemeClr val="tx1"/>
-            </a:fontRef>
-          </p:style>
-        </p:cxnSp>
-        <p:cxnSp>
-          <p:nvCxnSpPr>
-            <p:cNvPr id="157" name="מחבר ישר 156"/>
-            <p:cNvCxnSpPr/>
-            <p:nvPr/>
-          </p:nvCxnSpPr>
-          <p:spPr>
-            <a:xfrm>
-              <a:off x="8152467" y="5301208"/>
-              <a:ext cx="194884" cy="0"/>
-            </a:xfrm>
-            <a:prstGeom prst="line">
-              <a:avLst/>
-            </a:prstGeom>
-            <a:ln>
-              <a:solidFill>
-                <a:schemeClr val="tx1"/>
-              </a:solidFill>
-              <a:headEnd type="none"/>
-              <a:tailEnd type="none"/>
-            </a:ln>
-          </p:spPr>
-          <p:style>
-            <a:lnRef idx="1">
-              <a:schemeClr val="accent1"/>
-            </a:lnRef>
-            <a:fillRef idx="0">
-              <a:schemeClr val="accent1"/>
-            </a:fillRef>
-            <a:effectRef idx="0">
-              <a:schemeClr val="accent1"/>
-            </a:effectRef>
-            <a:fontRef idx="minor">
-              <a:schemeClr val="tx1"/>
-            </a:fontRef>
-          </p:style>
-        </p:cxnSp>
-        <p:cxnSp>
-          <p:nvCxnSpPr>
-            <p:cNvPr id="158" name="מחבר ישר 157"/>
-            <p:cNvCxnSpPr/>
-            <p:nvPr/>
-          </p:nvCxnSpPr>
-          <p:spPr>
-            <a:xfrm>
-              <a:off x="8265548" y="5301208"/>
-              <a:ext cx="194884" cy="0"/>
-            </a:xfrm>
-            <a:prstGeom prst="line">
-              <a:avLst/>
-            </a:prstGeom>
-            <a:ln>
-              <a:solidFill>
-                <a:schemeClr val="tx1"/>
-              </a:solidFill>
-              <a:headEnd type="none"/>
-              <a:tailEnd type="none"/>
-            </a:ln>
-          </p:spPr>
-          <p:style>
-            <a:lnRef idx="1">
-              <a:schemeClr val="accent1"/>
-            </a:lnRef>
-            <a:fillRef idx="0">
-              <a:schemeClr val="accent1"/>
-            </a:fillRef>
-            <a:effectRef idx="0">
-              <a:schemeClr val="accent1"/>
-            </a:effectRef>
-            <a:fontRef idx="minor">
-              <a:schemeClr val="tx1"/>
-            </a:fontRef>
-          </p:style>
-        </p:cxnSp>
-      </p:grpSp>
-      <p:sp>
-        <p:nvSpPr>
-          <p:cNvPr id="160" name="TextBox 159"/>
-          <p:cNvSpPr txBox="1"/>
-          <p:nvPr/>
-        </p:nvSpPr>
-        <p:spPr>
-          <a:xfrm>
-            <a:off x="5796136" y="5301208"/>
-            <a:ext cx="864096" cy="338554"/>
-          </a:xfrm>
-          <a:prstGeom prst="rect">
-            <a:avLst/>
-          </a:prstGeom>
-          <a:noFill/>
-        </p:spPr>
-        <p:txBody>
-          <a:bodyPr wrap="square" rtlCol="1">
-            <a:spAutoFit/>
-          </a:bodyPr>
-          <a:lstStyle/>
-          <a:p>
-            <a:pPr algn="ctr"/>
-            <a:r>
-              <a:rPr lang="en-US" sz="1600" dirty="0" smtClean="0"/>
-              <a:t>DATA</a:t>
-            </a:r>
-            <a:endParaRPr lang="he-IL" sz="1600" dirty="0"/>
-          </a:p>
-        </p:txBody>
-      </p:sp>
-      <p:sp>
-        <p:nvSpPr>
-          <p:cNvPr id="165" name="TextBox 164"/>
-          <p:cNvSpPr txBox="1"/>
-          <p:nvPr/>
-        </p:nvSpPr>
-        <p:spPr>
-          <a:xfrm>
-            <a:off x="1691680" y="6156012"/>
-            <a:ext cx="936104" cy="369332"/>
-          </a:xfrm>
-          <a:prstGeom prst="rect">
-            <a:avLst/>
-          </a:prstGeom>
-          <a:solidFill>
-            <a:srgbClr val="FF0000"/>
-          </a:solidFill>
-        </p:spPr>
-        <p:txBody>
-          <a:bodyPr wrap="square" rtlCol="1">
-            <a:spAutoFit/>
-          </a:bodyPr>
-          <a:lstStyle/>
-          <a:p>
-            <a:pPr algn="ctr" rtl="0"/>
-            <a:r>
-              <a:rPr lang="en-US" b="1" dirty="0" smtClean="0"/>
-              <a:t>INPUT</a:t>
-            </a:r>
-            <a:endParaRPr lang="he-IL" b="1" dirty="0"/>
-          </a:p>
-        </p:txBody>
-      </p:sp>
-      <p:sp>
-        <p:nvSpPr>
-          <p:cNvPr id="166" name="TextBox 165"/>
-          <p:cNvSpPr txBox="1"/>
-          <p:nvPr/>
-        </p:nvSpPr>
-        <p:spPr>
-          <a:xfrm>
-            <a:off x="6732240" y="6165304"/>
-            <a:ext cx="1080120" cy="369332"/>
-          </a:xfrm>
-          <a:prstGeom prst="rect">
-            <a:avLst/>
-          </a:prstGeom>
-          <a:solidFill>
-            <a:srgbClr val="FF0000"/>
-          </a:solidFill>
-        </p:spPr>
-        <p:txBody>
-          <a:bodyPr wrap="square" rtlCol="1">
-            <a:spAutoFit/>
-          </a:bodyPr>
-          <a:lstStyle/>
-          <a:p>
-            <a:pPr algn="ctr" rtl="0"/>
-            <a:r>
-              <a:rPr lang="en-US" b="1" dirty="0" smtClean="0"/>
-              <a:t>OUTPUT</a:t>
-            </a:r>
-            <a:endParaRPr lang="he-IL" b="1" dirty="0"/>
-          </a:p>
-        </p:txBody>
-      </p:sp>
-      <p:sp>
-        <p:nvSpPr>
-          <p:cNvPr id="162" name="אליפסה 161"/>
-          <p:cNvSpPr/>
-          <p:nvPr/>
-        </p:nvSpPr>
-        <p:spPr>
-          <a:xfrm>
-            <a:off x="2110796" y="4523638"/>
-            <a:ext cx="549081" cy="792088"/>
-          </a:xfrm>
-          <a:prstGeom prst="ellipse">
-            <a:avLst/>
-          </a:prstGeom>
-          <a:noFill/>
-          <a:ln w="38100">
-            <a:solidFill>
-              <a:srgbClr val="FF0000"/>
-            </a:solidFill>
-          </a:ln>
-        </p:spPr>
-        <p:style>
-          <a:lnRef idx="2">
-            <a:schemeClr val="accent1">
-              <a:shade val="50000"/>
-            </a:schemeClr>
-          </a:lnRef>
-          <a:fillRef idx="1">
-            <a:schemeClr val="accent1"/>
-          </a:fillRef>
-          <a:effectRef idx="0">
-            <a:schemeClr val="accent1"/>
-          </a:effectRef>
-          <a:fontRef idx="minor">
-            <a:schemeClr val="lt1"/>
-          </a:fontRef>
-        </p:style>
-        <p:txBody>
-          <a:bodyPr rtlCol="1" anchor="ctr"/>
-          <a:lstStyle/>
-          <a:p>
-            <a:pPr algn="ctr"/>
-            <a:endParaRPr lang="he-IL"/>
-          </a:p>
-        </p:txBody>
-      </p:sp>
-      <p:sp>
-        <p:nvSpPr>
-          <p:cNvPr id="168" name="TextBox 167"/>
-          <p:cNvSpPr txBox="1"/>
-          <p:nvPr/>
-        </p:nvSpPr>
-        <p:spPr>
-          <a:xfrm>
-            <a:off x="2488558" y="4458598"/>
-            <a:ext cx="715290" cy="338554"/>
-          </a:xfrm>
-          <a:prstGeom prst="rect">
-            <a:avLst/>
-          </a:prstGeom>
-          <a:noFill/>
-        </p:spPr>
-        <p:txBody>
-          <a:bodyPr wrap="square" rtlCol="1">
-            <a:spAutoFit/>
-          </a:bodyPr>
-          <a:lstStyle/>
-          <a:p>
-            <a:pPr algn="ctr"/>
-            <a:r>
-              <a:rPr lang="en-US" sz="1600" dirty="0" smtClean="0"/>
-              <a:t>RISE</a:t>
-            </a:r>
-            <a:endParaRPr lang="he-IL" sz="1600" dirty="0"/>
-          </a:p>
-        </p:txBody>
-      </p:sp>
-      <p:sp>
-        <p:nvSpPr>
-          <p:cNvPr id="167" name="חץ ימינה 166"/>
-          <p:cNvSpPr/>
-          <p:nvPr/>
-        </p:nvSpPr>
-        <p:spPr>
-          <a:xfrm>
-            <a:off x="4860032" y="4581128"/>
-            <a:ext cx="720080" cy="720080"/>
-          </a:xfrm>
-          <a:prstGeom prst="rightArrow">
-            <a:avLst/>
-          </a:prstGeom>
-        </p:spPr>
-        <p:style>
-          <a:lnRef idx="2">
-            <a:schemeClr val="accent1">
-              <a:shade val="50000"/>
-            </a:schemeClr>
-          </a:lnRef>
-          <a:fillRef idx="1">
-            <a:schemeClr val="accent1"/>
-          </a:fillRef>
-          <a:effectRef idx="0">
-            <a:schemeClr val="accent1"/>
-          </a:effectRef>
-          <a:fontRef idx="minor">
-            <a:schemeClr val="lt1"/>
-          </a:fontRef>
-        </p:style>
-        <p:txBody>
-          <a:bodyPr rtlCol="1" anchor="ctr"/>
-          <a:lstStyle/>
-          <a:p>
-            <a:pPr algn="ctr"/>
-            <a:endParaRPr lang="he-IL"/>
+            <a:pPr algn="l" rtl="0"/>
+            <a:r>
+              <a:rPr lang="en-US" sz="2400" dirty="0" smtClean="0"/>
+              <a:t>User can chose the following configurations: </a:t>
+            </a:r>
+          </a:p>
+          <a:p>
+            <a:pPr algn="l" rtl="0"/>
+            <a:r>
+              <a:rPr lang="en-US" sz="2400" dirty="0" smtClean="0"/>
+              <a:t>Type of trigger- (rise, fall, high, low).</a:t>
+            </a:r>
+          </a:p>
+          <a:p>
+            <a:pPr algn="l" rtl="0"/>
+            <a:r>
+              <a:rPr lang="en-US" sz="2400" dirty="0"/>
+              <a:t>R</a:t>
+            </a:r>
+            <a:r>
+              <a:rPr lang="en-US" sz="2400" dirty="0" smtClean="0"/>
+              <a:t>ecording depth- (number of samples to record from each signal).</a:t>
+            </a:r>
+          </a:p>
+          <a:p>
+            <a:pPr algn="l" rtl="0"/>
+            <a:r>
+              <a:rPr lang="en-US" sz="2400" dirty="0" smtClean="0"/>
+              <a:t>Position of trigger- (the percent of data that be recorded before and after trigger rise).</a:t>
+            </a:r>
+            <a:endParaRPr lang="he-IL" sz="2400" dirty="0"/>
           </a:p>
         </p:txBody>
       </p:sp>
@@ -12781,11 +12814,7 @@
           <a:p>
             <a:r>
               <a:rPr lang="en-US" dirty="0" smtClean="0"/>
-              <a:t>I</a:t>
-            </a:r>
-            <a:r>
-              <a:rPr lang="en-US" dirty="0" smtClean="0"/>
-              <a:t>ntegration</a:t>
+              <a:t>Integration</a:t>
             </a:r>
             <a:endParaRPr lang="he-IL" dirty="0"/>
           </a:p>
@@ -14748,6 +14777,267 @@
       </p:grpSpPr>
       <p:sp>
         <p:nvSpPr>
+          <p:cNvPr id="2" name="כותרת 1"/>
+          <p:cNvSpPr>
+            <a:spLocks noGrp="1"/>
+          </p:cNvSpPr>
+          <p:nvPr>
+            <p:ph type="title"/>
+          </p:nvPr>
+        </p:nvSpPr>
+        <p:spPr/>
+        <p:txBody>
+          <a:bodyPr/>
+          <a:lstStyle/>
+          <a:p>
+            <a:pPr rtl="0"/>
+            <a:r>
+              <a:rPr lang="en-US" dirty="0"/>
+              <a:t>Core </a:t>
+            </a:r>
+            <a:r>
+              <a:rPr lang="en-US" dirty="0" err="1" smtClean="0"/>
+              <a:t>MicroArchitecture</a:t>
+            </a:r>
+            <a:endParaRPr lang="he-IL" dirty="0"/>
+          </a:p>
+        </p:txBody>
+      </p:sp>
+      <p:sp>
+        <p:nvSpPr>
+          <p:cNvPr id="3" name="מציין מיקום תוכן 2"/>
+          <p:cNvSpPr>
+            <a:spLocks noGrp="1"/>
+          </p:cNvSpPr>
+          <p:nvPr>
+            <p:ph idx="1"/>
+          </p:nvPr>
+        </p:nvSpPr>
+        <p:spPr>
+          <a:xfrm>
+            <a:off x="395536" y="1628800"/>
+            <a:ext cx="8229600" cy="4525963"/>
+          </a:xfrm>
+        </p:spPr>
+        <p:txBody>
+          <a:bodyPr/>
+          <a:lstStyle/>
+          <a:p>
+            <a:pPr marL="0" indent="0" algn="l" rtl="0">
+              <a:buNone/>
+            </a:pPr>
+            <a:r>
+              <a:rPr lang="en-US" dirty="0"/>
+              <a:t> </a:t>
+            </a:r>
+            <a:r>
+              <a:rPr lang="en-US" dirty="0" smtClean="0"/>
+              <a:t>       Microarchitecture</a:t>
+            </a:r>
+          </a:p>
+          <a:p>
+            <a:pPr marL="0" indent="0" algn="l" rtl="0">
+              <a:buNone/>
+            </a:pPr>
+            <a:endParaRPr lang="en-US" dirty="0" smtClean="0"/>
+          </a:p>
+          <a:p>
+            <a:pPr marL="0" indent="0" algn="l" rtl="0">
+              <a:buNone/>
+            </a:pPr>
+            <a:r>
+              <a:rPr lang="en-US" dirty="0" smtClean="0"/>
+              <a:t> </a:t>
+            </a:r>
+            <a:endParaRPr lang="he-IL" dirty="0"/>
+          </a:p>
+        </p:txBody>
+      </p:sp>
+      <p:pic>
+        <p:nvPicPr>
+          <p:cNvPr id="1026" name="Picture 2"/>
+          <p:cNvPicPr>
+            <a:picLocks noChangeAspect="1" noChangeArrowheads="1"/>
+          </p:cNvPicPr>
+          <p:nvPr/>
+        </p:nvPicPr>
+        <p:blipFill>
+          <a:blip r:embed="rId2">
+            <a:extLst>
+              <a:ext uri="{28A0092B-C50C-407E-A947-70E740481C1C}">
+                <a14:useLocalDpi xmlns:a14="http://schemas.microsoft.com/office/drawing/2010/main" val="0"/>
+              </a:ext>
+            </a:extLst>
+          </a:blip>
+          <a:srcRect/>
+          <a:stretch>
+            <a:fillRect/>
+          </a:stretch>
+        </p:blipFill>
+        <p:spPr bwMode="auto">
+          <a:xfrm>
+            <a:off x="0" y="2060848"/>
+            <a:ext cx="5616624" cy="4212468"/>
+          </a:xfrm>
+          <a:prstGeom prst="rect">
+            <a:avLst/>
+          </a:prstGeom>
+          <a:noFill/>
+          <a:ln>
+            <a:noFill/>
+          </a:ln>
+          <a:effectLst/>
+          <a:extLst>
+            <a:ext uri="{909E8E84-426E-40DD-AFC4-6F175D3DCCD1}">
+              <a14:hiddenFill xmlns:a14="http://schemas.microsoft.com/office/drawing/2010/main">
+                <a:solidFill>
+                  <a:schemeClr val="accent1"/>
+                </a:solidFill>
+              </a14:hiddenFill>
+            </a:ext>
+            <a:ext uri="{91240B29-F687-4F45-9708-019B960494DF}">
+              <a14:hiddenLine xmlns:a14="http://schemas.microsoft.com/office/drawing/2010/main" w="9525">
+                <a:solidFill>
+                  <a:schemeClr val="tx1"/>
+                </a:solidFill>
+                <a:miter lim="800000"/>
+                <a:headEnd/>
+                <a:tailEnd/>
+              </a14:hiddenLine>
+            </a:ext>
+            <a:ext uri="{AF507438-7753-43E0-B8FC-AC1667EBCBE1}">
+              <a14:hiddenEffects xmlns:a14="http://schemas.microsoft.com/office/drawing/2010/main">
+                <a:effectLst>
+                  <a:outerShdw dist="35921" dir="2700000" algn="ctr" rotWithShape="0">
+                    <a:schemeClr val="bg2"/>
+                  </a:outerShdw>
+                </a:effectLst>
+              </a14:hiddenEffects>
+            </a:ext>
+          </a:extLst>
+        </p:spPr>
+      </p:pic>
+      <p:sp>
+        <p:nvSpPr>
+          <p:cNvPr id="5" name="TextBox 4"/>
+          <p:cNvSpPr txBox="1"/>
+          <p:nvPr/>
+        </p:nvSpPr>
+        <p:spPr>
+          <a:xfrm>
+            <a:off x="5292080" y="1801847"/>
+            <a:ext cx="3816424" cy="3139321"/>
+          </a:xfrm>
+          <a:prstGeom prst="rect">
+            <a:avLst/>
+          </a:prstGeom>
+          <a:noFill/>
+        </p:spPr>
+        <p:txBody>
+          <a:bodyPr wrap="square" rtlCol="1">
+            <a:spAutoFit/>
+          </a:bodyPr>
+          <a:lstStyle/>
+          <a:p>
+            <a:pPr algn="l" rtl="0"/>
+            <a:r>
+              <a:rPr lang="en-US" dirty="0" smtClean="0"/>
+              <a:t>The core is built from the following entities:</a:t>
+            </a:r>
+          </a:p>
+          <a:p>
+            <a:pPr algn="l" rtl="0"/>
+            <a:r>
+              <a:rPr lang="en-US" dirty="0" smtClean="0"/>
+              <a:t>1. WB Master- send data out</a:t>
+            </a:r>
+          </a:p>
+          <a:p>
+            <a:pPr algn="l" rtl="0"/>
+            <a:r>
+              <a:rPr lang="en-US" dirty="0" smtClean="0"/>
+              <a:t>2. WB Slave- get user’s configurations</a:t>
+            </a:r>
+          </a:p>
+          <a:p>
+            <a:pPr algn="l" rtl="0"/>
+            <a:r>
+              <a:rPr lang="en-US" dirty="0" smtClean="0"/>
+              <a:t>3. Registers- save </a:t>
+            </a:r>
+            <a:r>
+              <a:rPr lang="en-US" dirty="0"/>
+              <a:t>user’s configurations </a:t>
+            </a:r>
+            <a:r>
+              <a:rPr lang="en-US" dirty="0" smtClean="0"/>
+              <a:t>4. Write Controller- get input data</a:t>
+            </a:r>
+          </a:p>
+          <a:p>
+            <a:pPr algn="l" rtl="0"/>
+            <a:r>
+              <a:rPr lang="en-US" dirty="0" smtClean="0"/>
+              <a:t>5. Read controller- extract data from the RAM and send it out</a:t>
+            </a:r>
+          </a:p>
+          <a:p>
+            <a:pPr algn="l" rtl="0"/>
+            <a:r>
+              <a:rPr lang="en-US" dirty="0" smtClean="0"/>
+              <a:t>6. RAM- memory unit</a:t>
+            </a:r>
+          </a:p>
+          <a:p>
+            <a:pPr algn="l" rtl="0"/>
+            <a:r>
+              <a:rPr lang="en-US" dirty="0" smtClean="0"/>
+              <a:t>7. Coordinator- </a:t>
+            </a:r>
+            <a:r>
+              <a:rPr lang="en-US" dirty="0"/>
+              <a:t>adjust </a:t>
+            </a:r>
+            <a:r>
+              <a:rPr lang="en-US" dirty="0" smtClean="0"/>
+              <a:t>output data width</a:t>
+            </a:r>
+            <a:endParaRPr lang="he-IL" dirty="0"/>
+          </a:p>
+        </p:txBody>
+      </p:sp>
+    </p:spTree>
+    <p:extLst>
+      <p:ext uri="{BB962C8B-B14F-4D97-AF65-F5344CB8AC3E}">
+        <p14:creationId xmlns:p14="http://schemas.microsoft.com/office/powerpoint/2010/main" val="4144508156"/>
+      </p:ext>
+    </p:extLst>
+  </p:cSld>
+  <p:clrMapOvr>
+    <a:masterClrMapping/>
+  </p:clrMapOvr>
+</p:sld>
+</file>
+
+<file path=ppt/slides/slide6.xml><?xml version="1.0" encoding="utf-8"?>
+<p:sld xmlns:a="http://schemas.openxmlformats.org/drawingml/2006/main" xmlns:r="http://schemas.openxmlformats.org/officeDocument/2006/relationships" xmlns:p="http://schemas.openxmlformats.org/presentationml/2006/main">
+  <p:cSld>
+    <p:spTree>
+      <p:nvGrpSpPr>
+        <p:cNvPr id="1" name=""/>
+        <p:cNvGrpSpPr/>
+        <p:nvPr/>
+      </p:nvGrpSpPr>
+      <p:grpSpPr>
+        <a:xfrm>
+          <a:off x="0" y="0"/>
+          <a:ext cx="0" cy="0"/>
+          <a:chOff x="0" y="0"/>
+          <a:chExt cx="0" cy="0"/>
+        </a:xfrm>
+      </p:grpSpPr>
+      <p:sp>
+        <p:nvSpPr>
           <p:cNvPr id="2" name="Title 1"/>
           <p:cNvSpPr>
             <a:spLocks noGrp="1"/>
@@ -14824,7 +15114,6 @@
               <a:rPr lang="en-US" sz="2800" dirty="0" smtClean="0"/>
               <a:t>it can be use in any device who support the UART protocol.  </a:t>
             </a:r>
-            <a:endParaRPr lang="en-US" sz="2800" dirty="0" smtClean="0"/>
           </a:p>
           <a:p>
             <a:pPr algn="l" rtl="0">
